--- a/D2P_Slide_Deck.pptx
+++ b/D2P_Slide_Deck.pptx
@@ -11,9 +11,7 @@
     <p:sldId id="267" r:id="rId5"/>
     <p:sldId id="265" r:id="rId6"/>
     <p:sldId id="261" r:id="rId7"/>
-    <p:sldId id="262" r:id="rId8"/>
-    <p:sldId id="263" r:id="rId9"/>
-    <p:sldId id="264" r:id="rId10"/>
+    <p:sldId id="263" r:id="rId8"/>
   </p:sldIdLst>
   <p:sldSz cx="12192000" cy="6858000"/>
   <p:notesSz cx="6858000" cy="9144000"/>
@@ -5831,16 +5829,9 @@
           <a:prstGeom prst="rect">
             <a:avLst/>
           </a:prstGeom>
-          <a:noFill/>
-          <a:extLst>
-            <a:ext uri="{909E8E84-426E-40DD-AFC4-6F175D3DCCD1}">
-              <a14:hiddenFill xmlns:a14="http://schemas.microsoft.com/office/drawing/2010/main">
-                <a:solidFill>
-                  <a:srgbClr val="FFFFFF"/>
-                </a:solidFill>
-              </a14:hiddenFill>
-            </a:ext>
-          </a:extLst>
+          <a:solidFill>
+            <a:schemeClr val="bg1"/>
+          </a:solidFill>
         </p:spPr>
       </p:pic>
       <p:sp>
@@ -5887,15 +5878,19 @@
             <p:ph idx="1"/>
           </p:nvPr>
         </p:nvSpPr>
-        <p:spPr/>
-        <p:txBody>
-          <a:bodyPr/>
-          <a:lstStyle/>
-          <a:p>
-            <a:r>
-              <a:rPr lang="en-US" dirty="0"/>
-              <a:t>Fill in later</a:t>
-            </a:r>
+        <p:spPr>
+          <a:xfrm>
+            <a:off x="733167" y="6661009"/>
+            <a:ext cx="10515600" cy="122152"/>
+          </a:xfrm>
+        </p:spPr>
+        <p:txBody>
+          <a:bodyPr>
+            <a:normAutofit fontScale="25000" lnSpcReduction="20000"/>
+          </a:bodyPr>
+          <a:lstStyle/>
+          <a:p>
+            <a:endParaRPr lang="en-US" dirty="0"/>
           </a:p>
         </p:txBody>
       </p:sp>
@@ -5970,6 +5965,3392 @@
           </a:prstGeom>
         </p:spPr>
       </p:pic>
+      <p:sp>
+        <p:nvSpPr>
+          <p:cNvPr id="5" name="Oval 4">
+            <a:extLst>
+              <a:ext uri="{FF2B5EF4-FFF2-40B4-BE49-F238E27FC236}">
+                <a16:creationId xmlns:a16="http://schemas.microsoft.com/office/drawing/2014/main" id="{B5342B1B-46D3-48C5-A727-4D0F296A477D}"/>
+              </a:ext>
+            </a:extLst>
+          </p:cNvPr>
+          <p:cNvSpPr/>
+          <p:nvPr/>
+        </p:nvSpPr>
+        <p:spPr>
+          <a:xfrm>
+            <a:off x="2279988" y="1690688"/>
+            <a:ext cx="222421" cy="222422"/>
+          </a:xfrm>
+          <a:prstGeom prst="ellipse">
+            <a:avLst/>
+          </a:prstGeom>
+          <a:ln>
+            <a:noFill/>
+          </a:ln>
+        </p:spPr>
+        <p:style>
+          <a:lnRef idx="2">
+            <a:schemeClr val="accent1">
+              <a:shade val="50000"/>
+            </a:schemeClr>
+          </a:lnRef>
+          <a:fillRef idx="1">
+            <a:schemeClr val="accent1"/>
+          </a:fillRef>
+          <a:effectRef idx="0">
+            <a:schemeClr val="accent1"/>
+          </a:effectRef>
+          <a:fontRef idx="minor">
+            <a:schemeClr val="lt1"/>
+          </a:fontRef>
+        </p:style>
+        <p:txBody>
+          <a:bodyPr rtlCol="0" anchor="ctr"/>
+          <a:lstStyle/>
+          <a:p>
+            <a:pPr algn="ctr"/>
+            <a:endParaRPr lang="en-US"/>
+          </a:p>
+        </p:txBody>
+      </p:sp>
+      <p:sp>
+        <p:nvSpPr>
+          <p:cNvPr id="7" name="Oval 6">
+            <a:extLst>
+              <a:ext uri="{FF2B5EF4-FFF2-40B4-BE49-F238E27FC236}">
+                <a16:creationId xmlns:a16="http://schemas.microsoft.com/office/drawing/2014/main" id="{717CB526-8AD8-44D0-99CE-0CEA04951B4E}"/>
+              </a:ext>
+            </a:extLst>
+          </p:cNvPr>
+          <p:cNvSpPr/>
+          <p:nvPr/>
+        </p:nvSpPr>
+        <p:spPr>
+          <a:xfrm>
+            <a:off x="1956653" y="2244682"/>
+            <a:ext cx="222421" cy="222422"/>
+          </a:xfrm>
+          <a:prstGeom prst="ellipse">
+            <a:avLst/>
+          </a:prstGeom>
+          <a:solidFill>
+            <a:srgbClr val="7030A0"/>
+          </a:solidFill>
+          <a:ln>
+            <a:noFill/>
+          </a:ln>
+        </p:spPr>
+        <p:style>
+          <a:lnRef idx="2">
+            <a:schemeClr val="accent1">
+              <a:shade val="50000"/>
+            </a:schemeClr>
+          </a:lnRef>
+          <a:fillRef idx="1">
+            <a:schemeClr val="accent1"/>
+          </a:fillRef>
+          <a:effectRef idx="0">
+            <a:schemeClr val="accent1"/>
+          </a:effectRef>
+          <a:fontRef idx="minor">
+            <a:schemeClr val="lt1"/>
+          </a:fontRef>
+        </p:style>
+        <p:txBody>
+          <a:bodyPr rtlCol="0" anchor="ctr"/>
+          <a:lstStyle/>
+          <a:p>
+            <a:pPr algn="ctr"/>
+            <a:endParaRPr lang="en-US"/>
+          </a:p>
+        </p:txBody>
+      </p:sp>
+      <p:sp>
+        <p:nvSpPr>
+          <p:cNvPr id="8" name="Oval 7">
+            <a:extLst>
+              <a:ext uri="{FF2B5EF4-FFF2-40B4-BE49-F238E27FC236}">
+                <a16:creationId xmlns:a16="http://schemas.microsoft.com/office/drawing/2014/main" id="{C4EADBEB-CDBA-4EAC-8207-7E84680261CE}"/>
+              </a:ext>
+            </a:extLst>
+          </p:cNvPr>
+          <p:cNvSpPr/>
+          <p:nvPr/>
+        </p:nvSpPr>
+        <p:spPr>
+          <a:xfrm>
+            <a:off x="2603324" y="2244682"/>
+            <a:ext cx="222421" cy="222422"/>
+          </a:xfrm>
+          <a:prstGeom prst="ellipse">
+            <a:avLst/>
+          </a:prstGeom>
+          <a:solidFill>
+            <a:srgbClr val="FF0000"/>
+          </a:solidFill>
+          <a:ln>
+            <a:noFill/>
+          </a:ln>
+        </p:spPr>
+        <p:style>
+          <a:lnRef idx="2">
+            <a:schemeClr val="accent1">
+              <a:shade val="50000"/>
+            </a:schemeClr>
+          </a:lnRef>
+          <a:fillRef idx="1">
+            <a:schemeClr val="accent1"/>
+          </a:fillRef>
+          <a:effectRef idx="0">
+            <a:schemeClr val="accent1"/>
+          </a:effectRef>
+          <a:fontRef idx="minor">
+            <a:schemeClr val="lt1"/>
+          </a:fontRef>
+        </p:style>
+        <p:txBody>
+          <a:bodyPr rtlCol="0" anchor="ctr"/>
+          <a:lstStyle/>
+          <a:p>
+            <a:pPr algn="ctr"/>
+            <a:endParaRPr lang="en-US"/>
+          </a:p>
+        </p:txBody>
+      </p:sp>
+      <p:sp>
+        <p:nvSpPr>
+          <p:cNvPr id="17" name="Oval 16">
+            <a:extLst>
+              <a:ext uri="{FF2B5EF4-FFF2-40B4-BE49-F238E27FC236}">
+                <a16:creationId xmlns:a16="http://schemas.microsoft.com/office/drawing/2014/main" id="{33981FD4-0CAA-46E8-9461-1E41BC29F530}"/>
+              </a:ext>
+            </a:extLst>
+          </p:cNvPr>
+          <p:cNvSpPr/>
+          <p:nvPr/>
+        </p:nvSpPr>
+        <p:spPr>
+          <a:xfrm>
+            <a:off x="6019883" y="1690688"/>
+            <a:ext cx="222421" cy="222422"/>
+          </a:xfrm>
+          <a:prstGeom prst="ellipse">
+            <a:avLst/>
+          </a:prstGeom>
+          <a:ln>
+            <a:noFill/>
+          </a:ln>
+        </p:spPr>
+        <p:style>
+          <a:lnRef idx="2">
+            <a:schemeClr val="accent1">
+              <a:shade val="50000"/>
+            </a:schemeClr>
+          </a:lnRef>
+          <a:fillRef idx="1">
+            <a:schemeClr val="accent1"/>
+          </a:fillRef>
+          <a:effectRef idx="0">
+            <a:schemeClr val="accent1"/>
+          </a:effectRef>
+          <a:fontRef idx="minor">
+            <a:schemeClr val="lt1"/>
+          </a:fontRef>
+        </p:style>
+        <p:txBody>
+          <a:bodyPr rtlCol="0" anchor="ctr"/>
+          <a:lstStyle/>
+          <a:p>
+            <a:pPr algn="ctr"/>
+            <a:endParaRPr lang="en-US"/>
+          </a:p>
+        </p:txBody>
+      </p:sp>
+      <p:sp>
+        <p:nvSpPr>
+          <p:cNvPr id="19" name="Oval 18">
+            <a:extLst>
+              <a:ext uri="{FF2B5EF4-FFF2-40B4-BE49-F238E27FC236}">
+                <a16:creationId xmlns:a16="http://schemas.microsoft.com/office/drawing/2014/main" id="{54070E2C-D0B6-467C-ABD3-2670C9AD9926}"/>
+              </a:ext>
+            </a:extLst>
+          </p:cNvPr>
+          <p:cNvSpPr/>
+          <p:nvPr/>
+        </p:nvSpPr>
+        <p:spPr>
+          <a:xfrm>
+            <a:off x="6343219" y="2244682"/>
+            <a:ext cx="222421" cy="222422"/>
+          </a:xfrm>
+          <a:prstGeom prst="ellipse">
+            <a:avLst/>
+          </a:prstGeom>
+          <a:solidFill>
+            <a:srgbClr val="FF0000"/>
+          </a:solidFill>
+          <a:ln>
+            <a:noFill/>
+          </a:ln>
+        </p:spPr>
+        <p:style>
+          <a:lnRef idx="2">
+            <a:schemeClr val="accent1">
+              <a:shade val="50000"/>
+            </a:schemeClr>
+          </a:lnRef>
+          <a:fillRef idx="1">
+            <a:schemeClr val="accent1"/>
+          </a:fillRef>
+          <a:effectRef idx="0">
+            <a:schemeClr val="accent1"/>
+          </a:effectRef>
+          <a:fontRef idx="minor">
+            <a:schemeClr val="lt1"/>
+          </a:fontRef>
+        </p:style>
+        <p:txBody>
+          <a:bodyPr rtlCol="0" anchor="ctr"/>
+          <a:lstStyle/>
+          <a:p>
+            <a:pPr algn="ctr"/>
+            <a:endParaRPr lang="en-US"/>
+          </a:p>
+        </p:txBody>
+      </p:sp>
+      <p:sp>
+        <p:nvSpPr>
+          <p:cNvPr id="20" name="Oval 19">
+            <a:extLst>
+              <a:ext uri="{FF2B5EF4-FFF2-40B4-BE49-F238E27FC236}">
+                <a16:creationId xmlns:a16="http://schemas.microsoft.com/office/drawing/2014/main" id="{7BEFE8C4-33A0-4CC5-8608-C0A592B5A5BE}"/>
+              </a:ext>
+            </a:extLst>
+          </p:cNvPr>
+          <p:cNvSpPr/>
+          <p:nvPr/>
+        </p:nvSpPr>
+        <p:spPr>
+          <a:xfrm>
+            <a:off x="9375745" y="1736125"/>
+            <a:ext cx="222421" cy="222422"/>
+          </a:xfrm>
+          <a:prstGeom prst="ellipse">
+            <a:avLst/>
+          </a:prstGeom>
+          <a:ln>
+            <a:noFill/>
+          </a:ln>
+        </p:spPr>
+        <p:style>
+          <a:lnRef idx="2">
+            <a:schemeClr val="accent1">
+              <a:shade val="50000"/>
+            </a:schemeClr>
+          </a:lnRef>
+          <a:fillRef idx="1">
+            <a:schemeClr val="accent1"/>
+          </a:fillRef>
+          <a:effectRef idx="0">
+            <a:schemeClr val="accent1"/>
+          </a:effectRef>
+          <a:fontRef idx="minor">
+            <a:schemeClr val="lt1"/>
+          </a:fontRef>
+        </p:style>
+        <p:txBody>
+          <a:bodyPr rtlCol="0" anchor="ctr"/>
+          <a:lstStyle/>
+          <a:p>
+            <a:pPr algn="ctr"/>
+            <a:endParaRPr lang="en-US" dirty="0"/>
+          </a:p>
+        </p:txBody>
+      </p:sp>
+      <p:sp>
+        <p:nvSpPr>
+          <p:cNvPr id="21" name="Oval 20">
+            <a:extLst>
+              <a:ext uri="{FF2B5EF4-FFF2-40B4-BE49-F238E27FC236}">
+                <a16:creationId xmlns:a16="http://schemas.microsoft.com/office/drawing/2014/main" id="{1BDC1B43-05C8-4DE2-96B4-46174FAEC2FD}"/>
+              </a:ext>
+            </a:extLst>
+          </p:cNvPr>
+          <p:cNvSpPr/>
+          <p:nvPr/>
+        </p:nvSpPr>
+        <p:spPr>
+          <a:xfrm>
+            <a:off x="8729074" y="2290119"/>
+            <a:ext cx="222421" cy="222422"/>
+          </a:xfrm>
+          <a:prstGeom prst="ellipse">
+            <a:avLst/>
+          </a:prstGeom>
+          <a:ln>
+            <a:noFill/>
+          </a:ln>
+        </p:spPr>
+        <p:style>
+          <a:lnRef idx="2">
+            <a:schemeClr val="accent1">
+              <a:shade val="50000"/>
+            </a:schemeClr>
+          </a:lnRef>
+          <a:fillRef idx="1">
+            <a:schemeClr val="accent1"/>
+          </a:fillRef>
+          <a:effectRef idx="0">
+            <a:schemeClr val="accent1"/>
+          </a:effectRef>
+          <a:fontRef idx="minor">
+            <a:schemeClr val="lt1"/>
+          </a:fontRef>
+        </p:style>
+        <p:txBody>
+          <a:bodyPr rtlCol="0" anchor="ctr"/>
+          <a:lstStyle/>
+          <a:p>
+            <a:pPr algn="ctr"/>
+            <a:endParaRPr lang="en-US"/>
+          </a:p>
+        </p:txBody>
+      </p:sp>
+      <p:sp>
+        <p:nvSpPr>
+          <p:cNvPr id="22" name="Oval 21">
+            <a:extLst>
+              <a:ext uri="{FF2B5EF4-FFF2-40B4-BE49-F238E27FC236}">
+                <a16:creationId xmlns:a16="http://schemas.microsoft.com/office/drawing/2014/main" id="{2CA273A7-B1F7-4C72-8368-BBB784E20118}"/>
+              </a:ext>
+            </a:extLst>
+          </p:cNvPr>
+          <p:cNvSpPr/>
+          <p:nvPr/>
+        </p:nvSpPr>
+        <p:spPr>
+          <a:xfrm>
+            <a:off x="9972957" y="2290119"/>
+            <a:ext cx="222421" cy="222422"/>
+          </a:xfrm>
+          <a:prstGeom prst="ellipse">
+            <a:avLst/>
+          </a:prstGeom>
+          <a:ln>
+            <a:noFill/>
+          </a:ln>
+        </p:spPr>
+        <p:style>
+          <a:lnRef idx="2">
+            <a:schemeClr val="accent1">
+              <a:shade val="50000"/>
+            </a:schemeClr>
+          </a:lnRef>
+          <a:fillRef idx="1">
+            <a:schemeClr val="accent1"/>
+          </a:fillRef>
+          <a:effectRef idx="0">
+            <a:schemeClr val="accent1"/>
+          </a:effectRef>
+          <a:fontRef idx="minor">
+            <a:schemeClr val="lt1"/>
+          </a:fontRef>
+        </p:style>
+        <p:txBody>
+          <a:bodyPr rtlCol="0" anchor="ctr"/>
+          <a:lstStyle/>
+          <a:p>
+            <a:pPr algn="ctr"/>
+            <a:endParaRPr lang="en-US"/>
+          </a:p>
+        </p:txBody>
+      </p:sp>
+      <p:sp>
+        <p:nvSpPr>
+          <p:cNvPr id="29" name="Oval 28">
+            <a:extLst>
+              <a:ext uri="{FF2B5EF4-FFF2-40B4-BE49-F238E27FC236}">
+                <a16:creationId xmlns:a16="http://schemas.microsoft.com/office/drawing/2014/main" id="{B40E1B17-4C1F-4BA3-AFC8-98EB1AFA57F6}"/>
+              </a:ext>
+            </a:extLst>
+          </p:cNvPr>
+          <p:cNvSpPr/>
+          <p:nvPr/>
+        </p:nvSpPr>
+        <p:spPr>
+          <a:xfrm>
+            <a:off x="5696547" y="2248801"/>
+            <a:ext cx="222421" cy="222422"/>
+          </a:xfrm>
+          <a:prstGeom prst="ellipse">
+            <a:avLst/>
+          </a:prstGeom>
+          <a:ln>
+            <a:noFill/>
+          </a:ln>
+        </p:spPr>
+        <p:style>
+          <a:lnRef idx="2">
+            <a:schemeClr val="accent1">
+              <a:shade val="50000"/>
+            </a:schemeClr>
+          </a:lnRef>
+          <a:fillRef idx="1">
+            <a:schemeClr val="accent1"/>
+          </a:fillRef>
+          <a:effectRef idx="0">
+            <a:schemeClr val="accent1"/>
+          </a:effectRef>
+          <a:fontRef idx="minor">
+            <a:schemeClr val="lt1"/>
+          </a:fontRef>
+        </p:style>
+        <p:txBody>
+          <a:bodyPr rtlCol="0" anchor="ctr"/>
+          <a:lstStyle/>
+          <a:p>
+            <a:pPr algn="ctr"/>
+            <a:endParaRPr lang="en-US"/>
+          </a:p>
+        </p:txBody>
+      </p:sp>
+      <p:sp>
+        <p:nvSpPr>
+          <p:cNvPr id="30" name="Oval 29">
+            <a:extLst>
+              <a:ext uri="{FF2B5EF4-FFF2-40B4-BE49-F238E27FC236}">
+                <a16:creationId xmlns:a16="http://schemas.microsoft.com/office/drawing/2014/main" id="{BBF1082B-5805-434B-B101-E376A2C31F31}"/>
+              </a:ext>
+            </a:extLst>
+          </p:cNvPr>
+          <p:cNvSpPr/>
+          <p:nvPr/>
+        </p:nvSpPr>
+        <p:spPr>
+          <a:xfrm>
+            <a:off x="5373212" y="2802795"/>
+            <a:ext cx="222421" cy="222422"/>
+          </a:xfrm>
+          <a:prstGeom prst="ellipse">
+            <a:avLst/>
+          </a:prstGeom>
+          <a:solidFill>
+            <a:srgbClr val="7030A0"/>
+          </a:solidFill>
+          <a:ln>
+            <a:noFill/>
+          </a:ln>
+        </p:spPr>
+        <p:style>
+          <a:lnRef idx="2">
+            <a:schemeClr val="accent1">
+              <a:shade val="50000"/>
+            </a:schemeClr>
+          </a:lnRef>
+          <a:fillRef idx="1">
+            <a:schemeClr val="accent1"/>
+          </a:fillRef>
+          <a:effectRef idx="0">
+            <a:schemeClr val="accent1"/>
+          </a:effectRef>
+          <a:fontRef idx="minor">
+            <a:schemeClr val="lt1"/>
+          </a:fontRef>
+        </p:style>
+        <p:txBody>
+          <a:bodyPr rtlCol="0" anchor="ctr"/>
+          <a:lstStyle/>
+          <a:p>
+            <a:pPr algn="ctr"/>
+            <a:endParaRPr lang="en-US"/>
+          </a:p>
+        </p:txBody>
+      </p:sp>
+      <p:sp>
+        <p:nvSpPr>
+          <p:cNvPr id="31" name="Oval 30">
+            <a:extLst>
+              <a:ext uri="{FF2B5EF4-FFF2-40B4-BE49-F238E27FC236}">
+                <a16:creationId xmlns:a16="http://schemas.microsoft.com/office/drawing/2014/main" id="{83115D3F-07F8-48FD-B1B1-A8924965C846}"/>
+              </a:ext>
+            </a:extLst>
+          </p:cNvPr>
+          <p:cNvSpPr/>
+          <p:nvPr/>
+        </p:nvSpPr>
+        <p:spPr>
+          <a:xfrm>
+            <a:off x="6019883" y="2802795"/>
+            <a:ext cx="222421" cy="222422"/>
+          </a:xfrm>
+          <a:prstGeom prst="ellipse">
+            <a:avLst/>
+          </a:prstGeom>
+          <a:solidFill>
+            <a:srgbClr val="FF0000"/>
+          </a:solidFill>
+          <a:ln>
+            <a:noFill/>
+          </a:ln>
+        </p:spPr>
+        <p:style>
+          <a:lnRef idx="2">
+            <a:schemeClr val="accent1">
+              <a:shade val="50000"/>
+            </a:schemeClr>
+          </a:lnRef>
+          <a:fillRef idx="1">
+            <a:schemeClr val="accent1"/>
+          </a:fillRef>
+          <a:effectRef idx="0">
+            <a:schemeClr val="accent1"/>
+          </a:effectRef>
+          <a:fontRef idx="minor">
+            <a:schemeClr val="lt1"/>
+          </a:fontRef>
+        </p:style>
+        <p:txBody>
+          <a:bodyPr rtlCol="0" anchor="ctr"/>
+          <a:lstStyle/>
+          <a:p>
+            <a:pPr algn="ctr"/>
+            <a:endParaRPr lang="en-US"/>
+          </a:p>
+        </p:txBody>
+      </p:sp>
+      <p:sp>
+        <p:nvSpPr>
+          <p:cNvPr id="36" name="Oval 35">
+            <a:extLst>
+              <a:ext uri="{FF2B5EF4-FFF2-40B4-BE49-F238E27FC236}">
+                <a16:creationId xmlns:a16="http://schemas.microsoft.com/office/drawing/2014/main" id="{9E10BA91-3D63-4A3E-90E7-EA5A4F068752}"/>
+              </a:ext>
+            </a:extLst>
+          </p:cNvPr>
+          <p:cNvSpPr/>
+          <p:nvPr/>
+        </p:nvSpPr>
+        <p:spPr>
+          <a:xfrm>
+            <a:off x="8404668" y="2844113"/>
+            <a:ext cx="222421" cy="222422"/>
+          </a:xfrm>
+          <a:prstGeom prst="ellipse">
+            <a:avLst/>
+          </a:prstGeom>
+          <a:solidFill>
+            <a:srgbClr val="7030A0"/>
+          </a:solidFill>
+          <a:ln>
+            <a:noFill/>
+          </a:ln>
+        </p:spPr>
+        <p:style>
+          <a:lnRef idx="2">
+            <a:schemeClr val="accent1">
+              <a:shade val="50000"/>
+            </a:schemeClr>
+          </a:lnRef>
+          <a:fillRef idx="1">
+            <a:schemeClr val="accent1"/>
+          </a:fillRef>
+          <a:effectRef idx="0">
+            <a:schemeClr val="accent1"/>
+          </a:effectRef>
+          <a:fontRef idx="minor">
+            <a:schemeClr val="lt1"/>
+          </a:fontRef>
+        </p:style>
+        <p:txBody>
+          <a:bodyPr rtlCol="0" anchor="ctr"/>
+          <a:lstStyle/>
+          <a:p>
+            <a:pPr algn="ctr"/>
+            <a:endParaRPr lang="en-US"/>
+          </a:p>
+        </p:txBody>
+      </p:sp>
+      <p:sp>
+        <p:nvSpPr>
+          <p:cNvPr id="37" name="Oval 36">
+            <a:extLst>
+              <a:ext uri="{FF2B5EF4-FFF2-40B4-BE49-F238E27FC236}">
+                <a16:creationId xmlns:a16="http://schemas.microsoft.com/office/drawing/2014/main" id="{53A490B1-489E-421F-931B-ACAA79DC67C5}"/>
+              </a:ext>
+            </a:extLst>
+          </p:cNvPr>
+          <p:cNvSpPr/>
+          <p:nvPr/>
+        </p:nvSpPr>
+        <p:spPr>
+          <a:xfrm>
+            <a:off x="9051339" y="2844113"/>
+            <a:ext cx="222421" cy="222422"/>
+          </a:xfrm>
+          <a:prstGeom prst="ellipse">
+            <a:avLst/>
+          </a:prstGeom>
+          <a:solidFill>
+            <a:srgbClr val="FF0000"/>
+          </a:solidFill>
+          <a:ln>
+            <a:noFill/>
+          </a:ln>
+        </p:spPr>
+        <p:style>
+          <a:lnRef idx="2">
+            <a:schemeClr val="accent1">
+              <a:shade val="50000"/>
+            </a:schemeClr>
+          </a:lnRef>
+          <a:fillRef idx="1">
+            <a:schemeClr val="accent1"/>
+          </a:fillRef>
+          <a:effectRef idx="0">
+            <a:schemeClr val="accent1"/>
+          </a:effectRef>
+          <a:fontRef idx="minor">
+            <a:schemeClr val="lt1"/>
+          </a:fontRef>
+        </p:style>
+        <p:txBody>
+          <a:bodyPr rtlCol="0" anchor="ctr"/>
+          <a:lstStyle/>
+          <a:p>
+            <a:pPr algn="ctr"/>
+            <a:endParaRPr lang="en-US"/>
+          </a:p>
+        </p:txBody>
+      </p:sp>
+      <p:sp>
+        <p:nvSpPr>
+          <p:cNvPr id="39" name="Oval 38">
+            <a:extLst>
+              <a:ext uri="{FF2B5EF4-FFF2-40B4-BE49-F238E27FC236}">
+                <a16:creationId xmlns:a16="http://schemas.microsoft.com/office/drawing/2014/main" id="{9D8715CC-DE4C-4110-B0F6-9E228DF8CD39}"/>
+              </a:ext>
+            </a:extLst>
+          </p:cNvPr>
+          <p:cNvSpPr/>
+          <p:nvPr/>
+        </p:nvSpPr>
+        <p:spPr>
+          <a:xfrm>
+            <a:off x="9658863" y="2844113"/>
+            <a:ext cx="222421" cy="222422"/>
+          </a:xfrm>
+          <a:prstGeom prst="ellipse">
+            <a:avLst/>
+          </a:prstGeom>
+          <a:solidFill>
+            <a:srgbClr val="7030A0"/>
+          </a:solidFill>
+          <a:ln>
+            <a:noFill/>
+          </a:ln>
+        </p:spPr>
+        <p:style>
+          <a:lnRef idx="2">
+            <a:schemeClr val="accent1">
+              <a:shade val="50000"/>
+            </a:schemeClr>
+          </a:lnRef>
+          <a:fillRef idx="1">
+            <a:schemeClr val="accent1"/>
+          </a:fillRef>
+          <a:effectRef idx="0">
+            <a:schemeClr val="accent1"/>
+          </a:effectRef>
+          <a:fontRef idx="minor">
+            <a:schemeClr val="lt1"/>
+          </a:fontRef>
+        </p:style>
+        <p:txBody>
+          <a:bodyPr rtlCol="0" anchor="ctr"/>
+          <a:lstStyle/>
+          <a:p>
+            <a:pPr algn="ctr"/>
+            <a:endParaRPr lang="en-US"/>
+          </a:p>
+        </p:txBody>
+      </p:sp>
+      <p:sp>
+        <p:nvSpPr>
+          <p:cNvPr id="40" name="Oval 39">
+            <a:extLst>
+              <a:ext uri="{FF2B5EF4-FFF2-40B4-BE49-F238E27FC236}">
+                <a16:creationId xmlns:a16="http://schemas.microsoft.com/office/drawing/2014/main" id="{EA555E88-B74B-4ABA-8FE2-DE6F14C6CE50}"/>
+              </a:ext>
+            </a:extLst>
+          </p:cNvPr>
+          <p:cNvSpPr/>
+          <p:nvPr/>
+        </p:nvSpPr>
+        <p:spPr>
+          <a:xfrm>
+            <a:off x="10305534" y="2844113"/>
+            <a:ext cx="222421" cy="222422"/>
+          </a:xfrm>
+          <a:prstGeom prst="ellipse">
+            <a:avLst/>
+          </a:prstGeom>
+          <a:solidFill>
+            <a:srgbClr val="FF0000"/>
+          </a:solidFill>
+          <a:ln>
+            <a:noFill/>
+          </a:ln>
+        </p:spPr>
+        <p:style>
+          <a:lnRef idx="2">
+            <a:schemeClr val="accent1">
+              <a:shade val="50000"/>
+            </a:schemeClr>
+          </a:lnRef>
+          <a:fillRef idx="1">
+            <a:schemeClr val="accent1"/>
+          </a:fillRef>
+          <a:effectRef idx="0">
+            <a:schemeClr val="accent1"/>
+          </a:effectRef>
+          <a:fontRef idx="minor">
+            <a:schemeClr val="lt1"/>
+          </a:fontRef>
+        </p:style>
+        <p:txBody>
+          <a:bodyPr rtlCol="0" anchor="ctr"/>
+          <a:lstStyle/>
+          <a:p>
+            <a:pPr algn="ctr"/>
+            <a:endParaRPr lang="en-US"/>
+          </a:p>
+        </p:txBody>
+      </p:sp>
+      <p:sp>
+        <p:nvSpPr>
+          <p:cNvPr id="41" name="Oval 40">
+            <a:extLst>
+              <a:ext uri="{FF2B5EF4-FFF2-40B4-BE49-F238E27FC236}">
+                <a16:creationId xmlns:a16="http://schemas.microsoft.com/office/drawing/2014/main" id="{B5BFEA2A-3206-4D24-93BE-ED7BE7295BF2}"/>
+              </a:ext>
+            </a:extLst>
+          </p:cNvPr>
+          <p:cNvSpPr/>
+          <p:nvPr/>
+        </p:nvSpPr>
+        <p:spPr>
+          <a:xfrm>
+            <a:off x="3761592" y="3725692"/>
+            <a:ext cx="222421" cy="222422"/>
+          </a:xfrm>
+          <a:prstGeom prst="ellipse">
+            <a:avLst/>
+          </a:prstGeom>
+          <a:ln>
+            <a:noFill/>
+          </a:ln>
+        </p:spPr>
+        <p:style>
+          <a:lnRef idx="2">
+            <a:schemeClr val="accent1">
+              <a:shade val="50000"/>
+            </a:schemeClr>
+          </a:lnRef>
+          <a:fillRef idx="1">
+            <a:schemeClr val="accent1"/>
+          </a:fillRef>
+          <a:effectRef idx="0">
+            <a:schemeClr val="accent1"/>
+          </a:effectRef>
+          <a:fontRef idx="minor">
+            <a:schemeClr val="lt1"/>
+          </a:fontRef>
+        </p:style>
+        <p:txBody>
+          <a:bodyPr rtlCol="0" anchor="ctr"/>
+          <a:lstStyle/>
+          <a:p>
+            <a:pPr algn="ctr"/>
+            <a:endParaRPr lang="en-US"/>
+          </a:p>
+        </p:txBody>
+      </p:sp>
+      <p:sp>
+        <p:nvSpPr>
+          <p:cNvPr id="42" name="Oval 41">
+            <a:extLst>
+              <a:ext uri="{FF2B5EF4-FFF2-40B4-BE49-F238E27FC236}">
+                <a16:creationId xmlns:a16="http://schemas.microsoft.com/office/drawing/2014/main" id="{8F14B358-8CFB-469C-90B9-7FFD2C8F5E76}"/>
+              </a:ext>
+            </a:extLst>
+          </p:cNvPr>
+          <p:cNvSpPr/>
+          <p:nvPr/>
+        </p:nvSpPr>
+        <p:spPr>
+          <a:xfrm>
+            <a:off x="3114921" y="4279686"/>
+            <a:ext cx="222421" cy="222422"/>
+          </a:xfrm>
+          <a:prstGeom prst="ellipse">
+            <a:avLst/>
+          </a:prstGeom>
+          <a:ln>
+            <a:noFill/>
+          </a:ln>
+        </p:spPr>
+        <p:style>
+          <a:lnRef idx="2">
+            <a:schemeClr val="accent1">
+              <a:shade val="50000"/>
+            </a:schemeClr>
+          </a:lnRef>
+          <a:fillRef idx="1">
+            <a:schemeClr val="accent1"/>
+          </a:fillRef>
+          <a:effectRef idx="0">
+            <a:schemeClr val="accent1"/>
+          </a:effectRef>
+          <a:fontRef idx="minor">
+            <a:schemeClr val="lt1"/>
+          </a:fontRef>
+        </p:style>
+        <p:txBody>
+          <a:bodyPr rtlCol="0" anchor="ctr"/>
+          <a:lstStyle/>
+          <a:p>
+            <a:pPr algn="ctr"/>
+            <a:endParaRPr lang="en-US"/>
+          </a:p>
+        </p:txBody>
+      </p:sp>
+      <p:sp>
+        <p:nvSpPr>
+          <p:cNvPr id="43" name="Oval 42">
+            <a:extLst>
+              <a:ext uri="{FF2B5EF4-FFF2-40B4-BE49-F238E27FC236}">
+                <a16:creationId xmlns:a16="http://schemas.microsoft.com/office/drawing/2014/main" id="{CA07BDDD-209C-4B0C-B2B9-389528A0D547}"/>
+              </a:ext>
+            </a:extLst>
+          </p:cNvPr>
+          <p:cNvSpPr/>
+          <p:nvPr/>
+        </p:nvSpPr>
+        <p:spPr>
+          <a:xfrm>
+            <a:off x="4358804" y="4279686"/>
+            <a:ext cx="222421" cy="222422"/>
+          </a:xfrm>
+          <a:prstGeom prst="ellipse">
+            <a:avLst/>
+          </a:prstGeom>
+          <a:ln>
+            <a:noFill/>
+          </a:ln>
+        </p:spPr>
+        <p:style>
+          <a:lnRef idx="2">
+            <a:schemeClr val="accent1">
+              <a:shade val="50000"/>
+            </a:schemeClr>
+          </a:lnRef>
+          <a:fillRef idx="1">
+            <a:schemeClr val="accent1"/>
+          </a:fillRef>
+          <a:effectRef idx="0">
+            <a:schemeClr val="accent1"/>
+          </a:effectRef>
+          <a:fontRef idx="minor">
+            <a:schemeClr val="lt1"/>
+          </a:fontRef>
+        </p:style>
+        <p:txBody>
+          <a:bodyPr rtlCol="0" anchor="ctr"/>
+          <a:lstStyle/>
+          <a:p>
+            <a:pPr algn="ctr"/>
+            <a:endParaRPr lang="en-US"/>
+          </a:p>
+        </p:txBody>
+      </p:sp>
+      <p:sp>
+        <p:nvSpPr>
+          <p:cNvPr id="44" name="Oval 43">
+            <a:extLst>
+              <a:ext uri="{FF2B5EF4-FFF2-40B4-BE49-F238E27FC236}">
+                <a16:creationId xmlns:a16="http://schemas.microsoft.com/office/drawing/2014/main" id="{B258557D-7ED9-47CF-8E59-541B2AEBEE71}"/>
+              </a:ext>
+            </a:extLst>
+          </p:cNvPr>
+          <p:cNvSpPr/>
+          <p:nvPr/>
+        </p:nvSpPr>
+        <p:spPr>
+          <a:xfrm>
+            <a:off x="2790515" y="4833680"/>
+            <a:ext cx="222421" cy="222422"/>
+          </a:xfrm>
+          <a:prstGeom prst="ellipse">
+            <a:avLst/>
+          </a:prstGeom>
+          <a:solidFill>
+            <a:srgbClr val="7030A0"/>
+          </a:solidFill>
+          <a:ln>
+            <a:noFill/>
+          </a:ln>
+        </p:spPr>
+        <p:style>
+          <a:lnRef idx="2">
+            <a:schemeClr val="accent1">
+              <a:shade val="50000"/>
+            </a:schemeClr>
+          </a:lnRef>
+          <a:fillRef idx="1">
+            <a:schemeClr val="accent1"/>
+          </a:fillRef>
+          <a:effectRef idx="0">
+            <a:schemeClr val="accent1"/>
+          </a:effectRef>
+          <a:fontRef idx="minor">
+            <a:schemeClr val="lt1"/>
+          </a:fontRef>
+        </p:style>
+        <p:txBody>
+          <a:bodyPr rtlCol="0" anchor="ctr"/>
+          <a:lstStyle/>
+          <a:p>
+            <a:pPr algn="ctr"/>
+            <a:endParaRPr lang="en-US"/>
+          </a:p>
+        </p:txBody>
+      </p:sp>
+      <p:sp>
+        <p:nvSpPr>
+          <p:cNvPr id="45" name="Oval 44">
+            <a:extLst>
+              <a:ext uri="{FF2B5EF4-FFF2-40B4-BE49-F238E27FC236}">
+                <a16:creationId xmlns:a16="http://schemas.microsoft.com/office/drawing/2014/main" id="{3A423AAB-38A8-4A80-8821-383C14EB2605}"/>
+              </a:ext>
+            </a:extLst>
+          </p:cNvPr>
+          <p:cNvSpPr/>
+          <p:nvPr/>
+        </p:nvSpPr>
+        <p:spPr>
+          <a:xfrm>
+            <a:off x="3437186" y="4833680"/>
+            <a:ext cx="222421" cy="222422"/>
+          </a:xfrm>
+          <a:prstGeom prst="ellipse">
+            <a:avLst/>
+          </a:prstGeom>
+          <a:solidFill>
+            <a:srgbClr val="FF0000"/>
+          </a:solidFill>
+          <a:ln>
+            <a:noFill/>
+          </a:ln>
+        </p:spPr>
+        <p:style>
+          <a:lnRef idx="2">
+            <a:schemeClr val="accent1">
+              <a:shade val="50000"/>
+            </a:schemeClr>
+          </a:lnRef>
+          <a:fillRef idx="1">
+            <a:schemeClr val="accent1"/>
+          </a:fillRef>
+          <a:effectRef idx="0">
+            <a:schemeClr val="accent1"/>
+          </a:effectRef>
+          <a:fontRef idx="minor">
+            <a:schemeClr val="lt1"/>
+          </a:fontRef>
+        </p:style>
+        <p:txBody>
+          <a:bodyPr rtlCol="0" anchor="ctr"/>
+          <a:lstStyle/>
+          <a:p>
+            <a:pPr algn="ctr"/>
+            <a:endParaRPr lang="en-US"/>
+          </a:p>
+        </p:txBody>
+      </p:sp>
+      <p:sp>
+        <p:nvSpPr>
+          <p:cNvPr id="46" name="Oval 45">
+            <a:extLst>
+              <a:ext uri="{FF2B5EF4-FFF2-40B4-BE49-F238E27FC236}">
+                <a16:creationId xmlns:a16="http://schemas.microsoft.com/office/drawing/2014/main" id="{ECB1C00A-C298-40DA-8E50-6C74E4D8D422}"/>
+              </a:ext>
+            </a:extLst>
+          </p:cNvPr>
+          <p:cNvSpPr/>
+          <p:nvPr/>
+        </p:nvSpPr>
+        <p:spPr>
+          <a:xfrm>
+            <a:off x="4044710" y="4833680"/>
+            <a:ext cx="222421" cy="222422"/>
+          </a:xfrm>
+          <a:prstGeom prst="ellipse">
+            <a:avLst/>
+          </a:prstGeom>
+          <a:solidFill>
+            <a:srgbClr val="7030A0"/>
+          </a:solidFill>
+          <a:ln>
+            <a:noFill/>
+          </a:ln>
+        </p:spPr>
+        <p:style>
+          <a:lnRef idx="2">
+            <a:schemeClr val="accent1">
+              <a:shade val="50000"/>
+            </a:schemeClr>
+          </a:lnRef>
+          <a:fillRef idx="1">
+            <a:schemeClr val="accent1"/>
+          </a:fillRef>
+          <a:effectRef idx="0">
+            <a:schemeClr val="accent1"/>
+          </a:effectRef>
+          <a:fontRef idx="minor">
+            <a:schemeClr val="lt1"/>
+          </a:fontRef>
+        </p:style>
+        <p:txBody>
+          <a:bodyPr rtlCol="0" anchor="ctr"/>
+          <a:lstStyle/>
+          <a:p>
+            <a:pPr algn="ctr"/>
+            <a:endParaRPr lang="en-US"/>
+          </a:p>
+        </p:txBody>
+      </p:sp>
+      <p:sp>
+        <p:nvSpPr>
+          <p:cNvPr id="47" name="Oval 46">
+            <a:extLst>
+              <a:ext uri="{FF2B5EF4-FFF2-40B4-BE49-F238E27FC236}">
+                <a16:creationId xmlns:a16="http://schemas.microsoft.com/office/drawing/2014/main" id="{6C327E97-6DDD-49E6-8187-374BDBC3D6BB}"/>
+              </a:ext>
+            </a:extLst>
+          </p:cNvPr>
+          <p:cNvSpPr/>
+          <p:nvPr/>
+        </p:nvSpPr>
+        <p:spPr>
+          <a:xfrm>
+            <a:off x="4691381" y="4833680"/>
+            <a:ext cx="222421" cy="222422"/>
+          </a:xfrm>
+          <a:prstGeom prst="ellipse">
+            <a:avLst/>
+          </a:prstGeom>
+          <a:ln>
+            <a:noFill/>
+          </a:ln>
+        </p:spPr>
+        <p:style>
+          <a:lnRef idx="2">
+            <a:schemeClr val="accent1">
+              <a:shade val="50000"/>
+            </a:schemeClr>
+          </a:lnRef>
+          <a:fillRef idx="1">
+            <a:schemeClr val="accent1"/>
+          </a:fillRef>
+          <a:effectRef idx="0">
+            <a:schemeClr val="accent1"/>
+          </a:effectRef>
+          <a:fontRef idx="minor">
+            <a:schemeClr val="lt1"/>
+          </a:fontRef>
+        </p:style>
+        <p:txBody>
+          <a:bodyPr rtlCol="0" anchor="ctr"/>
+          <a:lstStyle/>
+          <a:p>
+            <a:pPr algn="ctr"/>
+            <a:endParaRPr lang="en-US"/>
+          </a:p>
+        </p:txBody>
+      </p:sp>
+      <p:sp>
+        <p:nvSpPr>
+          <p:cNvPr id="49" name="Oval 48">
+            <a:extLst>
+              <a:ext uri="{FF2B5EF4-FFF2-40B4-BE49-F238E27FC236}">
+                <a16:creationId xmlns:a16="http://schemas.microsoft.com/office/drawing/2014/main" id="{9F24B29E-B66D-4888-8666-7F3950490DA5}"/>
+              </a:ext>
+            </a:extLst>
+          </p:cNvPr>
+          <p:cNvSpPr/>
+          <p:nvPr/>
+        </p:nvSpPr>
+        <p:spPr>
+          <a:xfrm>
+            <a:off x="4361030" y="5404150"/>
+            <a:ext cx="222421" cy="222422"/>
+          </a:xfrm>
+          <a:prstGeom prst="ellipse">
+            <a:avLst/>
+          </a:prstGeom>
+          <a:solidFill>
+            <a:srgbClr val="7030A0"/>
+          </a:solidFill>
+          <a:ln>
+            <a:noFill/>
+          </a:ln>
+        </p:spPr>
+        <p:style>
+          <a:lnRef idx="2">
+            <a:schemeClr val="accent1">
+              <a:shade val="50000"/>
+            </a:schemeClr>
+          </a:lnRef>
+          <a:fillRef idx="1">
+            <a:schemeClr val="accent1"/>
+          </a:fillRef>
+          <a:effectRef idx="0">
+            <a:schemeClr val="accent1"/>
+          </a:effectRef>
+          <a:fontRef idx="minor">
+            <a:schemeClr val="lt1"/>
+          </a:fontRef>
+        </p:style>
+        <p:txBody>
+          <a:bodyPr rtlCol="0" anchor="ctr"/>
+          <a:lstStyle/>
+          <a:p>
+            <a:pPr algn="ctr"/>
+            <a:endParaRPr lang="en-US"/>
+          </a:p>
+        </p:txBody>
+      </p:sp>
+      <p:sp>
+        <p:nvSpPr>
+          <p:cNvPr id="50" name="Oval 49">
+            <a:extLst>
+              <a:ext uri="{FF2B5EF4-FFF2-40B4-BE49-F238E27FC236}">
+                <a16:creationId xmlns:a16="http://schemas.microsoft.com/office/drawing/2014/main" id="{26A2BC3F-57DC-4632-8E34-669AD90F6221}"/>
+              </a:ext>
+            </a:extLst>
+          </p:cNvPr>
+          <p:cNvSpPr/>
+          <p:nvPr/>
+        </p:nvSpPr>
+        <p:spPr>
+          <a:xfrm>
+            <a:off x="5007701" y="5404150"/>
+            <a:ext cx="222421" cy="222422"/>
+          </a:xfrm>
+          <a:prstGeom prst="ellipse">
+            <a:avLst/>
+          </a:prstGeom>
+          <a:solidFill>
+            <a:srgbClr val="FF0000"/>
+          </a:solidFill>
+          <a:ln>
+            <a:noFill/>
+          </a:ln>
+        </p:spPr>
+        <p:style>
+          <a:lnRef idx="2">
+            <a:schemeClr val="accent1">
+              <a:shade val="50000"/>
+            </a:schemeClr>
+          </a:lnRef>
+          <a:fillRef idx="1">
+            <a:schemeClr val="accent1"/>
+          </a:fillRef>
+          <a:effectRef idx="0">
+            <a:schemeClr val="accent1"/>
+          </a:effectRef>
+          <a:fontRef idx="minor">
+            <a:schemeClr val="lt1"/>
+          </a:fontRef>
+        </p:style>
+        <p:txBody>
+          <a:bodyPr rtlCol="0" anchor="ctr"/>
+          <a:lstStyle/>
+          <a:p>
+            <a:pPr algn="ctr"/>
+            <a:endParaRPr lang="en-US"/>
+          </a:p>
+        </p:txBody>
+      </p:sp>
+      <p:sp>
+        <p:nvSpPr>
+          <p:cNvPr id="51" name="Oval 50">
+            <a:extLst>
+              <a:ext uri="{FF2B5EF4-FFF2-40B4-BE49-F238E27FC236}">
+                <a16:creationId xmlns:a16="http://schemas.microsoft.com/office/drawing/2014/main" id="{0C6CCC02-5F11-4548-A517-2557179D2D73}"/>
+              </a:ext>
+            </a:extLst>
+          </p:cNvPr>
+          <p:cNvSpPr/>
+          <p:nvPr/>
+        </p:nvSpPr>
+        <p:spPr>
+          <a:xfrm>
+            <a:off x="7694019" y="3699490"/>
+            <a:ext cx="222421" cy="222422"/>
+          </a:xfrm>
+          <a:prstGeom prst="ellipse">
+            <a:avLst/>
+          </a:prstGeom>
+          <a:ln>
+            <a:noFill/>
+          </a:ln>
+        </p:spPr>
+        <p:style>
+          <a:lnRef idx="2">
+            <a:schemeClr val="accent1">
+              <a:shade val="50000"/>
+            </a:schemeClr>
+          </a:lnRef>
+          <a:fillRef idx="1">
+            <a:schemeClr val="accent1"/>
+          </a:fillRef>
+          <a:effectRef idx="0">
+            <a:schemeClr val="accent1"/>
+          </a:effectRef>
+          <a:fontRef idx="minor">
+            <a:schemeClr val="lt1"/>
+          </a:fontRef>
+        </p:style>
+        <p:txBody>
+          <a:bodyPr rtlCol="0" anchor="ctr"/>
+          <a:lstStyle/>
+          <a:p>
+            <a:pPr algn="ctr"/>
+            <a:endParaRPr lang="en-US"/>
+          </a:p>
+        </p:txBody>
+      </p:sp>
+      <p:sp>
+        <p:nvSpPr>
+          <p:cNvPr id="52" name="Oval 51">
+            <a:extLst>
+              <a:ext uri="{FF2B5EF4-FFF2-40B4-BE49-F238E27FC236}">
+                <a16:creationId xmlns:a16="http://schemas.microsoft.com/office/drawing/2014/main" id="{1CA7C719-444D-41AC-ACE9-1DBA9765399A}"/>
+              </a:ext>
+            </a:extLst>
+          </p:cNvPr>
+          <p:cNvSpPr/>
+          <p:nvPr/>
+        </p:nvSpPr>
+        <p:spPr>
+          <a:xfrm>
+            <a:off x="7047348" y="4253484"/>
+            <a:ext cx="222421" cy="222422"/>
+          </a:xfrm>
+          <a:prstGeom prst="ellipse">
+            <a:avLst/>
+          </a:prstGeom>
+          <a:ln>
+            <a:noFill/>
+          </a:ln>
+        </p:spPr>
+        <p:style>
+          <a:lnRef idx="2">
+            <a:schemeClr val="accent1">
+              <a:shade val="50000"/>
+            </a:schemeClr>
+          </a:lnRef>
+          <a:fillRef idx="1">
+            <a:schemeClr val="accent1"/>
+          </a:fillRef>
+          <a:effectRef idx="0">
+            <a:schemeClr val="accent1"/>
+          </a:effectRef>
+          <a:fontRef idx="minor">
+            <a:schemeClr val="lt1"/>
+          </a:fontRef>
+        </p:style>
+        <p:txBody>
+          <a:bodyPr rtlCol="0" anchor="ctr"/>
+          <a:lstStyle/>
+          <a:p>
+            <a:pPr algn="ctr"/>
+            <a:endParaRPr lang="en-US"/>
+          </a:p>
+        </p:txBody>
+      </p:sp>
+      <p:sp>
+        <p:nvSpPr>
+          <p:cNvPr id="53" name="Oval 52">
+            <a:extLst>
+              <a:ext uri="{FF2B5EF4-FFF2-40B4-BE49-F238E27FC236}">
+                <a16:creationId xmlns:a16="http://schemas.microsoft.com/office/drawing/2014/main" id="{23586D0B-8945-43D1-B6E5-131580D18C98}"/>
+              </a:ext>
+            </a:extLst>
+          </p:cNvPr>
+          <p:cNvSpPr/>
+          <p:nvPr/>
+        </p:nvSpPr>
+        <p:spPr>
+          <a:xfrm>
+            <a:off x="8291231" y="4253484"/>
+            <a:ext cx="222421" cy="222422"/>
+          </a:xfrm>
+          <a:prstGeom prst="ellipse">
+            <a:avLst/>
+          </a:prstGeom>
+          <a:ln>
+            <a:noFill/>
+          </a:ln>
+        </p:spPr>
+        <p:style>
+          <a:lnRef idx="2">
+            <a:schemeClr val="accent1">
+              <a:shade val="50000"/>
+            </a:schemeClr>
+          </a:lnRef>
+          <a:fillRef idx="1">
+            <a:schemeClr val="accent1"/>
+          </a:fillRef>
+          <a:effectRef idx="0">
+            <a:schemeClr val="accent1"/>
+          </a:effectRef>
+          <a:fontRef idx="minor">
+            <a:schemeClr val="lt1"/>
+          </a:fontRef>
+        </p:style>
+        <p:txBody>
+          <a:bodyPr rtlCol="0" anchor="ctr"/>
+          <a:lstStyle/>
+          <a:p>
+            <a:pPr algn="ctr"/>
+            <a:endParaRPr lang="en-US"/>
+          </a:p>
+        </p:txBody>
+      </p:sp>
+      <p:sp>
+        <p:nvSpPr>
+          <p:cNvPr id="54" name="Oval 53">
+            <a:extLst>
+              <a:ext uri="{FF2B5EF4-FFF2-40B4-BE49-F238E27FC236}">
+                <a16:creationId xmlns:a16="http://schemas.microsoft.com/office/drawing/2014/main" id="{CAAE9362-EE47-4725-B3EA-A806BA625E6C}"/>
+              </a:ext>
+            </a:extLst>
+          </p:cNvPr>
+          <p:cNvSpPr/>
+          <p:nvPr/>
+        </p:nvSpPr>
+        <p:spPr>
+          <a:xfrm>
+            <a:off x="6722942" y="4807478"/>
+            <a:ext cx="222421" cy="222422"/>
+          </a:xfrm>
+          <a:prstGeom prst="ellipse">
+            <a:avLst/>
+          </a:prstGeom>
+          <a:solidFill>
+            <a:srgbClr val="7030A0"/>
+          </a:solidFill>
+          <a:ln>
+            <a:noFill/>
+          </a:ln>
+        </p:spPr>
+        <p:style>
+          <a:lnRef idx="2">
+            <a:schemeClr val="accent1">
+              <a:shade val="50000"/>
+            </a:schemeClr>
+          </a:lnRef>
+          <a:fillRef idx="1">
+            <a:schemeClr val="accent1"/>
+          </a:fillRef>
+          <a:effectRef idx="0">
+            <a:schemeClr val="accent1"/>
+          </a:effectRef>
+          <a:fontRef idx="minor">
+            <a:schemeClr val="lt1"/>
+          </a:fontRef>
+        </p:style>
+        <p:txBody>
+          <a:bodyPr rtlCol="0" anchor="ctr"/>
+          <a:lstStyle/>
+          <a:p>
+            <a:pPr algn="ctr"/>
+            <a:endParaRPr lang="en-US"/>
+          </a:p>
+        </p:txBody>
+      </p:sp>
+      <p:sp>
+        <p:nvSpPr>
+          <p:cNvPr id="55" name="Oval 54">
+            <a:extLst>
+              <a:ext uri="{FF2B5EF4-FFF2-40B4-BE49-F238E27FC236}">
+                <a16:creationId xmlns:a16="http://schemas.microsoft.com/office/drawing/2014/main" id="{20500D88-11F7-4863-9CD1-BEBD65AD127F}"/>
+              </a:ext>
+            </a:extLst>
+          </p:cNvPr>
+          <p:cNvSpPr/>
+          <p:nvPr/>
+        </p:nvSpPr>
+        <p:spPr>
+          <a:xfrm>
+            <a:off x="7369613" y="4807478"/>
+            <a:ext cx="222421" cy="222422"/>
+          </a:xfrm>
+          <a:prstGeom prst="ellipse">
+            <a:avLst/>
+          </a:prstGeom>
+          <a:ln>
+            <a:noFill/>
+          </a:ln>
+        </p:spPr>
+        <p:style>
+          <a:lnRef idx="2">
+            <a:schemeClr val="accent1">
+              <a:shade val="50000"/>
+            </a:schemeClr>
+          </a:lnRef>
+          <a:fillRef idx="1">
+            <a:schemeClr val="accent1"/>
+          </a:fillRef>
+          <a:effectRef idx="0">
+            <a:schemeClr val="accent1"/>
+          </a:effectRef>
+          <a:fontRef idx="minor">
+            <a:schemeClr val="lt1"/>
+          </a:fontRef>
+        </p:style>
+        <p:txBody>
+          <a:bodyPr rtlCol="0" anchor="ctr"/>
+          <a:lstStyle/>
+          <a:p>
+            <a:pPr algn="ctr"/>
+            <a:endParaRPr lang="en-US"/>
+          </a:p>
+        </p:txBody>
+      </p:sp>
+      <p:sp>
+        <p:nvSpPr>
+          <p:cNvPr id="56" name="Oval 55">
+            <a:extLst>
+              <a:ext uri="{FF2B5EF4-FFF2-40B4-BE49-F238E27FC236}">
+                <a16:creationId xmlns:a16="http://schemas.microsoft.com/office/drawing/2014/main" id="{FF1F0F68-16A5-4166-9A68-ECA66219F4B2}"/>
+              </a:ext>
+            </a:extLst>
+          </p:cNvPr>
+          <p:cNvSpPr/>
+          <p:nvPr/>
+        </p:nvSpPr>
+        <p:spPr>
+          <a:xfrm>
+            <a:off x="7977137" y="4807478"/>
+            <a:ext cx="222421" cy="222422"/>
+          </a:xfrm>
+          <a:prstGeom prst="ellipse">
+            <a:avLst/>
+          </a:prstGeom>
+          <a:solidFill>
+            <a:srgbClr val="7030A0"/>
+          </a:solidFill>
+          <a:ln>
+            <a:noFill/>
+          </a:ln>
+        </p:spPr>
+        <p:style>
+          <a:lnRef idx="2">
+            <a:schemeClr val="accent1">
+              <a:shade val="50000"/>
+            </a:schemeClr>
+          </a:lnRef>
+          <a:fillRef idx="1">
+            <a:schemeClr val="accent1"/>
+          </a:fillRef>
+          <a:effectRef idx="0">
+            <a:schemeClr val="accent1"/>
+          </a:effectRef>
+          <a:fontRef idx="minor">
+            <a:schemeClr val="lt1"/>
+          </a:fontRef>
+        </p:style>
+        <p:txBody>
+          <a:bodyPr rtlCol="0" anchor="ctr"/>
+          <a:lstStyle/>
+          <a:p>
+            <a:pPr algn="ctr"/>
+            <a:endParaRPr lang="en-US"/>
+          </a:p>
+        </p:txBody>
+      </p:sp>
+      <p:sp>
+        <p:nvSpPr>
+          <p:cNvPr id="57" name="Oval 56">
+            <a:extLst>
+              <a:ext uri="{FF2B5EF4-FFF2-40B4-BE49-F238E27FC236}">
+                <a16:creationId xmlns:a16="http://schemas.microsoft.com/office/drawing/2014/main" id="{2997ED68-C9E9-47AB-BA4E-3CEB1D51AAB6}"/>
+              </a:ext>
+            </a:extLst>
+          </p:cNvPr>
+          <p:cNvSpPr/>
+          <p:nvPr/>
+        </p:nvSpPr>
+        <p:spPr>
+          <a:xfrm>
+            <a:off x="8623808" y="4807478"/>
+            <a:ext cx="222421" cy="222422"/>
+          </a:xfrm>
+          <a:prstGeom prst="ellipse">
+            <a:avLst/>
+          </a:prstGeom>
+          <a:ln>
+            <a:noFill/>
+          </a:ln>
+        </p:spPr>
+        <p:style>
+          <a:lnRef idx="2">
+            <a:schemeClr val="accent1">
+              <a:shade val="50000"/>
+            </a:schemeClr>
+          </a:lnRef>
+          <a:fillRef idx="1">
+            <a:schemeClr val="accent1"/>
+          </a:fillRef>
+          <a:effectRef idx="0">
+            <a:schemeClr val="accent1"/>
+          </a:effectRef>
+          <a:fontRef idx="minor">
+            <a:schemeClr val="lt1"/>
+          </a:fontRef>
+        </p:style>
+        <p:txBody>
+          <a:bodyPr rtlCol="0" anchor="ctr"/>
+          <a:lstStyle/>
+          <a:p>
+            <a:pPr algn="ctr"/>
+            <a:endParaRPr lang="en-US"/>
+          </a:p>
+        </p:txBody>
+      </p:sp>
+      <p:sp>
+        <p:nvSpPr>
+          <p:cNvPr id="58" name="Oval 57">
+            <a:extLst>
+              <a:ext uri="{FF2B5EF4-FFF2-40B4-BE49-F238E27FC236}">
+                <a16:creationId xmlns:a16="http://schemas.microsoft.com/office/drawing/2014/main" id="{60F61162-FD4E-4EFE-A214-C6A691FFA929}"/>
+              </a:ext>
+            </a:extLst>
+          </p:cNvPr>
+          <p:cNvSpPr/>
+          <p:nvPr/>
+        </p:nvSpPr>
+        <p:spPr>
+          <a:xfrm>
+            <a:off x="8293457" y="5377948"/>
+            <a:ext cx="222421" cy="222422"/>
+          </a:xfrm>
+          <a:prstGeom prst="ellipse">
+            <a:avLst/>
+          </a:prstGeom>
+          <a:solidFill>
+            <a:srgbClr val="7030A0"/>
+          </a:solidFill>
+          <a:ln>
+            <a:noFill/>
+          </a:ln>
+        </p:spPr>
+        <p:style>
+          <a:lnRef idx="2">
+            <a:schemeClr val="accent1">
+              <a:shade val="50000"/>
+            </a:schemeClr>
+          </a:lnRef>
+          <a:fillRef idx="1">
+            <a:schemeClr val="accent1"/>
+          </a:fillRef>
+          <a:effectRef idx="0">
+            <a:schemeClr val="accent1"/>
+          </a:effectRef>
+          <a:fontRef idx="minor">
+            <a:schemeClr val="lt1"/>
+          </a:fontRef>
+        </p:style>
+        <p:txBody>
+          <a:bodyPr rtlCol="0" anchor="ctr"/>
+          <a:lstStyle/>
+          <a:p>
+            <a:pPr algn="ctr"/>
+            <a:endParaRPr lang="en-US"/>
+          </a:p>
+        </p:txBody>
+      </p:sp>
+      <p:sp>
+        <p:nvSpPr>
+          <p:cNvPr id="59" name="Oval 58">
+            <a:extLst>
+              <a:ext uri="{FF2B5EF4-FFF2-40B4-BE49-F238E27FC236}">
+                <a16:creationId xmlns:a16="http://schemas.microsoft.com/office/drawing/2014/main" id="{C72C914E-33D4-4E88-AA1D-E5A2D1285A52}"/>
+              </a:ext>
+            </a:extLst>
+          </p:cNvPr>
+          <p:cNvSpPr/>
+          <p:nvPr/>
+        </p:nvSpPr>
+        <p:spPr>
+          <a:xfrm>
+            <a:off x="8940128" y="5377948"/>
+            <a:ext cx="222421" cy="222422"/>
+          </a:xfrm>
+          <a:prstGeom prst="ellipse">
+            <a:avLst/>
+          </a:prstGeom>
+          <a:solidFill>
+            <a:srgbClr val="FF0000"/>
+          </a:solidFill>
+          <a:ln>
+            <a:noFill/>
+          </a:ln>
+        </p:spPr>
+        <p:style>
+          <a:lnRef idx="2">
+            <a:schemeClr val="accent1">
+              <a:shade val="50000"/>
+            </a:schemeClr>
+          </a:lnRef>
+          <a:fillRef idx="1">
+            <a:schemeClr val="accent1"/>
+          </a:fillRef>
+          <a:effectRef idx="0">
+            <a:schemeClr val="accent1"/>
+          </a:effectRef>
+          <a:fontRef idx="minor">
+            <a:schemeClr val="lt1"/>
+          </a:fontRef>
+        </p:style>
+        <p:txBody>
+          <a:bodyPr rtlCol="0" anchor="ctr"/>
+          <a:lstStyle/>
+          <a:p>
+            <a:pPr algn="ctr"/>
+            <a:endParaRPr lang="en-US"/>
+          </a:p>
+        </p:txBody>
+      </p:sp>
+      <p:sp>
+        <p:nvSpPr>
+          <p:cNvPr id="61" name="Oval 60">
+            <a:extLst>
+              <a:ext uri="{FF2B5EF4-FFF2-40B4-BE49-F238E27FC236}">
+                <a16:creationId xmlns:a16="http://schemas.microsoft.com/office/drawing/2014/main" id="{9F7B8312-7A62-4F50-91EB-1E6BD32516E8}"/>
+              </a:ext>
+            </a:extLst>
+          </p:cNvPr>
+          <p:cNvSpPr/>
+          <p:nvPr/>
+        </p:nvSpPr>
+        <p:spPr>
+          <a:xfrm>
+            <a:off x="7039262" y="5359137"/>
+            <a:ext cx="222421" cy="222422"/>
+          </a:xfrm>
+          <a:prstGeom prst="ellipse">
+            <a:avLst/>
+          </a:prstGeom>
+          <a:solidFill>
+            <a:srgbClr val="7030A0"/>
+          </a:solidFill>
+          <a:ln>
+            <a:noFill/>
+          </a:ln>
+        </p:spPr>
+        <p:style>
+          <a:lnRef idx="2">
+            <a:schemeClr val="accent1">
+              <a:shade val="50000"/>
+            </a:schemeClr>
+          </a:lnRef>
+          <a:fillRef idx="1">
+            <a:schemeClr val="accent1"/>
+          </a:fillRef>
+          <a:effectRef idx="0">
+            <a:schemeClr val="accent1"/>
+          </a:effectRef>
+          <a:fontRef idx="minor">
+            <a:schemeClr val="lt1"/>
+          </a:fontRef>
+        </p:style>
+        <p:txBody>
+          <a:bodyPr rtlCol="0" anchor="ctr"/>
+          <a:lstStyle/>
+          <a:p>
+            <a:pPr algn="ctr"/>
+            <a:endParaRPr lang="en-US"/>
+          </a:p>
+        </p:txBody>
+      </p:sp>
+      <p:sp>
+        <p:nvSpPr>
+          <p:cNvPr id="62" name="Oval 61">
+            <a:extLst>
+              <a:ext uri="{FF2B5EF4-FFF2-40B4-BE49-F238E27FC236}">
+                <a16:creationId xmlns:a16="http://schemas.microsoft.com/office/drawing/2014/main" id="{FECC107E-1139-4CBC-B98B-72ED8F5F6190}"/>
+              </a:ext>
+            </a:extLst>
+          </p:cNvPr>
+          <p:cNvSpPr/>
+          <p:nvPr/>
+        </p:nvSpPr>
+        <p:spPr>
+          <a:xfrm>
+            <a:off x="7685933" y="5359137"/>
+            <a:ext cx="222421" cy="222422"/>
+          </a:xfrm>
+          <a:prstGeom prst="ellipse">
+            <a:avLst/>
+          </a:prstGeom>
+          <a:solidFill>
+            <a:srgbClr val="FF0000"/>
+          </a:solidFill>
+          <a:ln>
+            <a:noFill/>
+          </a:ln>
+        </p:spPr>
+        <p:style>
+          <a:lnRef idx="2">
+            <a:schemeClr val="accent1">
+              <a:shade val="50000"/>
+            </a:schemeClr>
+          </a:lnRef>
+          <a:fillRef idx="1">
+            <a:schemeClr val="accent1"/>
+          </a:fillRef>
+          <a:effectRef idx="0">
+            <a:schemeClr val="accent1"/>
+          </a:effectRef>
+          <a:fontRef idx="minor">
+            <a:schemeClr val="lt1"/>
+          </a:fontRef>
+        </p:style>
+        <p:txBody>
+          <a:bodyPr rtlCol="0" anchor="ctr"/>
+          <a:lstStyle/>
+          <a:p>
+            <a:pPr algn="ctr"/>
+            <a:endParaRPr lang="en-US"/>
+          </a:p>
+        </p:txBody>
+      </p:sp>
+      <p:cxnSp>
+        <p:nvCxnSpPr>
+          <p:cNvPr id="66" name="Straight Connector 65">
+            <a:extLst>
+              <a:ext uri="{FF2B5EF4-FFF2-40B4-BE49-F238E27FC236}">
+                <a16:creationId xmlns:a16="http://schemas.microsoft.com/office/drawing/2014/main" id="{BF2E12D5-A761-451A-84B1-02ED6B0B1589}"/>
+              </a:ext>
+            </a:extLst>
+          </p:cNvPr>
+          <p:cNvCxnSpPr>
+            <a:cxnSpLocks/>
+            <a:stCxn id="7" idx="0"/>
+            <a:endCxn id="5" idx="4"/>
+          </p:cNvCxnSpPr>
+          <p:nvPr/>
+        </p:nvCxnSpPr>
+        <p:spPr>
+          <a:xfrm flipV="1">
+            <a:off x="2067864" y="1913110"/>
+            <a:ext cx="323335" cy="331572"/>
+          </a:xfrm>
+          <a:prstGeom prst="line">
+            <a:avLst/>
+          </a:prstGeom>
+          <a:ln w="38100">
+            <a:solidFill>
+              <a:schemeClr val="tx1"/>
+            </a:solidFill>
+          </a:ln>
+        </p:spPr>
+        <p:style>
+          <a:lnRef idx="1">
+            <a:schemeClr val="accent1"/>
+          </a:lnRef>
+          <a:fillRef idx="0">
+            <a:schemeClr val="accent1"/>
+          </a:fillRef>
+          <a:effectRef idx="0">
+            <a:schemeClr val="accent1"/>
+          </a:effectRef>
+          <a:fontRef idx="minor">
+            <a:schemeClr val="tx1"/>
+          </a:fontRef>
+        </p:style>
+      </p:cxnSp>
+      <p:cxnSp>
+        <p:nvCxnSpPr>
+          <p:cNvPr id="68" name="Straight Connector 67">
+            <a:extLst>
+              <a:ext uri="{FF2B5EF4-FFF2-40B4-BE49-F238E27FC236}">
+                <a16:creationId xmlns:a16="http://schemas.microsoft.com/office/drawing/2014/main" id="{10E4B93B-98EF-454E-80BD-047582D5361C}"/>
+              </a:ext>
+            </a:extLst>
+          </p:cNvPr>
+          <p:cNvCxnSpPr>
+            <a:stCxn id="5" idx="4"/>
+            <a:endCxn id="8" idx="0"/>
+          </p:cNvCxnSpPr>
+          <p:nvPr/>
+        </p:nvCxnSpPr>
+        <p:spPr>
+          <a:xfrm>
+            <a:off x="2391199" y="1913110"/>
+            <a:ext cx="323336" cy="331572"/>
+          </a:xfrm>
+          <a:prstGeom prst="line">
+            <a:avLst/>
+          </a:prstGeom>
+          <a:ln w="38100">
+            <a:solidFill>
+              <a:schemeClr val="tx1"/>
+            </a:solidFill>
+          </a:ln>
+        </p:spPr>
+        <p:style>
+          <a:lnRef idx="1">
+            <a:schemeClr val="accent1"/>
+          </a:lnRef>
+          <a:fillRef idx="0">
+            <a:schemeClr val="accent1"/>
+          </a:fillRef>
+          <a:effectRef idx="0">
+            <a:schemeClr val="accent1"/>
+          </a:effectRef>
+          <a:fontRef idx="minor">
+            <a:schemeClr val="tx1"/>
+          </a:fontRef>
+        </p:style>
+      </p:cxnSp>
+      <p:cxnSp>
+        <p:nvCxnSpPr>
+          <p:cNvPr id="70" name="Straight Connector 69">
+            <a:extLst>
+              <a:ext uri="{FF2B5EF4-FFF2-40B4-BE49-F238E27FC236}">
+                <a16:creationId xmlns:a16="http://schemas.microsoft.com/office/drawing/2014/main" id="{D56123E8-9FB7-4BD9-A3EB-FF39867B6882}"/>
+              </a:ext>
+            </a:extLst>
+          </p:cNvPr>
+          <p:cNvCxnSpPr>
+            <a:stCxn id="29" idx="0"/>
+            <a:endCxn id="17" idx="4"/>
+          </p:cNvCxnSpPr>
+          <p:nvPr/>
+        </p:nvCxnSpPr>
+        <p:spPr>
+          <a:xfrm flipV="1">
+            <a:off x="5807758" y="1913110"/>
+            <a:ext cx="323336" cy="335691"/>
+          </a:xfrm>
+          <a:prstGeom prst="line">
+            <a:avLst/>
+          </a:prstGeom>
+          <a:ln w="38100">
+            <a:solidFill>
+              <a:schemeClr val="tx1"/>
+            </a:solidFill>
+          </a:ln>
+        </p:spPr>
+        <p:style>
+          <a:lnRef idx="1">
+            <a:schemeClr val="accent1"/>
+          </a:lnRef>
+          <a:fillRef idx="0">
+            <a:schemeClr val="accent1"/>
+          </a:fillRef>
+          <a:effectRef idx="0">
+            <a:schemeClr val="accent1"/>
+          </a:effectRef>
+          <a:fontRef idx="minor">
+            <a:schemeClr val="tx1"/>
+          </a:fontRef>
+        </p:style>
+      </p:cxnSp>
+      <p:cxnSp>
+        <p:nvCxnSpPr>
+          <p:cNvPr id="72" name="Straight Connector 71">
+            <a:extLst>
+              <a:ext uri="{FF2B5EF4-FFF2-40B4-BE49-F238E27FC236}">
+                <a16:creationId xmlns:a16="http://schemas.microsoft.com/office/drawing/2014/main" id="{A18790BD-3570-4AC7-874C-D3BB670E638B}"/>
+              </a:ext>
+            </a:extLst>
+          </p:cNvPr>
+          <p:cNvCxnSpPr>
+            <a:stCxn id="30" idx="0"/>
+            <a:endCxn id="29" idx="4"/>
+          </p:cNvCxnSpPr>
+          <p:nvPr/>
+        </p:nvCxnSpPr>
+        <p:spPr>
+          <a:xfrm flipV="1">
+            <a:off x="5484423" y="2471223"/>
+            <a:ext cx="323335" cy="331572"/>
+          </a:xfrm>
+          <a:prstGeom prst="line">
+            <a:avLst/>
+          </a:prstGeom>
+          <a:ln w="38100">
+            <a:solidFill>
+              <a:schemeClr val="tx1"/>
+            </a:solidFill>
+          </a:ln>
+        </p:spPr>
+        <p:style>
+          <a:lnRef idx="1">
+            <a:schemeClr val="accent1"/>
+          </a:lnRef>
+          <a:fillRef idx="0">
+            <a:schemeClr val="accent1"/>
+          </a:fillRef>
+          <a:effectRef idx="0">
+            <a:schemeClr val="accent1"/>
+          </a:effectRef>
+          <a:fontRef idx="minor">
+            <a:schemeClr val="tx1"/>
+          </a:fontRef>
+        </p:style>
+      </p:cxnSp>
+      <p:cxnSp>
+        <p:nvCxnSpPr>
+          <p:cNvPr id="73" name="Straight Connector 72">
+            <a:extLst>
+              <a:ext uri="{FF2B5EF4-FFF2-40B4-BE49-F238E27FC236}">
+                <a16:creationId xmlns:a16="http://schemas.microsoft.com/office/drawing/2014/main" id="{C2B40B1E-4C15-4228-8FC8-BA73AF403726}"/>
+              </a:ext>
+            </a:extLst>
+          </p:cNvPr>
+          <p:cNvCxnSpPr>
+            <a:cxnSpLocks/>
+            <a:stCxn id="19" idx="0"/>
+            <a:endCxn id="17" idx="4"/>
+          </p:cNvCxnSpPr>
+          <p:nvPr/>
+        </p:nvCxnSpPr>
+        <p:spPr>
+          <a:xfrm flipH="1" flipV="1">
+            <a:off x="6131094" y="1913110"/>
+            <a:ext cx="323336" cy="331572"/>
+          </a:xfrm>
+          <a:prstGeom prst="line">
+            <a:avLst/>
+          </a:prstGeom>
+          <a:ln w="38100">
+            <a:solidFill>
+              <a:schemeClr val="tx1"/>
+            </a:solidFill>
+          </a:ln>
+        </p:spPr>
+        <p:style>
+          <a:lnRef idx="1">
+            <a:schemeClr val="accent1"/>
+          </a:lnRef>
+          <a:fillRef idx="0">
+            <a:schemeClr val="accent1"/>
+          </a:fillRef>
+          <a:effectRef idx="0">
+            <a:schemeClr val="accent1"/>
+          </a:effectRef>
+          <a:fontRef idx="minor">
+            <a:schemeClr val="tx1"/>
+          </a:fontRef>
+        </p:style>
+      </p:cxnSp>
+      <p:cxnSp>
+        <p:nvCxnSpPr>
+          <p:cNvPr id="76" name="Straight Connector 75">
+            <a:extLst>
+              <a:ext uri="{FF2B5EF4-FFF2-40B4-BE49-F238E27FC236}">
+                <a16:creationId xmlns:a16="http://schemas.microsoft.com/office/drawing/2014/main" id="{23E14FCE-6DC1-4521-B3CD-429B7A4FF7B6}"/>
+              </a:ext>
+            </a:extLst>
+          </p:cNvPr>
+          <p:cNvCxnSpPr>
+            <a:cxnSpLocks/>
+            <a:stCxn id="29" idx="4"/>
+            <a:endCxn id="31" idx="0"/>
+          </p:cNvCxnSpPr>
+          <p:nvPr/>
+        </p:nvCxnSpPr>
+        <p:spPr>
+          <a:xfrm>
+            <a:off x="5807758" y="2471223"/>
+            <a:ext cx="323336" cy="331572"/>
+          </a:xfrm>
+          <a:prstGeom prst="line">
+            <a:avLst/>
+          </a:prstGeom>
+          <a:ln w="38100">
+            <a:solidFill>
+              <a:schemeClr val="tx1"/>
+            </a:solidFill>
+          </a:ln>
+        </p:spPr>
+        <p:style>
+          <a:lnRef idx="1">
+            <a:schemeClr val="accent1"/>
+          </a:lnRef>
+          <a:fillRef idx="0">
+            <a:schemeClr val="accent1"/>
+          </a:fillRef>
+          <a:effectRef idx="0">
+            <a:schemeClr val="accent1"/>
+          </a:effectRef>
+          <a:fontRef idx="minor">
+            <a:schemeClr val="tx1"/>
+          </a:fontRef>
+        </p:style>
+      </p:cxnSp>
+      <p:cxnSp>
+        <p:nvCxnSpPr>
+          <p:cNvPr id="79" name="Straight Connector 78">
+            <a:extLst>
+              <a:ext uri="{FF2B5EF4-FFF2-40B4-BE49-F238E27FC236}">
+                <a16:creationId xmlns:a16="http://schemas.microsoft.com/office/drawing/2014/main" id="{BAD06B8D-2A69-4F8F-A21E-3ECE1CB958DF}"/>
+              </a:ext>
+            </a:extLst>
+          </p:cNvPr>
+          <p:cNvCxnSpPr>
+            <a:cxnSpLocks/>
+            <a:stCxn id="20" idx="4"/>
+            <a:endCxn id="21" idx="0"/>
+          </p:cNvCxnSpPr>
+          <p:nvPr/>
+        </p:nvCxnSpPr>
+        <p:spPr>
+          <a:xfrm flipH="1">
+            <a:off x="8840285" y="1958547"/>
+            <a:ext cx="646671" cy="331572"/>
+          </a:xfrm>
+          <a:prstGeom prst="line">
+            <a:avLst/>
+          </a:prstGeom>
+          <a:ln w="38100">
+            <a:solidFill>
+              <a:schemeClr val="tx1"/>
+            </a:solidFill>
+          </a:ln>
+        </p:spPr>
+        <p:style>
+          <a:lnRef idx="1">
+            <a:schemeClr val="accent1"/>
+          </a:lnRef>
+          <a:fillRef idx="0">
+            <a:schemeClr val="accent1"/>
+          </a:fillRef>
+          <a:effectRef idx="0">
+            <a:schemeClr val="accent1"/>
+          </a:effectRef>
+          <a:fontRef idx="minor">
+            <a:schemeClr val="tx1"/>
+          </a:fontRef>
+        </p:style>
+      </p:cxnSp>
+      <p:cxnSp>
+        <p:nvCxnSpPr>
+          <p:cNvPr id="82" name="Straight Connector 81">
+            <a:extLst>
+              <a:ext uri="{FF2B5EF4-FFF2-40B4-BE49-F238E27FC236}">
+                <a16:creationId xmlns:a16="http://schemas.microsoft.com/office/drawing/2014/main" id="{DC05FD03-63D7-4D40-A331-5106FC7496AA}"/>
+              </a:ext>
+            </a:extLst>
+          </p:cNvPr>
+          <p:cNvCxnSpPr>
+            <a:cxnSpLocks/>
+            <a:stCxn id="20" idx="4"/>
+            <a:endCxn id="22" idx="0"/>
+          </p:cNvCxnSpPr>
+          <p:nvPr/>
+        </p:nvCxnSpPr>
+        <p:spPr>
+          <a:xfrm>
+            <a:off x="9486956" y="1958547"/>
+            <a:ext cx="597212" cy="331572"/>
+          </a:xfrm>
+          <a:prstGeom prst="line">
+            <a:avLst/>
+          </a:prstGeom>
+          <a:ln w="38100">
+            <a:solidFill>
+              <a:schemeClr val="tx1"/>
+            </a:solidFill>
+          </a:ln>
+        </p:spPr>
+        <p:style>
+          <a:lnRef idx="1">
+            <a:schemeClr val="accent1"/>
+          </a:lnRef>
+          <a:fillRef idx="0">
+            <a:schemeClr val="accent1"/>
+          </a:fillRef>
+          <a:effectRef idx="0">
+            <a:schemeClr val="accent1"/>
+          </a:effectRef>
+          <a:fontRef idx="minor">
+            <a:schemeClr val="tx1"/>
+          </a:fontRef>
+        </p:style>
+      </p:cxnSp>
+      <p:cxnSp>
+        <p:nvCxnSpPr>
+          <p:cNvPr id="85" name="Straight Connector 84">
+            <a:extLst>
+              <a:ext uri="{FF2B5EF4-FFF2-40B4-BE49-F238E27FC236}">
+                <a16:creationId xmlns:a16="http://schemas.microsoft.com/office/drawing/2014/main" id="{227BC733-399B-4E3C-908C-3693833CD94A}"/>
+              </a:ext>
+            </a:extLst>
+          </p:cNvPr>
+          <p:cNvCxnSpPr>
+            <a:cxnSpLocks/>
+            <a:stCxn id="36" idx="0"/>
+            <a:endCxn id="21" idx="4"/>
+          </p:cNvCxnSpPr>
+          <p:nvPr/>
+        </p:nvCxnSpPr>
+        <p:spPr>
+          <a:xfrm flipV="1">
+            <a:off x="8515879" y="2512541"/>
+            <a:ext cx="324406" cy="331572"/>
+          </a:xfrm>
+          <a:prstGeom prst="line">
+            <a:avLst/>
+          </a:prstGeom>
+          <a:ln w="38100">
+            <a:solidFill>
+              <a:schemeClr val="tx1"/>
+            </a:solidFill>
+          </a:ln>
+        </p:spPr>
+        <p:style>
+          <a:lnRef idx="1">
+            <a:schemeClr val="accent1"/>
+          </a:lnRef>
+          <a:fillRef idx="0">
+            <a:schemeClr val="accent1"/>
+          </a:fillRef>
+          <a:effectRef idx="0">
+            <a:schemeClr val="accent1"/>
+          </a:effectRef>
+          <a:fontRef idx="minor">
+            <a:schemeClr val="tx1"/>
+          </a:fontRef>
+        </p:style>
+      </p:cxnSp>
+      <p:cxnSp>
+        <p:nvCxnSpPr>
+          <p:cNvPr id="88" name="Straight Connector 87">
+            <a:extLst>
+              <a:ext uri="{FF2B5EF4-FFF2-40B4-BE49-F238E27FC236}">
+                <a16:creationId xmlns:a16="http://schemas.microsoft.com/office/drawing/2014/main" id="{1545C610-AA53-4430-A3AE-7016A7EE8EFE}"/>
+              </a:ext>
+            </a:extLst>
+          </p:cNvPr>
+          <p:cNvCxnSpPr>
+            <a:cxnSpLocks/>
+            <a:stCxn id="37" idx="0"/>
+            <a:endCxn id="21" idx="4"/>
+          </p:cNvCxnSpPr>
+          <p:nvPr/>
+        </p:nvCxnSpPr>
+        <p:spPr>
+          <a:xfrm flipH="1" flipV="1">
+            <a:off x="8840285" y="2512541"/>
+            <a:ext cx="322265" cy="331572"/>
+          </a:xfrm>
+          <a:prstGeom prst="line">
+            <a:avLst/>
+          </a:prstGeom>
+          <a:ln w="38100">
+            <a:solidFill>
+              <a:schemeClr val="tx1"/>
+            </a:solidFill>
+          </a:ln>
+        </p:spPr>
+        <p:style>
+          <a:lnRef idx="1">
+            <a:schemeClr val="accent1"/>
+          </a:lnRef>
+          <a:fillRef idx="0">
+            <a:schemeClr val="accent1"/>
+          </a:fillRef>
+          <a:effectRef idx="0">
+            <a:schemeClr val="accent1"/>
+          </a:effectRef>
+          <a:fontRef idx="minor">
+            <a:schemeClr val="tx1"/>
+          </a:fontRef>
+        </p:style>
+      </p:cxnSp>
+      <p:cxnSp>
+        <p:nvCxnSpPr>
+          <p:cNvPr id="91" name="Straight Connector 90">
+            <a:extLst>
+              <a:ext uri="{FF2B5EF4-FFF2-40B4-BE49-F238E27FC236}">
+                <a16:creationId xmlns:a16="http://schemas.microsoft.com/office/drawing/2014/main" id="{711D6588-7FF0-41E1-8B2C-C85F9BFB7543}"/>
+              </a:ext>
+            </a:extLst>
+          </p:cNvPr>
+          <p:cNvCxnSpPr>
+            <a:cxnSpLocks/>
+            <a:stCxn id="39" idx="0"/>
+            <a:endCxn id="22" idx="4"/>
+          </p:cNvCxnSpPr>
+          <p:nvPr/>
+        </p:nvCxnSpPr>
+        <p:spPr>
+          <a:xfrm flipV="1">
+            <a:off x="9770074" y="2512541"/>
+            <a:ext cx="314094" cy="331572"/>
+          </a:xfrm>
+          <a:prstGeom prst="line">
+            <a:avLst/>
+          </a:prstGeom>
+          <a:ln w="38100">
+            <a:solidFill>
+              <a:schemeClr val="tx1"/>
+            </a:solidFill>
+          </a:ln>
+        </p:spPr>
+        <p:style>
+          <a:lnRef idx="1">
+            <a:schemeClr val="accent1"/>
+          </a:lnRef>
+          <a:fillRef idx="0">
+            <a:schemeClr val="accent1"/>
+          </a:fillRef>
+          <a:effectRef idx="0">
+            <a:schemeClr val="accent1"/>
+          </a:effectRef>
+          <a:fontRef idx="minor">
+            <a:schemeClr val="tx1"/>
+          </a:fontRef>
+        </p:style>
+      </p:cxnSp>
+      <p:cxnSp>
+        <p:nvCxnSpPr>
+          <p:cNvPr id="94" name="Straight Connector 93">
+            <a:extLst>
+              <a:ext uri="{FF2B5EF4-FFF2-40B4-BE49-F238E27FC236}">
+                <a16:creationId xmlns:a16="http://schemas.microsoft.com/office/drawing/2014/main" id="{CA74667B-8A1B-465A-A5AE-F78AB8BB713A}"/>
+              </a:ext>
+            </a:extLst>
+          </p:cNvPr>
+          <p:cNvCxnSpPr>
+            <a:cxnSpLocks/>
+            <a:stCxn id="40" idx="0"/>
+            <a:endCxn id="22" idx="4"/>
+          </p:cNvCxnSpPr>
+          <p:nvPr/>
+        </p:nvCxnSpPr>
+        <p:spPr>
+          <a:xfrm flipH="1" flipV="1">
+            <a:off x="10084168" y="2512541"/>
+            <a:ext cx="332577" cy="331572"/>
+          </a:xfrm>
+          <a:prstGeom prst="line">
+            <a:avLst/>
+          </a:prstGeom>
+          <a:ln w="38100">
+            <a:solidFill>
+              <a:schemeClr val="tx1"/>
+            </a:solidFill>
+          </a:ln>
+        </p:spPr>
+        <p:style>
+          <a:lnRef idx="1">
+            <a:schemeClr val="accent1"/>
+          </a:lnRef>
+          <a:fillRef idx="0">
+            <a:schemeClr val="accent1"/>
+          </a:fillRef>
+          <a:effectRef idx="0">
+            <a:schemeClr val="accent1"/>
+          </a:effectRef>
+          <a:fontRef idx="minor">
+            <a:schemeClr val="tx1"/>
+          </a:fontRef>
+        </p:style>
+      </p:cxnSp>
+      <p:cxnSp>
+        <p:nvCxnSpPr>
+          <p:cNvPr id="97" name="Straight Connector 96">
+            <a:extLst>
+              <a:ext uri="{FF2B5EF4-FFF2-40B4-BE49-F238E27FC236}">
+                <a16:creationId xmlns:a16="http://schemas.microsoft.com/office/drawing/2014/main" id="{C11203B1-AEFF-4070-8B09-0EB815E504B0}"/>
+              </a:ext>
+            </a:extLst>
+          </p:cNvPr>
+          <p:cNvCxnSpPr>
+            <a:cxnSpLocks/>
+            <a:stCxn id="43" idx="0"/>
+            <a:endCxn id="41" idx="4"/>
+          </p:cNvCxnSpPr>
+          <p:nvPr/>
+        </p:nvCxnSpPr>
+        <p:spPr>
+          <a:xfrm flipH="1" flipV="1">
+            <a:off x="3872803" y="3948114"/>
+            <a:ext cx="597212" cy="331572"/>
+          </a:xfrm>
+          <a:prstGeom prst="line">
+            <a:avLst/>
+          </a:prstGeom>
+          <a:ln w="38100">
+            <a:solidFill>
+              <a:schemeClr val="tx1"/>
+            </a:solidFill>
+          </a:ln>
+        </p:spPr>
+        <p:style>
+          <a:lnRef idx="1">
+            <a:schemeClr val="accent1"/>
+          </a:lnRef>
+          <a:fillRef idx="0">
+            <a:schemeClr val="accent1"/>
+          </a:fillRef>
+          <a:effectRef idx="0">
+            <a:schemeClr val="accent1"/>
+          </a:effectRef>
+          <a:fontRef idx="minor">
+            <a:schemeClr val="tx1"/>
+          </a:fontRef>
+        </p:style>
+      </p:cxnSp>
+      <p:cxnSp>
+        <p:nvCxnSpPr>
+          <p:cNvPr id="100" name="Straight Connector 99">
+            <a:extLst>
+              <a:ext uri="{FF2B5EF4-FFF2-40B4-BE49-F238E27FC236}">
+                <a16:creationId xmlns:a16="http://schemas.microsoft.com/office/drawing/2014/main" id="{66E1A89A-AC29-4EC0-A141-CFE8EFE1F54D}"/>
+              </a:ext>
+            </a:extLst>
+          </p:cNvPr>
+          <p:cNvCxnSpPr>
+            <a:cxnSpLocks/>
+            <a:stCxn id="42" idx="0"/>
+            <a:endCxn id="41" idx="4"/>
+          </p:cNvCxnSpPr>
+          <p:nvPr/>
+        </p:nvCxnSpPr>
+        <p:spPr>
+          <a:xfrm flipV="1">
+            <a:off x="3226132" y="3948114"/>
+            <a:ext cx="646671" cy="331572"/>
+          </a:xfrm>
+          <a:prstGeom prst="line">
+            <a:avLst/>
+          </a:prstGeom>
+          <a:ln w="38100">
+            <a:solidFill>
+              <a:schemeClr val="tx1"/>
+            </a:solidFill>
+          </a:ln>
+        </p:spPr>
+        <p:style>
+          <a:lnRef idx="1">
+            <a:schemeClr val="accent1"/>
+          </a:lnRef>
+          <a:fillRef idx="0">
+            <a:schemeClr val="accent1"/>
+          </a:fillRef>
+          <a:effectRef idx="0">
+            <a:schemeClr val="accent1"/>
+          </a:effectRef>
+          <a:fontRef idx="minor">
+            <a:schemeClr val="tx1"/>
+          </a:fontRef>
+        </p:style>
+      </p:cxnSp>
+      <p:cxnSp>
+        <p:nvCxnSpPr>
+          <p:cNvPr id="103" name="Straight Connector 102">
+            <a:extLst>
+              <a:ext uri="{FF2B5EF4-FFF2-40B4-BE49-F238E27FC236}">
+                <a16:creationId xmlns:a16="http://schemas.microsoft.com/office/drawing/2014/main" id="{A1DB2189-8830-4DC2-86E7-43EA47E7CC8D}"/>
+              </a:ext>
+            </a:extLst>
+          </p:cNvPr>
+          <p:cNvCxnSpPr>
+            <a:cxnSpLocks/>
+            <a:stCxn id="42" idx="4"/>
+            <a:endCxn id="44" idx="0"/>
+          </p:cNvCxnSpPr>
+          <p:nvPr/>
+        </p:nvCxnSpPr>
+        <p:spPr>
+          <a:xfrm flipH="1">
+            <a:off x="2901726" y="4502108"/>
+            <a:ext cx="324406" cy="331572"/>
+          </a:xfrm>
+          <a:prstGeom prst="line">
+            <a:avLst/>
+          </a:prstGeom>
+          <a:ln w="38100">
+            <a:solidFill>
+              <a:schemeClr val="tx1"/>
+            </a:solidFill>
+          </a:ln>
+        </p:spPr>
+        <p:style>
+          <a:lnRef idx="1">
+            <a:schemeClr val="accent1"/>
+          </a:lnRef>
+          <a:fillRef idx="0">
+            <a:schemeClr val="accent1"/>
+          </a:fillRef>
+          <a:effectRef idx="0">
+            <a:schemeClr val="accent1"/>
+          </a:effectRef>
+          <a:fontRef idx="minor">
+            <a:schemeClr val="tx1"/>
+          </a:fontRef>
+        </p:style>
+      </p:cxnSp>
+      <p:cxnSp>
+        <p:nvCxnSpPr>
+          <p:cNvPr id="106" name="Straight Connector 105">
+            <a:extLst>
+              <a:ext uri="{FF2B5EF4-FFF2-40B4-BE49-F238E27FC236}">
+                <a16:creationId xmlns:a16="http://schemas.microsoft.com/office/drawing/2014/main" id="{2093112A-2FA4-4C16-8EDA-A9AEF4347087}"/>
+              </a:ext>
+            </a:extLst>
+          </p:cNvPr>
+          <p:cNvCxnSpPr>
+            <a:cxnSpLocks/>
+            <a:stCxn id="42" idx="4"/>
+            <a:endCxn id="45" idx="0"/>
+          </p:cNvCxnSpPr>
+          <p:nvPr/>
+        </p:nvCxnSpPr>
+        <p:spPr>
+          <a:xfrm>
+            <a:off x="3226132" y="4502108"/>
+            <a:ext cx="322265" cy="331572"/>
+          </a:xfrm>
+          <a:prstGeom prst="line">
+            <a:avLst/>
+          </a:prstGeom>
+          <a:ln w="38100">
+            <a:solidFill>
+              <a:schemeClr val="tx1"/>
+            </a:solidFill>
+          </a:ln>
+        </p:spPr>
+        <p:style>
+          <a:lnRef idx="1">
+            <a:schemeClr val="accent1"/>
+          </a:lnRef>
+          <a:fillRef idx="0">
+            <a:schemeClr val="accent1"/>
+          </a:fillRef>
+          <a:effectRef idx="0">
+            <a:schemeClr val="accent1"/>
+          </a:effectRef>
+          <a:fontRef idx="minor">
+            <a:schemeClr val="tx1"/>
+          </a:fontRef>
+        </p:style>
+      </p:cxnSp>
+      <p:cxnSp>
+        <p:nvCxnSpPr>
+          <p:cNvPr id="109" name="Straight Connector 108">
+            <a:extLst>
+              <a:ext uri="{FF2B5EF4-FFF2-40B4-BE49-F238E27FC236}">
+                <a16:creationId xmlns:a16="http://schemas.microsoft.com/office/drawing/2014/main" id="{90E2B350-C078-49C8-8B90-9796623A16C9}"/>
+              </a:ext>
+            </a:extLst>
+          </p:cNvPr>
+          <p:cNvCxnSpPr>
+            <a:cxnSpLocks/>
+            <a:stCxn id="43" idx="4"/>
+            <a:endCxn id="46" idx="0"/>
+          </p:cNvCxnSpPr>
+          <p:nvPr/>
+        </p:nvCxnSpPr>
+        <p:spPr>
+          <a:xfrm flipH="1">
+            <a:off x="4155921" y="4502108"/>
+            <a:ext cx="314094" cy="331572"/>
+          </a:xfrm>
+          <a:prstGeom prst="line">
+            <a:avLst/>
+          </a:prstGeom>
+          <a:ln w="38100">
+            <a:solidFill>
+              <a:schemeClr val="tx1"/>
+            </a:solidFill>
+          </a:ln>
+        </p:spPr>
+        <p:style>
+          <a:lnRef idx="1">
+            <a:schemeClr val="accent1"/>
+          </a:lnRef>
+          <a:fillRef idx="0">
+            <a:schemeClr val="accent1"/>
+          </a:fillRef>
+          <a:effectRef idx="0">
+            <a:schemeClr val="accent1"/>
+          </a:effectRef>
+          <a:fontRef idx="minor">
+            <a:schemeClr val="tx1"/>
+          </a:fontRef>
+        </p:style>
+      </p:cxnSp>
+      <p:cxnSp>
+        <p:nvCxnSpPr>
+          <p:cNvPr id="112" name="Straight Connector 111">
+            <a:extLst>
+              <a:ext uri="{FF2B5EF4-FFF2-40B4-BE49-F238E27FC236}">
+                <a16:creationId xmlns:a16="http://schemas.microsoft.com/office/drawing/2014/main" id="{D517871C-0108-4FF1-AEFC-1EC774D62E8F}"/>
+              </a:ext>
+            </a:extLst>
+          </p:cNvPr>
+          <p:cNvCxnSpPr>
+            <a:cxnSpLocks/>
+            <a:stCxn id="43" idx="4"/>
+            <a:endCxn id="47" idx="0"/>
+          </p:cNvCxnSpPr>
+          <p:nvPr/>
+        </p:nvCxnSpPr>
+        <p:spPr>
+          <a:xfrm>
+            <a:off x="4470015" y="4502108"/>
+            <a:ext cx="332577" cy="331572"/>
+          </a:xfrm>
+          <a:prstGeom prst="line">
+            <a:avLst/>
+          </a:prstGeom>
+          <a:ln w="38100">
+            <a:solidFill>
+              <a:schemeClr val="tx1"/>
+            </a:solidFill>
+          </a:ln>
+        </p:spPr>
+        <p:style>
+          <a:lnRef idx="1">
+            <a:schemeClr val="accent1"/>
+          </a:lnRef>
+          <a:fillRef idx="0">
+            <a:schemeClr val="accent1"/>
+          </a:fillRef>
+          <a:effectRef idx="0">
+            <a:schemeClr val="accent1"/>
+          </a:effectRef>
+          <a:fontRef idx="minor">
+            <a:schemeClr val="tx1"/>
+          </a:fontRef>
+        </p:style>
+      </p:cxnSp>
+      <p:cxnSp>
+        <p:nvCxnSpPr>
+          <p:cNvPr id="115" name="Straight Connector 114">
+            <a:extLst>
+              <a:ext uri="{FF2B5EF4-FFF2-40B4-BE49-F238E27FC236}">
+                <a16:creationId xmlns:a16="http://schemas.microsoft.com/office/drawing/2014/main" id="{5146C3D6-5F4A-44CC-BC24-BABBBE65CDA4}"/>
+              </a:ext>
+            </a:extLst>
+          </p:cNvPr>
+          <p:cNvCxnSpPr>
+            <a:cxnSpLocks/>
+            <a:stCxn id="49" idx="0"/>
+            <a:endCxn id="47" idx="4"/>
+          </p:cNvCxnSpPr>
+          <p:nvPr/>
+        </p:nvCxnSpPr>
+        <p:spPr>
+          <a:xfrm flipV="1">
+            <a:off x="4472241" y="5056102"/>
+            <a:ext cx="330351" cy="348048"/>
+          </a:xfrm>
+          <a:prstGeom prst="line">
+            <a:avLst/>
+          </a:prstGeom>
+          <a:ln w="38100">
+            <a:solidFill>
+              <a:schemeClr val="tx1"/>
+            </a:solidFill>
+          </a:ln>
+        </p:spPr>
+        <p:style>
+          <a:lnRef idx="1">
+            <a:schemeClr val="accent1"/>
+          </a:lnRef>
+          <a:fillRef idx="0">
+            <a:schemeClr val="accent1"/>
+          </a:fillRef>
+          <a:effectRef idx="0">
+            <a:schemeClr val="accent1"/>
+          </a:effectRef>
+          <a:fontRef idx="minor">
+            <a:schemeClr val="tx1"/>
+          </a:fontRef>
+        </p:style>
+      </p:cxnSp>
+      <p:cxnSp>
+        <p:nvCxnSpPr>
+          <p:cNvPr id="120" name="Straight Connector 119">
+            <a:extLst>
+              <a:ext uri="{FF2B5EF4-FFF2-40B4-BE49-F238E27FC236}">
+                <a16:creationId xmlns:a16="http://schemas.microsoft.com/office/drawing/2014/main" id="{BCFEC274-CEF6-4B34-A5A9-087526DF1F2B}"/>
+              </a:ext>
+            </a:extLst>
+          </p:cNvPr>
+          <p:cNvCxnSpPr>
+            <a:cxnSpLocks/>
+            <a:stCxn id="47" idx="4"/>
+            <a:endCxn id="50" idx="0"/>
+          </p:cNvCxnSpPr>
+          <p:nvPr/>
+        </p:nvCxnSpPr>
+        <p:spPr>
+          <a:xfrm>
+            <a:off x="4802592" y="5056102"/>
+            <a:ext cx="316320" cy="348048"/>
+          </a:xfrm>
+          <a:prstGeom prst="line">
+            <a:avLst/>
+          </a:prstGeom>
+          <a:ln w="38100">
+            <a:solidFill>
+              <a:schemeClr val="tx1"/>
+            </a:solidFill>
+          </a:ln>
+        </p:spPr>
+        <p:style>
+          <a:lnRef idx="1">
+            <a:schemeClr val="accent1"/>
+          </a:lnRef>
+          <a:fillRef idx="0">
+            <a:schemeClr val="accent1"/>
+          </a:fillRef>
+          <a:effectRef idx="0">
+            <a:schemeClr val="accent1"/>
+          </a:effectRef>
+          <a:fontRef idx="minor">
+            <a:schemeClr val="tx1"/>
+          </a:fontRef>
+        </p:style>
+      </p:cxnSp>
+      <p:cxnSp>
+        <p:nvCxnSpPr>
+          <p:cNvPr id="124" name="Straight Connector 123">
+            <a:extLst>
+              <a:ext uri="{FF2B5EF4-FFF2-40B4-BE49-F238E27FC236}">
+                <a16:creationId xmlns:a16="http://schemas.microsoft.com/office/drawing/2014/main" id="{580026ED-4F3F-45C5-9934-F10A9BFCC5B0}"/>
+              </a:ext>
+            </a:extLst>
+          </p:cNvPr>
+          <p:cNvCxnSpPr>
+            <a:cxnSpLocks/>
+            <a:stCxn id="51" idx="4"/>
+            <a:endCxn id="52" idx="0"/>
+          </p:cNvCxnSpPr>
+          <p:nvPr/>
+        </p:nvCxnSpPr>
+        <p:spPr>
+          <a:xfrm flipH="1">
+            <a:off x="7158559" y="3921912"/>
+            <a:ext cx="646671" cy="331572"/>
+          </a:xfrm>
+          <a:prstGeom prst="line">
+            <a:avLst/>
+          </a:prstGeom>
+          <a:ln w="38100">
+            <a:solidFill>
+              <a:schemeClr val="tx1"/>
+            </a:solidFill>
+          </a:ln>
+        </p:spPr>
+        <p:style>
+          <a:lnRef idx="1">
+            <a:schemeClr val="accent1"/>
+          </a:lnRef>
+          <a:fillRef idx="0">
+            <a:schemeClr val="accent1"/>
+          </a:fillRef>
+          <a:effectRef idx="0">
+            <a:schemeClr val="accent1"/>
+          </a:effectRef>
+          <a:fontRef idx="minor">
+            <a:schemeClr val="tx1"/>
+          </a:fontRef>
+        </p:style>
+      </p:cxnSp>
+      <p:cxnSp>
+        <p:nvCxnSpPr>
+          <p:cNvPr id="127" name="Straight Connector 126">
+            <a:extLst>
+              <a:ext uri="{FF2B5EF4-FFF2-40B4-BE49-F238E27FC236}">
+                <a16:creationId xmlns:a16="http://schemas.microsoft.com/office/drawing/2014/main" id="{2F8B5682-FFFB-4E3A-9B30-20A907439C0B}"/>
+              </a:ext>
+            </a:extLst>
+          </p:cNvPr>
+          <p:cNvCxnSpPr>
+            <a:cxnSpLocks/>
+            <a:stCxn id="51" idx="4"/>
+            <a:endCxn id="53" idx="0"/>
+          </p:cNvCxnSpPr>
+          <p:nvPr/>
+        </p:nvCxnSpPr>
+        <p:spPr>
+          <a:xfrm>
+            <a:off x="7805230" y="3921912"/>
+            <a:ext cx="597212" cy="331572"/>
+          </a:xfrm>
+          <a:prstGeom prst="line">
+            <a:avLst/>
+          </a:prstGeom>
+          <a:ln w="38100">
+            <a:solidFill>
+              <a:schemeClr val="tx1"/>
+            </a:solidFill>
+          </a:ln>
+        </p:spPr>
+        <p:style>
+          <a:lnRef idx="1">
+            <a:schemeClr val="accent1"/>
+          </a:lnRef>
+          <a:fillRef idx="0">
+            <a:schemeClr val="accent1"/>
+          </a:fillRef>
+          <a:effectRef idx="0">
+            <a:schemeClr val="accent1"/>
+          </a:effectRef>
+          <a:fontRef idx="minor">
+            <a:schemeClr val="tx1"/>
+          </a:fontRef>
+        </p:style>
+      </p:cxnSp>
+      <p:cxnSp>
+        <p:nvCxnSpPr>
+          <p:cNvPr id="131" name="Straight Connector 130">
+            <a:extLst>
+              <a:ext uri="{FF2B5EF4-FFF2-40B4-BE49-F238E27FC236}">
+                <a16:creationId xmlns:a16="http://schemas.microsoft.com/office/drawing/2014/main" id="{C456323D-E5D8-4D50-8A19-7C712706386A}"/>
+              </a:ext>
+            </a:extLst>
+          </p:cNvPr>
+          <p:cNvCxnSpPr>
+            <a:cxnSpLocks/>
+            <a:stCxn id="52" idx="4"/>
+            <a:endCxn id="54" idx="0"/>
+          </p:cNvCxnSpPr>
+          <p:nvPr/>
+        </p:nvCxnSpPr>
+        <p:spPr>
+          <a:xfrm flipH="1">
+            <a:off x="6834153" y="4475906"/>
+            <a:ext cx="324406" cy="331572"/>
+          </a:xfrm>
+          <a:prstGeom prst="line">
+            <a:avLst/>
+          </a:prstGeom>
+          <a:ln w="38100">
+            <a:solidFill>
+              <a:schemeClr val="tx1"/>
+            </a:solidFill>
+          </a:ln>
+        </p:spPr>
+        <p:style>
+          <a:lnRef idx="1">
+            <a:schemeClr val="accent1"/>
+          </a:lnRef>
+          <a:fillRef idx="0">
+            <a:schemeClr val="accent1"/>
+          </a:fillRef>
+          <a:effectRef idx="0">
+            <a:schemeClr val="accent1"/>
+          </a:effectRef>
+          <a:fontRef idx="minor">
+            <a:schemeClr val="tx1"/>
+          </a:fontRef>
+        </p:style>
+      </p:cxnSp>
+      <p:cxnSp>
+        <p:nvCxnSpPr>
+          <p:cNvPr id="135" name="Straight Connector 134">
+            <a:extLst>
+              <a:ext uri="{FF2B5EF4-FFF2-40B4-BE49-F238E27FC236}">
+                <a16:creationId xmlns:a16="http://schemas.microsoft.com/office/drawing/2014/main" id="{ED2E14F4-138B-4AF1-8AF4-17696B24316E}"/>
+              </a:ext>
+            </a:extLst>
+          </p:cNvPr>
+          <p:cNvCxnSpPr>
+            <a:cxnSpLocks/>
+            <a:stCxn id="52" idx="4"/>
+            <a:endCxn id="55" idx="0"/>
+          </p:cNvCxnSpPr>
+          <p:nvPr/>
+        </p:nvCxnSpPr>
+        <p:spPr>
+          <a:xfrm>
+            <a:off x="7158559" y="4475906"/>
+            <a:ext cx="322265" cy="331572"/>
+          </a:xfrm>
+          <a:prstGeom prst="line">
+            <a:avLst/>
+          </a:prstGeom>
+          <a:ln w="38100">
+            <a:solidFill>
+              <a:schemeClr val="tx1"/>
+            </a:solidFill>
+          </a:ln>
+        </p:spPr>
+        <p:style>
+          <a:lnRef idx="1">
+            <a:schemeClr val="accent1"/>
+          </a:lnRef>
+          <a:fillRef idx="0">
+            <a:schemeClr val="accent1"/>
+          </a:fillRef>
+          <a:effectRef idx="0">
+            <a:schemeClr val="accent1"/>
+          </a:effectRef>
+          <a:fontRef idx="minor">
+            <a:schemeClr val="tx1"/>
+          </a:fontRef>
+        </p:style>
+      </p:cxnSp>
+      <p:cxnSp>
+        <p:nvCxnSpPr>
+          <p:cNvPr id="138" name="Straight Connector 137">
+            <a:extLst>
+              <a:ext uri="{FF2B5EF4-FFF2-40B4-BE49-F238E27FC236}">
+                <a16:creationId xmlns:a16="http://schemas.microsoft.com/office/drawing/2014/main" id="{AD123045-C1D8-46E0-8858-339CF429D790}"/>
+              </a:ext>
+            </a:extLst>
+          </p:cNvPr>
+          <p:cNvCxnSpPr>
+            <a:cxnSpLocks/>
+            <a:stCxn id="53" idx="4"/>
+            <a:endCxn id="56" idx="0"/>
+          </p:cNvCxnSpPr>
+          <p:nvPr/>
+        </p:nvCxnSpPr>
+        <p:spPr>
+          <a:xfrm flipH="1">
+            <a:off x="8088348" y="4475906"/>
+            <a:ext cx="314094" cy="331572"/>
+          </a:xfrm>
+          <a:prstGeom prst="line">
+            <a:avLst/>
+          </a:prstGeom>
+          <a:ln w="38100">
+            <a:solidFill>
+              <a:schemeClr val="tx1"/>
+            </a:solidFill>
+          </a:ln>
+        </p:spPr>
+        <p:style>
+          <a:lnRef idx="1">
+            <a:schemeClr val="accent1"/>
+          </a:lnRef>
+          <a:fillRef idx="0">
+            <a:schemeClr val="accent1"/>
+          </a:fillRef>
+          <a:effectRef idx="0">
+            <a:schemeClr val="accent1"/>
+          </a:effectRef>
+          <a:fontRef idx="minor">
+            <a:schemeClr val="tx1"/>
+          </a:fontRef>
+        </p:style>
+      </p:cxnSp>
+      <p:cxnSp>
+        <p:nvCxnSpPr>
+          <p:cNvPr id="141" name="Straight Connector 140">
+            <a:extLst>
+              <a:ext uri="{FF2B5EF4-FFF2-40B4-BE49-F238E27FC236}">
+                <a16:creationId xmlns:a16="http://schemas.microsoft.com/office/drawing/2014/main" id="{EA90DA56-D182-4553-B67C-7E1681405097}"/>
+              </a:ext>
+            </a:extLst>
+          </p:cNvPr>
+          <p:cNvCxnSpPr>
+            <a:cxnSpLocks/>
+            <a:stCxn id="53" idx="4"/>
+            <a:endCxn id="57" idx="0"/>
+          </p:cNvCxnSpPr>
+          <p:nvPr/>
+        </p:nvCxnSpPr>
+        <p:spPr>
+          <a:xfrm>
+            <a:off x="8402442" y="4475906"/>
+            <a:ext cx="332577" cy="331572"/>
+          </a:xfrm>
+          <a:prstGeom prst="line">
+            <a:avLst/>
+          </a:prstGeom>
+          <a:ln w="38100">
+            <a:solidFill>
+              <a:schemeClr val="tx1"/>
+            </a:solidFill>
+          </a:ln>
+        </p:spPr>
+        <p:style>
+          <a:lnRef idx="1">
+            <a:schemeClr val="accent1"/>
+          </a:lnRef>
+          <a:fillRef idx="0">
+            <a:schemeClr val="accent1"/>
+          </a:fillRef>
+          <a:effectRef idx="0">
+            <a:schemeClr val="accent1"/>
+          </a:effectRef>
+          <a:fontRef idx="minor">
+            <a:schemeClr val="tx1"/>
+          </a:fontRef>
+        </p:style>
+      </p:cxnSp>
+      <p:cxnSp>
+        <p:nvCxnSpPr>
+          <p:cNvPr id="144" name="Straight Connector 143">
+            <a:extLst>
+              <a:ext uri="{FF2B5EF4-FFF2-40B4-BE49-F238E27FC236}">
+                <a16:creationId xmlns:a16="http://schemas.microsoft.com/office/drawing/2014/main" id="{D07FEA5C-5F87-43C2-BFEF-7515726C8708}"/>
+              </a:ext>
+            </a:extLst>
+          </p:cNvPr>
+          <p:cNvCxnSpPr>
+            <a:cxnSpLocks/>
+            <a:stCxn id="55" idx="4"/>
+            <a:endCxn id="62" idx="0"/>
+          </p:cNvCxnSpPr>
+          <p:nvPr/>
+        </p:nvCxnSpPr>
+        <p:spPr>
+          <a:xfrm>
+            <a:off x="7480824" y="5029900"/>
+            <a:ext cx="316320" cy="329237"/>
+          </a:xfrm>
+          <a:prstGeom prst="line">
+            <a:avLst/>
+          </a:prstGeom>
+          <a:ln w="38100">
+            <a:solidFill>
+              <a:schemeClr val="tx1"/>
+            </a:solidFill>
+          </a:ln>
+        </p:spPr>
+        <p:style>
+          <a:lnRef idx="1">
+            <a:schemeClr val="accent1"/>
+          </a:lnRef>
+          <a:fillRef idx="0">
+            <a:schemeClr val="accent1"/>
+          </a:fillRef>
+          <a:effectRef idx="0">
+            <a:schemeClr val="accent1"/>
+          </a:effectRef>
+          <a:fontRef idx="minor">
+            <a:schemeClr val="tx1"/>
+          </a:fontRef>
+        </p:style>
+      </p:cxnSp>
+      <p:cxnSp>
+        <p:nvCxnSpPr>
+          <p:cNvPr id="147" name="Straight Connector 146">
+            <a:extLst>
+              <a:ext uri="{FF2B5EF4-FFF2-40B4-BE49-F238E27FC236}">
+                <a16:creationId xmlns:a16="http://schemas.microsoft.com/office/drawing/2014/main" id="{6CC63671-D047-41FF-87FC-EF4734104723}"/>
+              </a:ext>
+            </a:extLst>
+          </p:cNvPr>
+          <p:cNvCxnSpPr>
+            <a:cxnSpLocks/>
+            <a:stCxn id="55" idx="4"/>
+            <a:endCxn id="61" idx="0"/>
+          </p:cNvCxnSpPr>
+          <p:nvPr/>
+        </p:nvCxnSpPr>
+        <p:spPr>
+          <a:xfrm flipH="1">
+            <a:off x="7150473" y="5029900"/>
+            <a:ext cx="330351" cy="329237"/>
+          </a:xfrm>
+          <a:prstGeom prst="line">
+            <a:avLst/>
+          </a:prstGeom>
+          <a:ln w="38100">
+            <a:solidFill>
+              <a:schemeClr val="tx1"/>
+            </a:solidFill>
+          </a:ln>
+        </p:spPr>
+        <p:style>
+          <a:lnRef idx="1">
+            <a:schemeClr val="accent1"/>
+          </a:lnRef>
+          <a:fillRef idx="0">
+            <a:schemeClr val="accent1"/>
+          </a:fillRef>
+          <a:effectRef idx="0">
+            <a:schemeClr val="accent1"/>
+          </a:effectRef>
+          <a:fontRef idx="minor">
+            <a:schemeClr val="tx1"/>
+          </a:fontRef>
+        </p:style>
+      </p:cxnSp>
+      <p:cxnSp>
+        <p:nvCxnSpPr>
+          <p:cNvPr id="150" name="Straight Connector 149">
+            <a:extLst>
+              <a:ext uri="{FF2B5EF4-FFF2-40B4-BE49-F238E27FC236}">
+                <a16:creationId xmlns:a16="http://schemas.microsoft.com/office/drawing/2014/main" id="{9CA03654-6F34-44B3-8403-83E59D945640}"/>
+              </a:ext>
+            </a:extLst>
+          </p:cNvPr>
+          <p:cNvCxnSpPr>
+            <a:cxnSpLocks/>
+            <a:stCxn id="57" idx="4"/>
+            <a:endCxn id="58" idx="0"/>
+          </p:cNvCxnSpPr>
+          <p:nvPr/>
+        </p:nvCxnSpPr>
+        <p:spPr>
+          <a:xfrm flipH="1">
+            <a:off x="8404668" y="5029900"/>
+            <a:ext cx="330351" cy="348048"/>
+          </a:xfrm>
+          <a:prstGeom prst="line">
+            <a:avLst/>
+          </a:prstGeom>
+          <a:ln w="38100">
+            <a:solidFill>
+              <a:schemeClr val="tx1"/>
+            </a:solidFill>
+          </a:ln>
+        </p:spPr>
+        <p:style>
+          <a:lnRef idx="1">
+            <a:schemeClr val="accent1"/>
+          </a:lnRef>
+          <a:fillRef idx="0">
+            <a:schemeClr val="accent1"/>
+          </a:fillRef>
+          <a:effectRef idx="0">
+            <a:schemeClr val="accent1"/>
+          </a:effectRef>
+          <a:fontRef idx="minor">
+            <a:schemeClr val="tx1"/>
+          </a:fontRef>
+        </p:style>
+      </p:cxnSp>
+      <p:cxnSp>
+        <p:nvCxnSpPr>
+          <p:cNvPr id="153" name="Straight Connector 152">
+            <a:extLst>
+              <a:ext uri="{FF2B5EF4-FFF2-40B4-BE49-F238E27FC236}">
+                <a16:creationId xmlns:a16="http://schemas.microsoft.com/office/drawing/2014/main" id="{6F2B3ECA-525D-45F4-BF52-AC0D9580F55E}"/>
+              </a:ext>
+            </a:extLst>
+          </p:cNvPr>
+          <p:cNvCxnSpPr>
+            <a:cxnSpLocks/>
+            <a:stCxn id="57" idx="4"/>
+            <a:endCxn id="59" idx="0"/>
+          </p:cNvCxnSpPr>
+          <p:nvPr/>
+        </p:nvCxnSpPr>
+        <p:spPr>
+          <a:xfrm>
+            <a:off x="8735019" y="5029900"/>
+            <a:ext cx="316320" cy="348048"/>
+          </a:xfrm>
+          <a:prstGeom prst="line">
+            <a:avLst/>
+          </a:prstGeom>
+          <a:ln w="38100">
+            <a:solidFill>
+              <a:schemeClr val="tx1"/>
+            </a:solidFill>
+          </a:ln>
+        </p:spPr>
+        <p:style>
+          <a:lnRef idx="1">
+            <a:schemeClr val="accent1"/>
+          </a:lnRef>
+          <a:fillRef idx="0">
+            <a:schemeClr val="accent1"/>
+          </a:fillRef>
+          <a:effectRef idx="0">
+            <a:schemeClr val="accent1"/>
+          </a:effectRef>
+          <a:fontRef idx="minor">
+            <a:schemeClr val="tx1"/>
+          </a:fontRef>
+        </p:style>
+      </p:cxnSp>
+      <p:sp>
+        <p:nvSpPr>
+          <p:cNvPr id="158" name="Flowchart: Off-page Connector 157">
+            <a:extLst>
+              <a:ext uri="{FF2B5EF4-FFF2-40B4-BE49-F238E27FC236}">
+                <a16:creationId xmlns:a16="http://schemas.microsoft.com/office/drawing/2014/main" id="{9CDF5D4C-CAFE-4818-B430-69069581AE33}"/>
+              </a:ext>
+            </a:extLst>
+          </p:cNvPr>
+          <p:cNvSpPr/>
+          <p:nvPr/>
+        </p:nvSpPr>
+        <p:spPr>
+          <a:xfrm>
+            <a:off x="1571565" y="1681550"/>
+            <a:ext cx="222421" cy="331572"/>
+          </a:xfrm>
+          <a:prstGeom prst="flowChartOffpageConnector">
+            <a:avLst/>
+          </a:prstGeom>
+          <a:solidFill>
+            <a:srgbClr val="FF7C80"/>
+          </a:solidFill>
+          <a:ln w="25400"/>
+        </p:spPr>
+        <p:style>
+          <a:lnRef idx="2">
+            <a:schemeClr val="dk1"/>
+          </a:lnRef>
+          <a:fillRef idx="1">
+            <a:schemeClr val="lt1"/>
+          </a:fillRef>
+          <a:effectRef idx="0">
+            <a:schemeClr val="dk1"/>
+          </a:effectRef>
+          <a:fontRef idx="minor">
+            <a:schemeClr val="dk1"/>
+          </a:fontRef>
+        </p:style>
+        <p:txBody>
+          <a:bodyPr rtlCol="0" anchor="ctr"/>
+          <a:lstStyle/>
+          <a:p>
+            <a:pPr algn="ctr"/>
+            <a:r>
+              <a:rPr lang="en-US" dirty="0"/>
+              <a:t>1</a:t>
+            </a:r>
+          </a:p>
+        </p:txBody>
+      </p:sp>
+      <p:sp>
+        <p:nvSpPr>
+          <p:cNvPr id="159" name="Flowchart: Off-page Connector 158">
+            <a:extLst>
+              <a:ext uri="{FF2B5EF4-FFF2-40B4-BE49-F238E27FC236}">
+                <a16:creationId xmlns:a16="http://schemas.microsoft.com/office/drawing/2014/main" id="{F5FFE37C-77EB-4212-9625-30A19A26B07C}"/>
+              </a:ext>
+            </a:extLst>
+          </p:cNvPr>
+          <p:cNvSpPr/>
+          <p:nvPr/>
+        </p:nvSpPr>
+        <p:spPr>
+          <a:xfrm>
+            <a:off x="5188781" y="1696355"/>
+            <a:ext cx="222421" cy="331572"/>
+          </a:xfrm>
+          <a:prstGeom prst="flowChartOffpageConnector">
+            <a:avLst/>
+          </a:prstGeom>
+          <a:solidFill>
+            <a:schemeClr val="accent4">
+              <a:lumMod val="40000"/>
+              <a:lumOff val="60000"/>
+            </a:schemeClr>
+          </a:solidFill>
+          <a:ln w="25400"/>
+        </p:spPr>
+        <p:style>
+          <a:lnRef idx="2">
+            <a:schemeClr val="dk1"/>
+          </a:lnRef>
+          <a:fillRef idx="1">
+            <a:schemeClr val="lt1"/>
+          </a:fillRef>
+          <a:effectRef idx="0">
+            <a:schemeClr val="dk1"/>
+          </a:effectRef>
+          <a:fontRef idx="minor">
+            <a:schemeClr val="dk1"/>
+          </a:fontRef>
+        </p:style>
+        <p:txBody>
+          <a:bodyPr rtlCol="0" anchor="ctr"/>
+          <a:lstStyle/>
+          <a:p>
+            <a:pPr algn="ctr"/>
+            <a:r>
+              <a:rPr lang="en-US" dirty="0"/>
+              <a:t>2</a:t>
+            </a:r>
+          </a:p>
+        </p:txBody>
+      </p:sp>
+      <p:sp>
+        <p:nvSpPr>
+          <p:cNvPr id="160" name="Flowchart: Off-page Connector 159">
+            <a:extLst>
+              <a:ext uri="{FF2B5EF4-FFF2-40B4-BE49-F238E27FC236}">
+                <a16:creationId xmlns:a16="http://schemas.microsoft.com/office/drawing/2014/main" id="{ABA650EA-6779-4971-A9C8-FBC22A5EAD79}"/>
+              </a:ext>
+            </a:extLst>
+          </p:cNvPr>
+          <p:cNvSpPr/>
+          <p:nvPr/>
+        </p:nvSpPr>
+        <p:spPr>
+          <a:xfrm>
+            <a:off x="8560721" y="1696355"/>
+            <a:ext cx="222421" cy="331572"/>
+          </a:xfrm>
+          <a:prstGeom prst="flowChartOffpageConnector">
+            <a:avLst/>
+          </a:prstGeom>
+          <a:solidFill>
+            <a:schemeClr val="accent6">
+              <a:lumMod val="40000"/>
+              <a:lumOff val="60000"/>
+            </a:schemeClr>
+          </a:solidFill>
+          <a:ln w="25400"/>
+        </p:spPr>
+        <p:style>
+          <a:lnRef idx="2">
+            <a:schemeClr val="dk1"/>
+          </a:lnRef>
+          <a:fillRef idx="1">
+            <a:schemeClr val="lt1"/>
+          </a:fillRef>
+          <a:effectRef idx="0">
+            <a:schemeClr val="dk1"/>
+          </a:effectRef>
+          <a:fontRef idx="minor">
+            <a:schemeClr val="dk1"/>
+          </a:fontRef>
+        </p:style>
+        <p:txBody>
+          <a:bodyPr rtlCol="0" anchor="ctr"/>
+          <a:lstStyle/>
+          <a:p>
+            <a:pPr algn="ctr"/>
+            <a:r>
+              <a:rPr lang="en-US" dirty="0"/>
+              <a:t>3</a:t>
+            </a:r>
+          </a:p>
+        </p:txBody>
+      </p:sp>
+      <p:sp>
+        <p:nvSpPr>
+          <p:cNvPr id="161" name="Flowchart: Off-page Connector 160">
+            <a:extLst>
+              <a:ext uri="{FF2B5EF4-FFF2-40B4-BE49-F238E27FC236}">
+                <a16:creationId xmlns:a16="http://schemas.microsoft.com/office/drawing/2014/main" id="{25EC8F34-1DF9-43FB-8B4F-DB31F310ADE9}"/>
+              </a:ext>
+            </a:extLst>
+          </p:cNvPr>
+          <p:cNvSpPr/>
+          <p:nvPr/>
+        </p:nvSpPr>
+        <p:spPr>
+          <a:xfrm>
+            <a:off x="2744290" y="3723963"/>
+            <a:ext cx="222421" cy="331572"/>
+          </a:xfrm>
+          <a:prstGeom prst="flowChartOffpageConnector">
+            <a:avLst/>
+          </a:prstGeom>
+          <a:solidFill>
+            <a:schemeClr val="accent1">
+              <a:lumMod val="40000"/>
+              <a:lumOff val="60000"/>
+            </a:schemeClr>
+          </a:solidFill>
+          <a:ln w="25400"/>
+        </p:spPr>
+        <p:style>
+          <a:lnRef idx="2">
+            <a:schemeClr val="dk1"/>
+          </a:lnRef>
+          <a:fillRef idx="1">
+            <a:schemeClr val="lt1"/>
+          </a:fillRef>
+          <a:effectRef idx="0">
+            <a:schemeClr val="dk1"/>
+          </a:effectRef>
+          <a:fontRef idx="minor">
+            <a:schemeClr val="dk1"/>
+          </a:fontRef>
+        </p:style>
+        <p:txBody>
+          <a:bodyPr rtlCol="0" anchor="ctr"/>
+          <a:lstStyle/>
+          <a:p>
+            <a:pPr algn="ctr"/>
+            <a:r>
+              <a:rPr lang="en-US" dirty="0"/>
+              <a:t>4</a:t>
+            </a:r>
+          </a:p>
+        </p:txBody>
+      </p:sp>
+      <p:sp>
+        <p:nvSpPr>
+          <p:cNvPr id="162" name="Flowchart: Off-page Connector 161">
+            <a:extLst>
+              <a:ext uri="{FF2B5EF4-FFF2-40B4-BE49-F238E27FC236}">
+                <a16:creationId xmlns:a16="http://schemas.microsoft.com/office/drawing/2014/main" id="{8E9D69ED-0E7C-41E4-81D3-B27750CD8069}"/>
+              </a:ext>
+            </a:extLst>
+          </p:cNvPr>
+          <p:cNvSpPr/>
+          <p:nvPr/>
+        </p:nvSpPr>
+        <p:spPr>
+          <a:xfrm>
+            <a:off x="6668407" y="3723963"/>
+            <a:ext cx="222421" cy="331572"/>
+          </a:xfrm>
+          <a:prstGeom prst="flowChartOffpageConnector">
+            <a:avLst/>
+          </a:prstGeom>
+          <a:solidFill>
+            <a:srgbClr val="CC99FF"/>
+          </a:solidFill>
+          <a:ln w="25400"/>
+        </p:spPr>
+        <p:style>
+          <a:lnRef idx="2">
+            <a:schemeClr val="dk1"/>
+          </a:lnRef>
+          <a:fillRef idx="1">
+            <a:schemeClr val="lt1"/>
+          </a:fillRef>
+          <a:effectRef idx="0">
+            <a:schemeClr val="dk1"/>
+          </a:effectRef>
+          <a:fontRef idx="minor">
+            <a:schemeClr val="dk1"/>
+          </a:fontRef>
+        </p:style>
+        <p:txBody>
+          <a:bodyPr rtlCol="0" anchor="ctr"/>
+          <a:lstStyle/>
+          <a:p>
+            <a:pPr algn="ctr"/>
+            <a:r>
+              <a:rPr lang="en-US" dirty="0"/>
+              <a:t>5</a:t>
+            </a:r>
+          </a:p>
+        </p:txBody>
+      </p:sp>
     </p:spTree>
     <p:extLst>
       <p:ext uri="{BB962C8B-B14F-4D97-AF65-F5344CB8AC3E}">
@@ -6744,7 +10125,7 @@
         <p:spPr>
           <a:xfrm>
             <a:off x="838200" y="2004446"/>
-            <a:ext cx="10515600" cy="4176897"/>
+            <a:ext cx="10515600" cy="4721032"/>
           </a:xfrm>
         </p:spPr>
         <p:txBody>
@@ -6754,29 +10135,100 @@
           <a:lstStyle/>
           <a:p>
             <a:r>
-              <a:rPr lang="en-US" sz="2800" dirty="0">
+              <a:rPr lang="en-US" sz="2400" dirty="0">
                 <a:solidFill>
                   <a:srgbClr val="FFFFFF"/>
                 </a:solidFill>
               </a:rPr>
-              <a:t>Fill </a:t>
+              <a:t>Branching Features:</a:t>
             </a:r>
+          </a:p>
+          <a:p>
+            <a:pPr marL="0" indent="0">
+              <a:buNone/>
+            </a:pPr>
+            <a:endParaRPr lang="en-US" sz="2400" dirty="0">
+              <a:solidFill>
+                <a:srgbClr val="FFFFFF"/>
+              </a:solidFill>
+            </a:endParaRPr>
+          </a:p>
+          <a:p>
             <a:r>
-              <a:rPr lang="en-US" dirty="0">
+              <a:rPr lang="en-US" sz="2400" dirty="0">
                 <a:solidFill>
                   <a:srgbClr val="FFFFFF"/>
                 </a:solidFill>
               </a:rPr>
-              <a:t>i</a:t>
+              <a:t>Branching Features:</a:t>
             </a:r>
+          </a:p>
+          <a:p>
+            <a:pPr marL="0" indent="0">
+              <a:buNone/>
+            </a:pPr>
+            <a:endParaRPr lang="en-US" sz="2400" dirty="0">
+              <a:solidFill>
+                <a:srgbClr val="FFFFFF"/>
+              </a:solidFill>
+            </a:endParaRPr>
+          </a:p>
+          <a:p>
             <a:r>
-              <a:rPr lang="en-US" sz="2800" dirty="0">
+              <a:rPr lang="en-US" sz="2400" dirty="0">
                 <a:solidFill>
                   <a:srgbClr val="FFFFFF"/>
                 </a:solidFill>
               </a:rPr>
-              <a:t>n later</a:t>
+              <a:t>Branching Features:</a:t>
             </a:r>
+          </a:p>
+          <a:p>
+            <a:pPr marL="0" indent="0">
+              <a:buNone/>
+            </a:pPr>
+            <a:endParaRPr lang="en-US" sz="2400" dirty="0">
+              <a:solidFill>
+                <a:srgbClr val="FFFFFF"/>
+              </a:solidFill>
+            </a:endParaRPr>
+          </a:p>
+          <a:p>
+            <a:r>
+              <a:rPr lang="en-US" sz="2400" dirty="0">
+                <a:solidFill>
+                  <a:srgbClr val="FFFFFF"/>
+                </a:solidFill>
+              </a:rPr>
+              <a:t>Branching Features:</a:t>
+            </a:r>
+          </a:p>
+          <a:p>
+            <a:pPr marL="0" indent="0">
+              <a:buNone/>
+            </a:pPr>
+            <a:endParaRPr lang="en-US" sz="2400" dirty="0">
+              <a:solidFill>
+                <a:srgbClr val="FFFFFF"/>
+              </a:solidFill>
+            </a:endParaRPr>
+          </a:p>
+          <a:p>
+            <a:r>
+              <a:rPr lang="en-US" sz="2400" dirty="0">
+                <a:solidFill>
+                  <a:srgbClr val="FFFFFF"/>
+                </a:solidFill>
+              </a:rPr>
+              <a:t>Branching Features: Feat2 (2), Feat3 (2), Feat5 (4), Feat6 (3), Feat20 (1), Feat 32 (5), Feat 33 (5)</a:t>
+            </a:r>
+          </a:p>
+          <a:p>
+            <a:endParaRPr lang="en-US" sz="2400" dirty="0">
+              <a:solidFill>
+                <a:srgbClr val="FFFFFF"/>
+              </a:solidFill>
+            </a:endParaRPr>
           </a:p>
         </p:txBody>
       </p:sp>
@@ -6846,6 +10298,270 @@
           </a:extLst>
         </p:spPr>
       </p:pic>
+      <p:sp>
+        <p:nvSpPr>
+          <p:cNvPr id="9" name="Flowchart: Off-page Connector 8">
+            <a:extLst>
+              <a:ext uri="{FF2B5EF4-FFF2-40B4-BE49-F238E27FC236}">
+                <a16:creationId xmlns:a16="http://schemas.microsoft.com/office/drawing/2014/main" id="{492A877D-D51B-4117-8F16-2BEFB185E64F}"/>
+              </a:ext>
+            </a:extLst>
+          </p:cNvPr>
+          <p:cNvSpPr/>
+          <p:nvPr/>
+        </p:nvSpPr>
+        <p:spPr>
+          <a:xfrm>
+            <a:off x="835153" y="2055803"/>
+            <a:ext cx="222421" cy="331572"/>
+          </a:xfrm>
+          <a:prstGeom prst="flowChartOffpageConnector">
+            <a:avLst/>
+          </a:prstGeom>
+          <a:solidFill>
+            <a:srgbClr val="FF7C80"/>
+          </a:solidFill>
+          <a:ln w="25400"/>
+        </p:spPr>
+        <p:style>
+          <a:lnRef idx="2">
+            <a:schemeClr val="dk1"/>
+          </a:lnRef>
+          <a:fillRef idx="1">
+            <a:schemeClr val="lt1"/>
+          </a:fillRef>
+          <a:effectRef idx="0">
+            <a:schemeClr val="dk1"/>
+          </a:effectRef>
+          <a:fontRef idx="minor">
+            <a:schemeClr val="dk1"/>
+          </a:fontRef>
+        </p:style>
+        <p:txBody>
+          <a:bodyPr rtlCol="0" anchor="ctr"/>
+          <a:lstStyle/>
+          <a:p>
+            <a:pPr algn="ctr"/>
+            <a:r>
+              <a:rPr lang="en-US" dirty="0"/>
+              <a:t>1</a:t>
+            </a:r>
+          </a:p>
+        </p:txBody>
+      </p:sp>
+      <p:sp>
+        <p:nvSpPr>
+          <p:cNvPr id="10" name="Flowchart: Off-page Connector 9">
+            <a:extLst>
+              <a:ext uri="{FF2B5EF4-FFF2-40B4-BE49-F238E27FC236}">
+                <a16:creationId xmlns:a16="http://schemas.microsoft.com/office/drawing/2014/main" id="{8FE2BE7C-E82B-4B2F-B19E-20C860A382D4}"/>
+              </a:ext>
+            </a:extLst>
+          </p:cNvPr>
+          <p:cNvSpPr/>
+          <p:nvPr/>
+        </p:nvSpPr>
+        <p:spPr>
+          <a:xfrm>
+            <a:off x="835153" y="2955312"/>
+            <a:ext cx="222421" cy="331572"/>
+          </a:xfrm>
+          <a:prstGeom prst="flowChartOffpageConnector">
+            <a:avLst/>
+          </a:prstGeom>
+          <a:solidFill>
+            <a:schemeClr val="accent4">
+              <a:lumMod val="40000"/>
+              <a:lumOff val="60000"/>
+            </a:schemeClr>
+          </a:solidFill>
+          <a:ln w="25400"/>
+        </p:spPr>
+        <p:style>
+          <a:lnRef idx="2">
+            <a:schemeClr val="dk1"/>
+          </a:lnRef>
+          <a:fillRef idx="1">
+            <a:schemeClr val="lt1"/>
+          </a:fillRef>
+          <a:effectRef idx="0">
+            <a:schemeClr val="dk1"/>
+          </a:effectRef>
+          <a:fontRef idx="minor">
+            <a:schemeClr val="dk1"/>
+          </a:fontRef>
+        </p:style>
+        <p:txBody>
+          <a:bodyPr rtlCol="0" anchor="ctr"/>
+          <a:lstStyle/>
+          <a:p>
+            <a:pPr algn="ctr"/>
+            <a:r>
+              <a:rPr lang="en-US" dirty="0"/>
+              <a:t>2</a:t>
+            </a:r>
+          </a:p>
+        </p:txBody>
+      </p:sp>
+      <p:sp>
+        <p:nvSpPr>
+          <p:cNvPr id="11" name="Flowchart: Off-page Connector 10">
+            <a:extLst>
+              <a:ext uri="{FF2B5EF4-FFF2-40B4-BE49-F238E27FC236}">
+                <a16:creationId xmlns:a16="http://schemas.microsoft.com/office/drawing/2014/main" id="{6F6DBC33-8E58-4238-BD5D-31D8506233D0}"/>
+              </a:ext>
+            </a:extLst>
+          </p:cNvPr>
+          <p:cNvSpPr/>
+          <p:nvPr/>
+        </p:nvSpPr>
+        <p:spPr>
+          <a:xfrm>
+            <a:off x="835152" y="3841361"/>
+            <a:ext cx="222421" cy="331572"/>
+          </a:xfrm>
+          <a:prstGeom prst="flowChartOffpageConnector">
+            <a:avLst/>
+          </a:prstGeom>
+          <a:solidFill>
+            <a:schemeClr val="accent6">
+              <a:lumMod val="40000"/>
+              <a:lumOff val="60000"/>
+            </a:schemeClr>
+          </a:solidFill>
+          <a:ln w="25400"/>
+        </p:spPr>
+        <p:style>
+          <a:lnRef idx="2">
+            <a:schemeClr val="dk1"/>
+          </a:lnRef>
+          <a:fillRef idx="1">
+            <a:schemeClr val="lt1"/>
+          </a:fillRef>
+          <a:effectRef idx="0">
+            <a:schemeClr val="dk1"/>
+          </a:effectRef>
+          <a:fontRef idx="minor">
+            <a:schemeClr val="dk1"/>
+          </a:fontRef>
+        </p:style>
+        <p:txBody>
+          <a:bodyPr rtlCol="0" anchor="ctr"/>
+          <a:lstStyle/>
+          <a:p>
+            <a:pPr algn="ctr"/>
+            <a:r>
+              <a:rPr lang="en-US" dirty="0"/>
+              <a:t>3</a:t>
+            </a:r>
+          </a:p>
+        </p:txBody>
+      </p:sp>
+      <p:sp>
+        <p:nvSpPr>
+          <p:cNvPr id="12" name="Flowchart: Off-page Connector 11">
+            <a:extLst>
+              <a:ext uri="{FF2B5EF4-FFF2-40B4-BE49-F238E27FC236}">
+                <a16:creationId xmlns:a16="http://schemas.microsoft.com/office/drawing/2014/main" id="{DF2C4FB4-FCCF-4D70-9C49-B83EFEFED7A1}"/>
+              </a:ext>
+            </a:extLst>
+          </p:cNvPr>
+          <p:cNvSpPr/>
+          <p:nvPr/>
+        </p:nvSpPr>
+        <p:spPr>
+          <a:xfrm>
+            <a:off x="835152" y="4792227"/>
+            <a:ext cx="222421" cy="331572"/>
+          </a:xfrm>
+          <a:prstGeom prst="flowChartOffpageConnector">
+            <a:avLst/>
+          </a:prstGeom>
+          <a:solidFill>
+            <a:schemeClr val="accent1">
+              <a:lumMod val="40000"/>
+              <a:lumOff val="60000"/>
+            </a:schemeClr>
+          </a:solidFill>
+          <a:ln w="25400"/>
+        </p:spPr>
+        <p:style>
+          <a:lnRef idx="2">
+            <a:schemeClr val="dk1"/>
+          </a:lnRef>
+          <a:fillRef idx="1">
+            <a:schemeClr val="lt1"/>
+          </a:fillRef>
+          <a:effectRef idx="0">
+            <a:schemeClr val="dk1"/>
+          </a:effectRef>
+          <a:fontRef idx="minor">
+            <a:schemeClr val="dk1"/>
+          </a:fontRef>
+        </p:style>
+        <p:txBody>
+          <a:bodyPr rtlCol="0" anchor="ctr"/>
+          <a:lstStyle/>
+          <a:p>
+            <a:pPr algn="ctr"/>
+            <a:r>
+              <a:rPr lang="en-US" dirty="0"/>
+              <a:t>4</a:t>
+            </a:r>
+          </a:p>
+        </p:txBody>
+      </p:sp>
+      <p:sp>
+        <p:nvSpPr>
+          <p:cNvPr id="13" name="Flowchart: Off-page Connector 12">
+            <a:extLst>
+              <a:ext uri="{FF2B5EF4-FFF2-40B4-BE49-F238E27FC236}">
+                <a16:creationId xmlns:a16="http://schemas.microsoft.com/office/drawing/2014/main" id="{EBE08A1C-F31C-4522-85AB-40C811AAC92A}"/>
+              </a:ext>
+            </a:extLst>
+          </p:cNvPr>
+          <p:cNvSpPr/>
+          <p:nvPr/>
+        </p:nvSpPr>
+        <p:spPr>
+          <a:xfrm>
+            <a:off x="835152" y="5678276"/>
+            <a:ext cx="222421" cy="331572"/>
+          </a:xfrm>
+          <a:prstGeom prst="flowChartOffpageConnector">
+            <a:avLst/>
+          </a:prstGeom>
+          <a:solidFill>
+            <a:srgbClr val="CC99FF"/>
+          </a:solidFill>
+          <a:ln w="25400"/>
+        </p:spPr>
+        <p:style>
+          <a:lnRef idx="2">
+            <a:schemeClr val="dk1"/>
+          </a:lnRef>
+          <a:fillRef idx="1">
+            <a:schemeClr val="lt1"/>
+          </a:fillRef>
+          <a:effectRef idx="0">
+            <a:schemeClr val="dk1"/>
+          </a:effectRef>
+          <a:fontRef idx="minor">
+            <a:schemeClr val="dk1"/>
+          </a:fontRef>
+        </p:style>
+        <p:txBody>
+          <a:bodyPr rtlCol="0" anchor="ctr"/>
+          <a:lstStyle/>
+          <a:p>
+            <a:pPr algn="ctr"/>
+            <a:r>
+              <a:rPr lang="en-US" dirty="0"/>
+              <a:t>5</a:t>
+            </a:r>
+          </a:p>
+        </p:txBody>
+      </p:sp>
     </p:spTree>
     <p:extLst>
       <p:ext uri="{BB962C8B-B14F-4D97-AF65-F5344CB8AC3E}">
@@ -6860,375 +10576,6 @@
 </file>
 
 <file path=ppt/slides/slide7.xml><?xml version="1.0" encoding="utf-8"?>
-<p:sld xmlns:a="http://schemas.openxmlformats.org/drawingml/2006/main" xmlns:r="http://schemas.openxmlformats.org/officeDocument/2006/relationships" xmlns:p="http://schemas.openxmlformats.org/presentationml/2006/main">
-  <p:cSld>
-    <p:bg>
-      <p:bgPr>
-        <a:solidFill>
-          <a:schemeClr val="bg1">
-            <a:tint val="95000"/>
-            <a:satMod val="170000"/>
-          </a:schemeClr>
-        </a:solidFill>
-        <a:effectLst/>
-      </p:bgPr>
-    </p:bg>
-    <p:spTree>
-      <p:nvGrpSpPr>
-        <p:cNvPr id="1" name=""/>
-        <p:cNvGrpSpPr/>
-        <p:nvPr/>
-      </p:nvGrpSpPr>
-      <p:grpSpPr>
-        <a:xfrm>
-          <a:off x="0" y="0"/>
-          <a:ext cx="0" cy="0"/>
-          <a:chOff x="0" y="0"/>
-          <a:chExt cx="0" cy="0"/>
-        </a:xfrm>
-      </p:grpSpPr>
-      <p:sp>
-        <p:nvSpPr>
-          <p:cNvPr id="2" name="Title 1">
-            <a:extLst>
-              <a:ext uri="{FF2B5EF4-FFF2-40B4-BE49-F238E27FC236}">
-                <a16:creationId xmlns:a16="http://schemas.microsoft.com/office/drawing/2014/main" id="{ADD6D830-A66C-4E68-A2E8-38B11A39E630}"/>
-              </a:ext>
-            </a:extLst>
-          </p:cNvPr>
-          <p:cNvSpPr>
-            <a:spLocks noGrp="1"/>
-          </p:cNvSpPr>
-          <p:nvPr>
-            <p:ph type="title"/>
-          </p:nvPr>
-        </p:nvSpPr>
-        <p:spPr>
-          <a:xfrm>
-            <a:off x="6634134" y="1396289"/>
-            <a:ext cx="5006336" cy="1325563"/>
-          </a:xfrm>
-        </p:spPr>
-        <p:txBody>
-          <a:bodyPr>
-            <a:normAutofit/>
-          </a:bodyPr>
-          <a:lstStyle/>
-          <a:p>
-            <a:r>
-              <a:rPr lang="en-US" dirty="0"/>
-              <a:t>Model Set Up</a:t>
-            </a:r>
-          </a:p>
-        </p:txBody>
-      </p:sp>
-      <p:sp>
-        <p:nvSpPr>
-          <p:cNvPr id="71" name="Freeform: Shape 70">
-            <a:extLst>
-              <a:ext uri="{FF2B5EF4-FFF2-40B4-BE49-F238E27FC236}">
-                <a16:creationId xmlns:a16="http://schemas.microsoft.com/office/drawing/2014/main" id="{4F74D28C-3268-4E35-8EE1-D92CB4A85A7D}"/>
-              </a:ext>
-              <a:ext uri="{C183D7F6-B498-43B3-948B-1728B52AA6E4}">
-                <adec:decorative xmlns:adec="http://schemas.microsoft.com/office/drawing/2017/decorative" val="1"/>
-              </a:ext>
-            </a:extLst>
-          </p:cNvPr>
-          <p:cNvSpPr>
-            <a:spLocks noGrp="1" noRot="1" noChangeAspect="1" noMove="1" noResize="1" noEditPoints="1" noAdjustHandles="1" noChangeArrowheads="1" noChangeShapeType="1" noTextEdit="1"/>
-          </p:cNvSpPr>
-          <p:nvPr>
-            <p:extLst>
-              <p:ext uri="{386F3935-93C4-4BCD-93E2-E3B085C9AB24}">
-                <p16:designElem xmlns:p16="http://schemas.microsoft.com/office/powerpoint/2015/main" val="1"/>
-              </p:ext>
-            </p:extLst>
-          </p:nvPr>
-        </p:nvSpPr>
-        <p:spPr>
-          <a:xfrm flipH="1">
-            <a:off x="0" y="0"/>
-            <a:ext cx="6172782" cy="6858000"/>
-          </a:xfrm>
-          <a:custGeom>
-            <a:avLst/>
-            <a:gdLst>
-              <a:gd name="connsiteX0" fmla="*/ 6172782 w 6172782"/>
-              <a:gd name="connsiteY0" fmla="*/ 0 h 6858000"/>
-              <a:gd name="connsiteX1" fmla="*/ 69075 w 6172782"/>
-              <a:gd name="connsiteY1" fmla="*/ 0 h 6858000"/>
-              <a:gd name="connsiteX2" fmla="*/ 35131 w 6172782"/>
-              <a:gd name="connsiteY2" fmla="*/ 267128 h 6858000"/>
-              <a:gd name="connsiteX3" fmla="*/ 0 w 6172782"/>
-              <a:gd name="connsiteY3" fmla="*/ 962845 h 6858000"/>
-              <a:gd name="connsiteX4" fmla="*/ 3276103 w 6172782"/>
-              <a:gd name="connsiteY4" fmla="*/ 6782205 h 6858000"/>
-              <a:gd name="connsiteX5" fmla="*/ 3407923 w 6172782"/>
-              <a:gd name="connsiteY5" fmla="*/ 6858000 h 6858000"/>
-              <a:gd name="connsiteX6" fmla="*/ 6172782 w 6172782"/>
-              <a:gd name="connsiteY6" fmla="*/ 6858000 h 6858000"/>
-            </a:gdLst>
-            <a:ahLst/>
-            <a:cxnLst>
-              <a:cxn ang="0">
-                <a:pos x="connsiteX0" y="connsiteY0"/>
-              </a:cxn>
-              <a:cxn ang="0">
-                <a:pos x="connsiteX1" y="connsiteY1"/>
-              </a:cxn>
-              <a:cxn ang="0">
-                <a:pos x="connsiteX2" y="connsiteY2"/>
-              </a:cxn>
-              <a:cxn ang="0">
-                <a:pos x="connsiteX3" y="connsiteY3"/>
-              </a:cxn>
-              <a:cxn ang="0">
-                <a:pos x="connsiteX4" y="connsiteY4"/>
-              </a:cxn>
-              <a:cxn ang="0">
-                <a:pos x="connsiteX5" y="connsiteY5"/>
-              </a:cxn>
-              <a:cxn ang="0">
-                <a:pos x="connsiteX6" y="connsiteY6"/>
-              </a:cxn>
-            </a:cxnLst>
-            <a:rect l="l" t="t" r="r" b="b"/>
-            <a:pathLst>
-              <a:path w="6172782" h="6858000">
-                <a:moveTo>
-                  <a:pt x="6172782" y="0"/>
-                </a:moveTo>
-                <a:lnTo>
-                  <a:pt x="69075" y="0"/>
-                </a:lnTo>
-                <a:lnTo>
-                  <a:pt x="35131" y="267128"/>
-                </a:lnTo>
-                <a:cubicBezTo>
-                  <a:pt x="11901" y="495874"/>
-                  <a:pt x="0" y="727970"/>
-                  <a:pt x="0" y="962845"/>
-                </a:cubicBezTo>
-                <a:cubicBezTo>
-                  <a:pt x="0" y="3429034"/>
-                  <a:pt x="1312002" y="5588789"/>
-                  <a:pt x="3276103" y="6782205"/>
-                </a:cubicBezTo>
-                <a:lnTo>
-                  <a:pt x="3407923" y="6858000"/>
-                </a:lnTo>
-                <a:lnTo>
-                  <a:pt x="6172782" y="6858000"/>
-                </a:lnTo>
-                <a:close/>
-              </a:path>
-            </a:pathLst>
-          </a:custGeom>
-          <a:solidFill>
-            <a:srgbClr val="FFFFFF">
-              <a:alpha val="80000"/>
-            </a:srgbClr>
-          </a:solidFill>
-          <a:ln>
-            <a:noFill/>
-          </a:ln>
-        </p:spPr>
-        <p:style>
-          <a:lnRef idx="2">
-            <a:schemeClr val="accent1">
-              <a:shade val="50000"/>
-            </a:schemeClr>
-          </a:lnRef>
-          <a:fillRef idx="1">
-            <a:schemeClr val="accent1"/>
-          </a:fillRef>
-          <a:effectRef idx="0">
-            <a:schemeClr val="accent1"/>
-          </a:effectRef>
-          <a:fontRef idx="minor">
-            <a:schemeClr val="lt1"/>
-          </a:fontRef>
-        </p:style>
-        <p:txBody>
-          <a:bodyPr wrap="square" rtlCol="0" anchor="ctr">
-            <a:noAutofit/>
-          </a:bodyPr>
-          <a:lstStyle/>
-          <a:p>
-            <a:pPr marL="0" marR="0" lvl="0" indent="0" algn="ctr" defTabSz="914400" rtl="0" eaLnBrk="1" fontAlgn="auto" latinLnBrk="0" hangingPunct="1">
-              <a:lnSpc>
-                <a:spcPct val="100000"/>
-              </a:lnSpc>
-              <a:spcBef>
-                <a:spcPts val="0"/>
-              </a:spcBef>
-              <a:spcAft>
-                <a:spcPts val="0"/>
-              </a:spcAft>
-              <a:buClrTx/>
-              <a:buSzTx/>
-              <a:buFontTx/>
-              <a:buNone/>
-              <a:tabLst/>
-              <a:defRPr/>
-            </a:pPr>
-            <a:endParaRPr kumimoji="0" lang="en-US" sz="1800" b="0" i="0" u="none" strike="noStrike" kern="1200" cap="none" spc="0" normalizeH="0" baseline="0" noProof="0">
-              <a:ln>
-                <a:noFill/>
-              </a:ln>
-              <a:solidFill>
-                <a:prstClr val="white"/>
-              </a:solidFill>
-              <a:effectLst/>
-              <a:uLnTx/>
-              <a:uFillTx/>
-              <a:latin typeface="Calibri" panose="020F0502020204030204"/>
-              <a:ea typeface="+mn-ea"/>
-              <a:cs typeface="+mn-cs"/>
-            </a:endParaRPr>
-          </a:p>
-        </p:txBody>
-      </p:sp>
-      <p:pic>
-        <p:nvPicPr>
-          <p:cNvPr id="2050" name="Picture 2" descr="C# - Decision Tree - Simple Example - Code4Noobz">
-            <a:extLst>
-              <a:ext uri="{FF2B5EF4-FFF2-40B4-BE49-F238E27FC236}">
-                <a16:creationId xmlns:a16="http://schemas.microsoft.com/office/drawing/2014/main" id="{20704A0A-3481-49AD-B6FF-A597D2718839}"/>
-              </a:ext>
-            </a:extLst>
-          </p:cNvPr>
-          <p:cNvPicPr>
-            <a:picLocks noChangeAspect="1" noChangeArrowheads="1"/>
-          </p:cNvPicPr>
-          <p:nvPr/>
-        </p:nvPicPr>
-        <p:blipFill rotWithShape="1">
-          <a:blip r:embed="rId2">
-            <a:extLst>
-              <a:ext uri="{28A0092B-C50C-407E-A947-70E740481C1C}">
-                <a14:useLocalDpi xmlns:a14="http://schemas.microsoft.com/office/drawing/2010/main" val="0"/>
-              </a:ext>
-            </a:extLst>
-          </a:blip>
-          <a:srcRect r="-2" b="573"/>
-          <a:stretch/>
-        </p:blipFill>
-        <p:spPr bwMode="auto">
-          <a:xfrm>
-            <a:off x="20" y="10"/>
-            <a:ext cx="6024134" cy="6857990"/>
-          </a:xfrm>
-          <a:custGeom>
-            <a:avLst/>
-            <a:gdLst/>
-            <a:ahLst/>
-            <a:cxnLst/>
-            <a:rect l="l" t="t" r="r" b="b"/>
-            <a:pathLst>
-              <a:path w="6024154" h="6858000">
-                <a:moveTo>
-                  <a:pt x="0" y="0"/>
-                </a:moveTo>
-                <a:lnTo>
-                  <a:pt x="5953780" y="0"/>
-                </a:lnTo>
-                <a:lnTo>
-                  <a:pt x="5989880" y="284091"/>
-                </a:lnTo>
-                <a:cubicBezTo>
-                  <a:pt x="6012544" y="507260"/>
-                  <a:pt x="6024154" y="733696"/>
-                  <a:pt x="6024154" y="962844"/>
-                </a:cubicBezTo>
-                <a:cubicBezTo>
-                  <a:pt x="6024154" y="3483472"/>
-                  <a:pt x="4619336" y="5675986"/>
-                  <a:pt x="2549934" y="6800152"/>
-                </a:cubicBezTo>
-                <a:lnTo>
-                  <a:pt x="2436987" y="6858000"/>
-                </a:lnTo>
-                <a:lnTo>
-                  <a:pt x="0" y="6858000"/>
-                </a:lnTo>
-                <a:close/>
-              </a:path>
-            </a:pathLst>
-          </a:custGeom>
-          <a:noFill/>
-          <a:extLst>
-            <a:ext uri="{909E8E84-426E-40DD-AFC4-6F175D3DCCD1}">
-              <a14:hiddenFill xmlns:a14="http://schemas.microsoft.com/office/drawing/2010/main">
-                <a:solidFill>
-                  <a:srgbClr val="FFFFFF"/>
-                </a:solidFill>
-              </a14:hiddenFill>
-            </a:ext>
-          </a:extLst>
-        </p:spPr>
-      </p:pic>
-      <p:sp>
-        <p:nvSpPr>
-          <p:cNvPr id="3" name="Content Placeholder 2">
-            <a:extLst>
-              <a:ext uri="{FF2B5EF4-FFF2-40B4-BE49-F238E27FC236}">
-                <a16:creationId xmlns:a16="http://schemas.microsoft.com/office/drawing/2014/main" id="{19F67473-2569-4A59-B2DD-4950152203D2}"/>
-              </a:ext>
-            </a:extLst>
-          </p:cNvPr>
-          <p:cNvSpPr>
-            <a:spLocks noGrp="1"/>
-          </p:cNvSpPr>
-          <p:nvPr>
-            <p:ph idx="1"/>
-          </p:nvPr>
-        </p:nvSpPr>
-        <p:spPr>
-          <a:xfrm>
-            <a:off x="6634134" y="2796363"/>
-            <a:ext cx="5008517" cy="3427424"/>
-          </a:xfrm>
-        </p:spPr>
-        <p:txBody>
-          <a:bodyPr anchor="t">
-            <a:noAutofit/>
-          </a:bodyPr>
-          <a:lstStyle/>
-          <a:p>
-            <a:r>
-              <a:rPr lang="en-US" dirty="0"/>
-              <a:t>Separate samples into “positive” and “negative” outcomes</a:t>
-            </a:r>
-          </a:p>
-          <a:p>
-            <a:r>
-              <a:rPr lang="en-US" dirty="0"/>
-              <a:t>Define tree structure</a:t>
-            </a:r>
-          </a:p>
-          <a:p>
-            <a:r>
-              <a:rPr lang="en-US" dirty="0"/>
-              <a:t>Determine ratio between total number of “positive” and “negative” outcomes to include factor in objective function</a:t>
-            </a:r>
-          </a:p>
-        </p:txBody>
-      </p:sp>
-    </p:spTree>
-    <p:extLst>
-      <p:ext uri="{BB962C8B-B14F-4D97-AF65-F5344CB8AC3E}">
-        <p14:creationId xmlns:p14="http://schemas.microsoft.com/office/powerpoint/2010/main" val="2439508052"/>
-      </p:ext>
-    </p:extLst>
-  </p:cSld>
-  <p:clrMapOvr>
-    <a:overrideClrMapping bg1="dk1" tx1="lt1" bg2="dk2" tx2="lt2" accent1="accent1" accent2="accent2" accent3="accent3" accent4="accent4" accent5="accent5" accent6="accent6" hlink="hlink" folHlink="folHlink"/>
-  </p:clrMapOvr>
-</p:sld>
-</file>
-
-<file path=ppt/slides/slide8.xml><?xml version="1.0" encoding="utf-8"?>
 <p:sld xmlns:a="http://schemas.openxmlformats.org/drawingml/2006/main" xmlns:r="http://schemas.openxmlformats.org/officeDocument/2006/relationships" xmlns:p="http://schemas.openxmlformats.org/presentationml/2006/main">
   <p:cSld>
     <p:bg>
@@ -7580,8 +10927,8 @@
         </p:nvSpPr>
         <p:spPr>
           <a:xfrm>
-            <a:off x="1939795" y="3426593"/>
-            <a:ext cx="5259810" cy="3006992"/>
+            <a:off x="1942146" y="3232088"/>
+            <a:ext cx="5259810" cy="3318764"/>
           </a:xfrm>
         </p:spPr>
         <p:txBody>
@@ -7592,7 +10939,34 @@
           <a:p>
             <a:r>
               <a:rPr lang="en-US" dirty="0"/>
-              <a:t>Fill In Later</a:t>
+              <a:t>Based on features used in data</a:t>
+            </a:r>
+          </a:p>
+          <a:p>
+            <a:r>
+              <a:rPr lang="en-US" dirty="0"/>
+              <a:t>Examples</a:t>
+            </a:r>
+          </a:p>
+          <a:p>
+            <a:pPr lvl="1"/>
+            <a:r>
+              <a:rPr lang="en-US" dirty="0"/>
+              <a:t>Offer more AP classes/tests</a:t>
+            </a:r>
+          </a:p>
+          <a:p>
+            <a:pPr lvl="1"/>
+            <a:r>
+              <a:rPr lang="en-US" dirty="0"/>
+              <a:t>Offer SAT Prep classes or more opportunities to take the SAT</a:t>
+            </a:r>
+          </a:p>
+          <a:p>
+            <a:pPr lvl="1"/>
+            <a:r>
+              <a:rPr lang="en-US" dirty="0"/>
+              <a:t>Adjust class sizes or number of courses offered </a:t>
             </a:r>
           </a:p>
         </p:txBody>
@@ -7759,8 +11133,8 @@
         </p:blipFill>
         <p:spPr bwMode="auto">
           <a:xfrm flipH="1">
-            <a:off x="6029287" y="1471362"/>
-            <a:ext cx="1020147" cy="725438"/>
+            <a:off x="6242177" y="1517745"/>
+            <a:ext cx="873518" cy="621168"/>
           </a:xfrm>
           <a:prstGeom prst="rect">
             <a:avLst/>
@@ -7827,136 +11201,6 @@
     <p:extLst>
       <p:ext uri="{BB962C8B-B14F-4D97-AF65-F5344CB8AC3E}">
         <p14:creationId xmlns:p14="http://schemas.microsoft.com/office/powerpoint/2010/main" val="1215659637"/>
-      </p:ext>
-    </p:extLst>
-  </p:cSld>
-  <p:clrMapOvr>
-    <a:masterClrMapping/>
-  </p:clrMapOvr>
-</p:sld>
-</file>
-
-<file path=ppt/slides/slide9.xml><?xml version="1.0" encoding="utf-8"?>
-<p:sld xmlns:a="http://schemas.openxmlformats.org/drawingml/2006/main" xmlns:r="http://schemas.openxmlformats.org/officeDocument/2006/relationships" xmlns:p="http://schemas.openxmlformats.org/presentationml/2006/main">
-  <p:cSld>
-    <p:spTree>
-      <p:nvGrpSpPr>
-        <p:cNvPr id="1" name=""/>
-        <p:cNvGrpSpPr/>
-        <p:nvPr/>
-      </p:nvGrpSpPr>
-      <p:grpSpPr>
-        <a:xfrm>
-          <a:off x="0" y="0"/>
-          <a:ext cx="0" cy="0"/>
-          <a:chOff x="0" y="0"/>
-          <a:chExt cx="0" cy="0"/>
-        </a:xfrm>
-      </p:grpSpPr>
-      <p:sp>
-        <p:nvSpPr>
-          <p:cNvPr id="2" name="Title 1">
-            <a:extLst>
-              <a:ext uri="{FF2B5EF4-FFF2-40B4-BE49-F238E27FC236}">
-                <a16:creationId xmlns:a16="http://schemas.microsoft.com/office/drawing/2014/main" id="{ADD6D830-A66C-4E68-A2E8-38B11A39E630}"/>
-              </a:ext>
-            </a:extLst>
-          </p:cNvPr>
-          <p:cNvSpPr>
-            <a:spLocks noGrp="1"/>
-          </p:cNvSpPr>
-          <p:nvPr>
-            <p:ph type="title"/>
-          </p:nvPr>
-        </p:nvSpPr>
-        <p:spPr/>
-        <p:txBody>
-          <a:bodyPr/>
-          <a:lstStyle/>
-          <a:p>
-            <a:pPr algn="ctr"/>
-            <a:r>
-              <a:rPr lang="en-US" dirty="0"/>
-              <a:t>Questions, comments, concerns?</a:t>
-            </a:r>
-          </a:p>
-        </p:txBody>
-      </p:sp>
-      <p:pic>
-        <p:nvPicPr>
-          <p:cNvPr id="5" name="Content Placeholder 4" descr="Whiteboard&#10;&#10;Description automatically generated with medium confidence">
-            <a:extLst>
-              <a:ext uri="{FF2B5EF4-FFF2-40B4-BE49-F238E27FC236}">
-                <a16:creationId xmlns:a16="http://schemas.microsoft.com/office/drawing/2014/main" id="{88F4A980-3339-4863-A71C-A9903A1AA3AB}"/>
-              </a:ext>
-            </a:extLst>
-          </p:cNvPr>
-          <p:cNvPicPr>
-            <a:picLocks noGrp="1" noChangeAspect="1"/>
-          </p:cNvPicPr>
-          <p:nvPr>
-            <p:ph idx="1"/>
-          </p:nvPr>
-        </p:nvPicPr>
-        <p:blipFill>
-          <a:blip r:embed="rId2">
-            <a:extLst>
-              <a:ext uri="{28A0092B-C50C-407E-A947-70E740481C1C}">
-                <a14:useLocalDpi xmlns:a14="http://schemas.microsoft.com/office/drawing/2010/main" val="0"/>
-              </a:ext>
-            </a:extLst>
-          </a:blip>
-          <a:stretch>
-            <a:fillRect/>
-          </a:stretch>
-        </p:blipFill>
-        <p:spPr>
-          <a:xfrm>
-            <a:off x="1479756" y="2332243"/>
-            <a:ext cx="4398635" cy="4398635"/>
-          </a:xfrm>
-        </p:spPr>
-      </p:pic>
-      <p:pic>
-        <p:nvPicPr>
-          <p:cNvPr id="4" name="Picture 3" descr="A picture containing vector graphics&#10;&#10;Description automatically generated">
-            <a:extLst>
-              <a:ext uri="{FF2B5EF4-FFF2-40B4-BE49-F238E27FC236}">
-                <a16:creationId xmlns:a16="http://schemas.microsoft.com/office/drawing/2014/main" id="{38701657-F839-40AA-904D-380CAC5F7F7D}"/>
-              </a:ext>
-            </a:extLst>
-          </p:cNvPr>
-          <p:cNvPicPr>
-            <a:picLocks noChangeAspect="1"/>
-          </p:cNvPicPr>
-          <p:nvPr/>
-        </p:nvPicPr>
-        <p:blipFill>
-          <a:blip r:embed="rId3">
-            <a:extLst>
-              <a:ext uri="{28A0092B-C50C-407E-A947-70E740481C1C}">
-                <a14:useLocalDpi xmlns:a14="http://schemas.microsoft.com/office/drawing/2010/main" val="0"/>
-              </a:ext>
-            </a:extLst>
-          </a:blip>
-          <a:stretch>
-            <a:fillRect/>
-          </a:stretch>
-        </p:blipFill>
-        <p:spPr>
-          <a:xfrm>
-            <a:off x="6313610" y="1690688"/>
-            <a:ext cx="5040190" cy="5040190"/>
-          </a:xfrm>
-          <a:prstGeom prst="rect">
-            <a:avLst/>
-          </a:prstGeom>
-        </p:spPr>
-      </p:pic>
-    </p:spTree>
-    <p:extLst>
-      <p:ext uri="{BB962C8B-B14F-4D97-AF65-F5344CB8AC3E}">
-        <p14:creationId xmlns:p14="http://schemas.microsoft.com/office/powerpoint/2010/main" val="677029886"/>
       </p:ext>
     </p:extLst>
   </p:cSld>

--- a/D2P_Slide_Deck.pptx
+++ b/D2P_Slide_Deck.pptx
@@ -10106,132 +10106,6 @@
           </a:p>
         </p:txBody>
       </p:sp>
-      <p:sp>
-        <p:nvSpPr>
-          <p:cNvPr id="3" name="Content Placeholder 2">
-            <a:extLst>
-              <a:ext uri="{FF2B5EF4-FFF2-40B4-BE49-F238E27FC236}">
-                <a16:creationId xmlns:a16="http://schemas.microsoft.com/office/drawing/2014/main" id="{19F67473-2569-4A59-B2DD-4950152203D2}"/>
-              </a:ext>
-            </a:extLst>
-          </p:cNvPr>
-          <p:cNvSpPr>
-            <a:spLocks noGrp="1"/>
-          </p:cNvSpPr>
-          <p:nvPr>
-            <p:ph idx="1"/>
-          </p:nvPr>
-        </p:nvSpPr>
-        <p:spPr>
-          <a:xfrm>
-            <a:off x="838200" y="2004446"/>
-            <a:ext cx="10515600" cy="4721032"/>
-          </a:xfrm>
-        </p:spPr>
-        <p:txBody>
-          <a:bodyPr>
-            <a:noAutofit/>
-          </a:bodyPr>
-          <a:lstStyle/>
-          <a:p>
-            <a:r>
-              <a:rPr lang="en-US" sz="2400" dirty="0">
-                <a:solidFill>
-                  <a:srgbClr val="FFFFFF"/>
-                </a:solidFill>
-              </a:rPr>
-              <a:t>Branching Features:</a:t>
-            </a:r>
-          </a:p>
-          <a:p>
-            <a:pPr marL="0" indent="0">
-              <a:buNone/>
-            </a:pPr>
-            <a:endParaRPr lang="en-US" sz="2400" dirty="0">
-              <a:solidFill>
-                <a:srgbClr val="FFFFFF"/>
-              </a:solidFill>
-            </a:endParaRPr>
-          </a:p>
-          <a:p>
-            <a:r>
-              <a:rPr lang="en-US" sz="2400" dirty="0">
-                <a:solidFill>
-                  <a:srgbClr val="FFFFFF"/>
-                </a:solidFill>
-              </a:rPr>
-              <a:t>Branching Features:</a:t>
-            </a:r>
-          </a:p>
-          <a:p>
-            <a:pPr marL="0" indent="0">
-              <a:buNone/>
-            </a:pPr>
-            <a:endParaRPr lang="en-US" sz="2400" dirty="0">
-              <a:solidFill>
-                <a:srgbClr val="FFFFFF"/>
-              </a:solidFill>
-            </a:endParaRPr>
-          </a:p>
-          <a:p>
-            <a:r>
-              <a:rPr lang="en-US" sz="2400" dirty="0">
-                <a:solidFill>
-                  <a:srgbClr val="FFFFFF"/>
-                </a:solidFill>
-              </a:rPr>
-              <a:t>Branching Features:</a:t>
-            </a:r>
-          </a:p>
-          <a:p>
-            <a:pPr marL="0" indent="0">
-              <a:buNone/>
-            </a:pPr>
-            <a:endParaRPr lang="en-US" sz="2400" dirty="0">
-              <a:solidFill>
-                <a:srgbClr val="FFFFFF"/>
-              </a:solidFill>
-            </a:endParaRPr>
-          </a:p>
-          <a:p>
-            <a:r>
-              <a:rPr lang="en-US" sz="2400" dirty="0">
-                <a:solidFill>
-                  <a:srgbClr val="FFFFFF"/>
-                </a:solidFill>
-              </a:rPr>
-              <a:t>Branching Features:</a:t>
-            </a:r>
-          </a:p>
-          <a:p>
-            <a:pPr marL="0" indent="0">
-              <a:buNone/>
-            </a:pPr>
-            <a:endParaRPr lang="en-US" sz="2400" dirty="0">
-              <a:solidFill>
-                <a:srgbClr val="FFFFFF"/>
-              </a:solidFill>
-            </a:endParaRPr>
-          </a:p>
-          <a:p>
-            <a:r>
-              <a:rPr lang="en-US" sz="2400" dirty="0">
-                <a:solidFill>
-                  <a:srgbClr val="FFFFFF"/>
-                </a:solidFill>
-              </a:rPr>
-              <a:t>Branching Features: Feat2 (2), Feat3 (2), Feat5 (4), Feat6 (3), Feat20 (1), Feat 32 (5), Feat 33 (5)</a:t>
-            </a:r>
-          </a:p>
-          <a:p>
-            <a:endParaRPr lang="en-US" sz="2400" dirty="0">
-              <a:solidFill>
-                <a:srgbClr val="FFFFFF"/>
-              </a:solidFill>
-            </a:endParaRPr>
-          </a:p>
-        </p:txBody>
-      </p:sp>
       <p:pic>
         <p:nvPicPr>
           <p:cNvPr id="3080" name="Picture 8" descr="A Worthy Target - Objective Icon Pink Clipart - Full Size Clipart (#596730)  - PinClipart">
@@ -10312,7 +10186,7 @@
         </p:nvSpPr>
         <p:spPr>
           <a:xfrm>
-            <a:off x="835153" y="2055803"/>
+            <a:off x="1206000" y="2661804"/>
             <a:ext cx="222421" cy="331572"/>
           </a:xfrm>
           <a:prstGeom prst="flowChartOffpageConnector">
@@ -10363,7 +10237,7 @@
         </p:nvSpPr>
         <p:spPr>
           <a:xfrm>
-            <a:off x="835153" y="2955312"/>
+            <a:off x="8680712" y="2583052"/>
             <a:ext cx="222421" cy="331572"/>
           </a:xfrm>
           <a:prstGeom prst="flowChartOffpageConnector">
@@ -10405,10 +10279,10 @@
       </p:sp>
       <p:sp>
         <p:nvSpPr>
-          <p:cNvPr id="11" name="Flowchart: Off-page Connector 10">
-            <a:extLst>
-              <a:ext uri="{FF2B5EF4-FFF2-40B4-BE49-F238E27FC236}">
-                <a16:creationId xmlns:a16="http://schemas.microsoft.com/office/drawing/2014/main" id="{6F6DBC33-8E58-4238-BD5D-31D8506233D0}"/>
+          <p:cNvPr id="12" name="Flowchart: Off-page Connector 11">
+            <a:extLst>
+              <a:ext uri="{FF2B5EF4-FFF2-40B4-BE49-F238E27FC236}">
+                <a16:creationId xmlns:a16="http://schemas.microsoft.com/office/drawing/2014/main" id="{DF2C4FB4-FCCF-4D70-9C49-B83EFEFED7A1}"/>
               </a:ext>
             </a:extLst>
           </p:cNvPr>
@@ -10417,14 +10291,14 @@
         </p:nvSpPr>
         <p:spPr>
           <a:xfrm>
-            <a:off x="835152" y="3841361"/>
+            <a:off x="4947106" y="4725288"/>
             <a:ext cx="222421" cy="331572"/>
           </a:xfrm>
           <a:prstGeom prst="flowChartOffpageConnector">
             <a:avLst/>
           </a:prstGeom>
           <a:solidFill>
-            <a:schemeClr val="accent6">
+            <a:schemeClr val="accent1">
               <a:lumMod val="40000"/>
               <a:lumOff val="60000"/>
             </a:schemeClr>
@@ -10452,17 +10326,17 @@
             <a:pPr algn="ctr"/>
             <a:r>
               <a:rPr lang="en-US" dirty="0"/>
-              <a:t>3</a:t>
+              <a:t>4</a:t>
             </a:r>
           </a:p>
         </p:txBody>
       </p:sp>
       <p:sp>
         <p:nvSpPr>
-          <p:cNvPr id="12" name="Flowchart: Off-page Connector 11">
-            <a:extLst>
-              <a:ext uri="{FF2B5EF4-FFF2-40B4-BE49-F238E27FC236}">
-                <a16:creationId xmlns:a16="http://schemas.microsoft.com/office/drawing/2014/main" id="{DF2C4FB4-FCCF-4D70-9C49-B83EFEFED7A1}"/>
+          <p:cNvPr id="14" name="Oval 13">
+            <a:extLst>
+              <a:ext uri="{FF2B5EF4-FFF2-40B4-BE49-F238E27FC236}">
+                <a16:creationId xmlns:a16="http://schemas.microsoft.com/office/drawing/2014/main" id="{FFDD243F-8CFB-4F2B-AF3E-B42E02424DFC}"/>
               </a:ext>
             </a:extLst>
           </p:cNvPr>
@@ -10471,97 +10345,2187 @@
         </p:nvSpPr>
         <p:spPr>
           <a:xfrm>
-            <a:off x="835152" y="4792227"/>
-            <a:ext cx="222421" cy="331572"/>
-          </a:xfrm>
-          <a:prstGeom prst="flowChartOffpageConnector">
-            <a:avLst/>
-          </a:prstGeom>
-          <a:solidFill>
-            <a:schemeClr val="accent1">
-              <a:lumMod val="40000"/>
-              <a:lumOff val="60000"/>
-            </a:schemeClr>
-          </a:solidFill>
-          <a:ln w="25400"/>
+            <a:off x="2088412" y="2714259"/>
+            <a:ext cx="222421" cy="222422"/>
+          </a:xfrm>
+          <a:prstGeom prst="ellipse">
+            <a:avLst/>
+          </a:prstGeom>
+          <a:ln>
+            <a:noFill/>
+          </a:ln>
         </p:spPr>
         <p:style>
           <a:lnRef idx="2">
-            <a:schemeClr val="dk1"/>
+            <a:schemeClr val="accent1">
+              <a:shade val="50000"/>
+            </a:schemeClr>
+          </a:lnRef>
+          <a:fillRef idx="1">
+            <a:schemeClr val="accent1"/>
+          </a:fillRef>
+          <a:effectRef idx="0">
+            <a:schemeClr val="accent1"/>
+          </a:effectRef>
+          <a:fontRef idx="minor">
+            <a:schemeClr val="lt1"/>
+          </a:fontRef>
+        </p:style>
+        <p:txBody>
+          <a:bodyPr rtlCol="0" anchor="ctr"/>
+          <a:lstStyle/>
+          <a:p>
+            <a:pPr algn="ctr"/>
+            <a:endParaRPr lang="en-US"/>
+          </a:p>
+        </p:txBody>
+      </p:sp>
+      <p:sp>
+        <p:nvSpPr>
+          <p:cNvPr id="15" name="Oval 14">
+            <a:extLst>
+              <a:ext uri="{FF2B5EF4-FFF2-40B4-BE49-F238E27FC236}">
+                <a16:creationId xmlns:a16="http://schemas.microsoft.com/office/drawing/2014/main" id="{A65959C0-DE2B-4A3D-8CFA-DCEC8011DB14}"/>
+              </a:ext>
+            </a:extLst>
+          </p:cNvPr>
+          <p:cNvSpPr/>
+          <p:nvPr/>
+        </p:nvSpPr>
+        <p:spPr>
+          <a:xfrm>
+            <a:off x="1765077" y="3268253"/>
+            <a:ext cx="222421" cy="222422"/>
+          </a:xfrm>
+          <a:prstGeom prst="ellipse">
+            <a:avLst/>
+          </a:prstGeom>
+          <a:solidFill>
+            <a:srgbClr val="7030A0"/>
+          </a:solidFill>
+          <a:ln>
+            <a:noFill/>
+          </a:ln>
+        </p:spPr>
+        <p:style>
+          <a:lnRef idx="2">
+            <a:schemeClr val="accent1">
+              <a:shade val="50000"/>
+            </a:schemeClr>
+          </a:lnRef>
+          <a:fillRef idx="1">
+            <a:schemeClr val="accent1"/>
+          </a:fillRef>
+          <a:effectRef idx="0">
+            <a:schemeClr val="accent1"/>
+          </a:effectRef>
+          <a:fontRef idx="minor">
+            <a:schemeClr val="lt1"/>
+          </a:fontRef>
+        </p:style>
+        <p:txBody>
+          <a:bodyPr rtlCol="0" anchor="ctr"/>
+          <a:lstStyle/>
+          <a:p>
+            <a:pPr algn="ctr"/>
+            <a:endParaRPr lang="en-US"/>
+          </a:p>
+        </p:txBody>
+      </p:sp>
+      <p:sp>
+        <p:nvSpPr>
+          <p:cNvPr id="16" name="Oval 15">
+            <a:extLst>
+              <a:ext uri="{FF2B5EF4-FFF2-40B4-BE49-F238E27FC236}">
+                <a16:creationId xmlns:a16="http://schemas.microsoft.com/office/drawing/2014/main" id="{DA54FF7F-D4A5-4B7F-8822-4886AAF65B6A}"/>
+              </a:ext>
+            </a:extLst>
+          </p:cNvPr>
+          <p:cNvSpPr/>
+          <p:nvPr/>
+        </p:nvSpPr>
+        <p:spPr>
+          <a:xfrm>
+            <a:off x="2411748" y="3268253"/>
+            <a:ext cx="222421" cy="222422"/>
+          </a:xfrm>
+          <a:prstGeom prst="ellipse">
+            <a:avLst/>
+          </a:prstGeom>
+          <a:solidFill>
+            <a:srgbClr val="FF0000"/>
+          </a:solidFill>
+          <a:ln>
+            <a:noFill/>
+          </a:ln>
+        </p:spPr>
+        <p:style>
+          <a:lnRef idx="2">
+            <a:schemeClr val="accent1">
+              <a:shade val="50000"/>
+            </a:schemeClr>
+          </a:lnRef>
+          <a:fillRef idx="1">
+            <a:schemeClr val="accent1"/>
+          </a:fillRef>
+          <a:effectRef idx="0">
+            <a:schemeClr val="accent1"/>
+          </a:effectRef>
+          <a:fontRef idx="minor">
+            <a:schemeClr val="lt1"/>
+          </a:fontRef>
+        </p:style>
+        <p:txBody>
+          <a:bodyPr rtlCol="0" anchor="ctr"/>
+          <a:lstStyle/>
+          <a:p>
+            <a:pPr algn="ctr"/>
+            <a:endParaRPr lang="en-US"/>
+          </a:p>
+        </p:txBody>
+      </p:sp>
+      <p:sp>
+        <p:nvSpPr>
+          <p:cNvPr id="17" name="Oval 16">
+            <a:extLst>
+              <a:ext uri="{FF2B5EF4-FFF2-40B4-BE49-F238E27FC236}">
+                <a16:creationId xmlns:a16="http://schemas.microsoft.com/office/drawing/2014/main" id="{08129062-ABE4-4EBF-AD26-5281362747AB}"/>
+              </a:ext>
+            </a:extLst>
+          </p:cNvPr>
+          <p:cNvSpPr/>
+          <p:nvPr/>
+        </p:nvSpPr>
+        <p:spPr>
+          <a:xfrm>
+            <a:off x="9581684" y="2583052"/>
+            <a:ext cx="222421" cy="222422"/>
+          </a:xfrm>
+          <a:prstGeom prst="ellipse">
+            <a:avLst/>
+          </a:prstGeom>
+          <a:ln>
+            <a:noFill/>
+          </a:ln>
+        </p:spPr>
+        <p:style>
+          <a:lnRef idx="2">
+            <a:schemeClr val="accent1">
+              <a:shade val="50000"/>
+            </a:schemeClr>
+          </a:lnRef>
+          <a:fillRef idx="1">
+            <a:schemeClr val="accent1"/>
+          </a:fillRef>
+          <a:effectRef idx="0">
+            <a:schemeClr val="accent1"/>
+          </a:effectRef>
+          <a:fontRef idx="minor">
+            <a:schemeClr val="lt1"/>
+          </a:fontRef>
+        </p:style>
+        <p:txBody>
+          <a:bodyPr rtlCol="0" anchor="ctr"/>
+          <a:lstStyle/>
+          <a:p>
+            <a:pPr algn="ctr"/>
+            <a:endParaRPr lang="en-US"/>
+          </a:p>
+        </p:txBody>
+      </p:sp>
+      <p:sp>
+        <p:nvSpPr>
+          <p:cNvPr id="18" name="Oval 17">
+            <a:extLst>
+              <a:ext uri="{FF2B5EF4-FFF2-40B4-BE49-F238E27FC236}">
+                <a16:creationId xmlns:a16="http://schemas.microsoft.com/office/drawing/2014/main" id="{426BF3B4-2102-412E-97AA-D2E51455CE1A}"/>
+              </a:ext>
+            </a:extLst>
+          </p:cNvPr>
+          <p:cNvSpPr/>
+          <p:nvPr/>
+        </p:nvSpPr>
+        <p:spPr>
+          <a:xfrm>
+            <a:off x="9905020" y="3137046"/>
+            <a:ext cx="222421" cy="222422"/>
+          </a:xfrm>
+          <a:prstGeom prst="ellipse">
+            <a:avLst/>
+          </a:prstGeom>
+          <a:solidFill>
+            <a:srgbClr val="FF0000"/>
+          </a:solidFill>
+          <a:ln>
+            <a:noFill/>
+          </a:ln>
+        </p:spPr>
+        <p:style>
+          <a:lnRef idx="2">
+            <a:schemeClr val="accent1">
+              <a:shade val="50000"/>
+            </a:schemeClr>
+          </a:lnRef>
+          <a:fillRef idx="1">
+            <a:schemeClr val="accent1"/>
+          </a:fillRef>
+          <a:effectRef idx="0">
+            <a:schemeClr val="accent1"/>
+          </a:effectRef>
+          <a:fontRef idx="minor">
+            <a:schemeClr val="lt1"/>
+          </a:fontRef>
+        </p:style>
+        <p:txBody>
+          <a:bodyPr rtlCol="0" anchor="ctr"/>
+          <a:lstStyle/>
+          <a:p>
+            <a:pPr algn="ctr"/>
+            <a:endParaRPr lang="en-US"/>
+          </a:p>
+        </p:txBody>
+      </p:sp>
+      <p:sp>
+        <p:nvSpPr>
+          <p:cNvPr id="19" name="Oval 18">
+            <a:extLst>
+              <a:ext uri="{FF2B5EF4-FFF2-40B4-BE49-F238E27FC236}">
+                <a16:creationId xmlns:a16="http://schemas.microsoft.com/office/drawing/2014/main" id="{F68849E1-BE30-4238-8256-C27CAFBF6060}"/>
+              </a:ext>
+            </a:extLst>
+          </p:cNvPr>
+          <p:cNvSpPr/>
+          <p:nvPr/>
+        </p:nvSpPr>
+        <p:spPr>
+          <a:xfrm>
+            <a:off x="9258348" y="3141165"/>
+            <a:ext cx="222421" cy="222422"/>
+          </a:xfrm>
+          <a:prstGeom prst="ellipse">
+            <a:avLst/>
+          </a:prstGeom>
+          <a:ln>
+            <a:noFill/>
+          </a:ln>
+        </p:spPr>
+        <p:style>
+          <a:lnRef idx="2">
+            <a:schemeClr val="accent1">
+              <a:shade val="50000"/>
+            </a:schemeClr>
+          </a:lnRef>
+          <a:fillRef idx="1">
+            <a:schemeClr val="accent1"/>
+          </a:fillRef>
+          <a:effectRef idx="0">
+            <a:schemeClr val="accent1"/>
+          </a:effectRef>
+          <a:fontRef idx="minor">
+            <a:schemeClr val="lt1"/>
+          </a:fontRef>
+        </p:style>
+        <p:txBody>
+          <a:bodyPr rtlCol="0" anchor="ctr"/>
+          <a:lstStyle/>
+          <a:p>
+            <a:pPr algn="ctr"/>
+            <a:endParaRPr lang="en-US"/>
+          </a:p>
+        </p:txBody>
+      </p:sp>
+      <p:sp>
+        <p:nvSpPr>
+          <p:cNvPr id="20" name="Oval 19">
+            <a:extLst>
+              <a:ext uri="{FF2B5EF4-FFF2-40B4-BE49-F238E27FC236}">
+                <a16:creationId xmlns:a16="http://schemas.microsoft.com/office/drawing/2014/main" id="{3E3B3F8F-B097-4214-BD66-54F635401061}"/>
+              </a:ext>
+            </a:extLst>
+          </p:cNvPr>
+          <p:cNvSpPr/>
+          <p:nvPr/>
+        </p:nvSpPr>
+        <p:spPr>
+          <a:xfrm>
+            <a:off x="8935013" y="3695159"/>
+            <a:ext cx="222421" cy="222422"/>
+          </a:xfrm>
+          <a:prstGeom prst="ellipse">
+            <a:avLst/>
+          </a:prstGeom>
+          <a:solidFill>
+            <a:srgbClr val="7030A0"/>
+          </a:solidFill>
+          <a:ln>
+            <a:noFill/>
+          </a:ln>
+        </p:spPr>
+        <p:style>
+          <a:lnRef idx="2">
+            <a:schemeClr val="accent1">
+              <a:shade val="50000"/>
+            </a:schemeClr>
+          </a:lnRef>
+          <a:fillRef idx="1">
+            <a:schemeClr val="accent1"/>
+          </a:fillRef>
+          <a:effectRef idx="0">
+            <a:schemeClr val="accent1"/>
+          </a:effectRef>
+          <a:fontRef idx="minor">
+            <a:schemeClr val="lt1"/>
+          </a:fontRef>
+        </p:style>
+        <p:txBody>
+          <a:bodyPr rtlCol="0" anchor="ctr"/>
+          <a:lstStyle/>
+          <a:p>
+            <a:pPr algn="ctr"/>
+            <a:endParaRPr lang="en-US"/>
+          </a:p>
+        </p:txBody>
+      </p:sp>
+      <p:sp>
+        <p:nvSpPr>
+          <p:cNvPr id="21" name="Oval 20">
+            <a:extLst>
+              <a:ext uri="{FF2B5EF4-FFF2-40B4-BE49-F238E27FC236}">
+                <a16:creationId xmlns:a16="http://schemas.microsoft.com/office/drawing/2014/main" id="{3B554C40-773C-4351-A91A-059F994F8C17}"/>
+              </a:ext>
+            </a:extLst>
+          </p:cNvPr>
+          <p:cNvSpPr/>
+          <p:nvPr/>
+        </p:nvSpPr>
+        <p:spPr>
+          <a:xfrm>
+            <a:off x="9581684" y="3695159"/>
+            <a:ext cx="222421" cy="222422"/>
+          </a:xfrm>
+          <a:prstGeom prst="ellipse">
+            <a:avLst/>
+          </a:prstGeom>
+          <a:solidFill>
+            <a:srgbClr val="FF0000"/>
+          </a:solidFill>
+          <a:ln>
+            <a:noFill/>
+          </a:ln>
+        </p:spPr>
+        <p:style>
+          <a:lnRef idx="2">
+            <a:schemeClr val="accent1">
+              <a:shade val="50000"/>
+            </a:schemeClr>
+          </a:lnRef>
+          <a:fillRef idx="1">
+            <a:schemeClr val="accent1"/>
+          </a:fillRef>
+          <a:effectRef idx="0">
+            <a:schemeClr val="accent1"/>
+          </a:effectRef>
+          <a:fontRef idx="minor">
+            <a:schemeClr val="lt1"/>
+          </a:fontRef>
+        </p:style>
+        <p:txBody>
+          <a:bodyPr rtlCol="0" anchor="ctr"/>
+          <a:lstStyle/>
+          <a:p>
+            <a:pPr algn="ctr"/>
+            <a:endParaRPr lang="en-US"/>
+          </a:p>
+        </p:txBody>
+      </p:sp>
+      <p:sp>
+        <p:nvSpPr>
+          <p:cNvPr id="22" name="Oval 21">
+            <a:extLst>
+              <a:ext uri="{FF2B5EF4-FFF2-40B4-BE49-F238E27FC236}">
+                <a16:creationId xmlns:a16="http://schemas.microsoft.com/office/drawing/2014/main" id="{B80F6D59-DDC9-4681-A94A-5B1F8D21ADEA}"/>
+              </a:ext>
+            </a:extLst>
+          </p:cNvPr>
+          <p:cNvSpPr/>
+          <p:nvPr/>
+        </p:nvSpPr>
+        <p:spPr>
+          <a:xfrm>
+            <a:off x="5593777" y="4891074"/>
+            <a:ext cx="222421" cy="222422"/>
+          </a:xfrm>
+          <a:prstGeom prst="ellipse">
+            <a:avLst/>
+          </a:prstGeom>
+          <a:ln>
+            <a:noFill/>
+          </a:ln>
+        </p:spPr>
+        <p:style>
+          <a:lnRef idx="2">
+            <a:schemeClr val="accent1">
+              <a:shade val="50000"/>
+            </a:schemeClr>
+          </a:lnRef>
+          <a:fillRef idx="1">
+            <a:schemeClr val="accent1"/>
+          </a:fillRef>
+          <a:effectRef idx="0">
+            <a:schemeClr val="accent1"/>
+          </a:effectRef>
+          <a:fontRef idx="minor">
+            <a:schemeClr val="lt1"/>
+          </a:fontRef>
+        </p:style>
+        <p:txBody>
+          <a:bodyPr rtlCol="0" anchor="ctr"/>
+          <a:lstStyle/>
+          <a:p>
+            <a:pPr algn="ctr"/>
+            <a:endParaRPr lang="en-US"/>
+          </a:p>
+        </p:txBody>
+      </p:sp>
+      <p:sp>
+        <p:nvSpPr>
+          <p:cNvPr id="23" name="Oval 22">
+            <a:extLst>
+              <a:ext uri="{FF2B5EF4-FFF2-40B4-BE49-F238E27FC236}">
+                <a16:creationId xmlns:a16="http://schemas.microsoft.com/office/drawing/2014/main" id="{0438535B-BD0A-44C4-8CAB-F52CFAB99847}"/>
+              </a:ext>
+            </a:extLst>
+          </p:cNvPr>
+          <p:cNvSpPr/>
+          <p:nvPr/>
+        </p:nvSpPr>
+        <p:spPr>
+          <a:xfrm>
+            <a:off x="4947106" y="5445068"/>
+            <a:ext cx="222421" cy="222422"/>
+          </a:xfrm>
+          <a:prstGeom prst="ellipse">
+            <a:avLst/>
+          </a:prstGeom>
+          <a:ln>
+            <a:noFill/>
+          </a:ln>
+        </p:spPr>
+        <p:style>
+          <a:lnRef idx="2">
+            <a:schemeClr val="accent1">
+              <a:shade val="50000"/>
+            </a:schemeClr>
+          </a:lnRef>
+          <a:fillRef idx="1">
+            <a:schemeClr val="accent1"/>
+          </a:fillRef>
+          <a:effectRef idx="0">
+            <a:schemeClr val="accent1"/>
+          </a:effectRef>
+          <a:fontRef idx="minor">
+            <a:schemeClr val="lt1"/>
+          </a:fontRef>
+        </p:style>
+        <p:txBody>
+          <a:bodyPr rtlCol="0" anchor="ctr"/>
+          <a:lstStyle/>
+          <a:p>
+            <a:pPr algn="ctr"/>
+            <a:endParaRPr lang="en-US"/>
+          </a:p>
+        </p:txBody>
+      </p:sp>
+      <p:sp>
+        <p:nvSpPr>
+          <p:cNvPr id="24" name="Oval 23">
+            <a:extLst>
+              <a:ext uri="{FF2B5EF4-FFF2-40B4-BE49-F238E27FC236}">
+                <a16:creationId xmlns:a16="http://schemas.microsoft.com/office/drawing/2014/main" id="{88B81340-2222-41DB-99BE-09D158E822D0}"/>
+              </a:ext>
+            </a:extLst>
+          </p:cNvPr>
+          <p:cNvSpPr/>
+          <p:nvPr/>
+        </p:nvSpPr>
+        <p:spPr>
+          <a:xfrm>
+            <a:off x="6190989" y="5445068"/>
+            <a:ext cx="222421" cy="222422"/>
+          </a:xfrm>
+          <a:prstGeom prst="ellipse">
+            <a:avLst/>
+          </a:prstGeom>
+          <a:ln>
+            <a:noFill/>
+          </a:ln>
+        </p:spPr>
+        <p:style>
+          <a:lnRef idx="2">
+            <a:schemeClr val="accent1">
+              <a:shade val="50000"/>
+            </a:schemeClr>
+          </a:lnRef>
+          <a:fillRef idx="1">
+            <a:schemeClr val="accent1"/>
+          </a:fillRef>
+          <a:effectRef idx="0">
+            <a:schemeClr val="accent1"/>
+          </a:effectRef>
+          <a:fontRef idx="minor">
+            <a:schemeClr val="lt1"/>
+          </a:fontRef>
+        </p:style>
+        <p:txBody>
+          <a:bodyPr rtlCol="0" anchor="ctr"/>
+          <a:lstStyle/>
+          <a:p>
+            <a:pPr algn="ctr"/>
+            <a:endParaRPr lang="en-US"/>
+          </a:p>
+        </p:txBody>
+      </p:sp>
+      <p:sp>
+        <p:nvSpPr>
+          <p:cNvPr id="25" name="Oval 24">
+            <a:extLst>
+              <a:ext uri="{FF2B5EF4-FFF2-40B4-BE49-F238E27FC236}">
+                <a16:creationId xmlns:a16="http://schemas.microsoft.com/office/drawing/2014/main" id="{6699A9A6-9E57-4D80-9746-22D262BCB2E0}"/>
+              </a:ext>
+            </a:extLst>
+          </p:cNvPr>
+          <p:cNvSpPr/>
+          <p:nvPr/>
+        </p:nvSpPr>
+        <p:spPr>
+          <a:xfrm>
+            <a:off x="4622700" y="5999062"/>
+            <a:ext cx="222421" cy="222422"/>
+          </a:xfrm>
+          <a:prstGeom prst="ellipse">
+            <a:avLst/>
+          </a:prstGeom>
+          <a:solidFill>
+            <a:srgbClr val="7030A0"/>
+          </a:solidFill>
+          <a:ln>
+            <a:noFill/>
+          </a:ln>
+        </p:spPr>
+        <p:style>
+          <a:lnRef idx="2">
+            <a:schemeClr val="accent1">
+              <a:shade val="50000"/>
+            </a:schemeClr>
+          </a:lnRef>
+          <a:fillRef idx="1">
+            <a:schemeClr val="accent1"/>
+          </a:fillRef>
+          <a:effectRef idx="0">
+            <a:schemeClr val="accent1"/>
+          </a:effectRef>
+          <a:fontRef idx="minor">
+            <a:schemeClr val="lt1"/>
+          </a:fontRef>
+        </p:style>
+        <p:txBody>
+          <a:bodyPr rtlCol="0" anchor="ctr"/>
+          <a:lstStyle/>
+          <a:p>
+            <a:pPr algn="ctr"/>
+            <a:endParaRPr lang="en-US"/>
+          </a:p>
+        </p:txBody>
+      </p:sp>
+      <p:sp>
+        <p:nvSpPr>
+          <p:cNvPr id="26" name="Oval 25">
+            <a:extLst>
+              <a:ext uri="{FF2B5EF4-FFF2-40B4-BE49-F238E27FC236}">
+                <a16:creationId xmlns:a16="http://schemas.microsoft.com/office/drawing/2014/main" id="{ED75E22D-EB13-4634-82E9-6CE638BA54CC}"/>
+              </a:ext>
+            </a:extLst>
+          </p:cNvPr>
+          <p:cNvSpPr/>
+          <p:nvPr/>
+        </p:nvSpPr>
+        <p:spPr>
+          <a:xfrm>
+            <a:off x="5269371" y="5999062"/>
+            <a:ext cx="222421" cy="222422"/>
+          </a:xfrm>
+          <a:prstGeom prst="ellipse">
+            <a:avLst/>
+          </a:prstGeom>
+          <a:solidFill>
+            <a:srgbClr val="FF0000"/>
+          </a:solidFill>
+          <a:ln>
+            <a:noFill/>
+          </a:ln>
+        </p:spPr>
+        <p:style>
+          <a:lnRef idx="2">
+            <a:schemeClr val="accent1">
+              <a:shade val="50000"/>
+            </a:schemeClr>
+          </a:lnRef>
+          <a:fillRef idx="1">
+            <a:schemeClr val="accent1"/>
+          </a:fillRef>
+          <a:effectRef idx="0">
+            <a:schemeClr val="accent1"/>
+          </a:effectRef>
+          <a:fontRef idx="minor">
+            <a:schemeClr val="lt1"/>
+          </a:fontRef>
+        </p:style>
+        <p:txBody>
+          <a:bodyPr rtlCol="0" anchor="ctr"/>
+          <a:lstStyle/>
+          <a:p>
+            <a:pPr algn="ctr"/>
+            <a:endParaRPr lang="en-US"/>
+          </a:p>
+        </p:txBody>
+      </p:sp>
+      <p:sp>
+        <p:nvSpPr>
+          <p:cNvPr id="27" name="Oval 26">
+            <a:extLst>
+              <a:ext uri="{FF2B5EF4-FFF2-40B4-BE49-F238E27FC236}">
+                <a16:creationId xmlns:a16="http://schemas.microsoft.com/office/drawing/2014/main" id="{38688414-7CBD-473A-BBC0-21B3FE7B390F}"/>
+              </a:ext>
+            </a:extLst>
+          </p:cNvPr>
+          <p:cNvSpPr/>
+          <p:nvPr/>
+        </p:nvSpPr>
+        <p:spPr>
+          <a:xfrm>
+            <a:off x="5876895" y="5999062"/>
+            <a:ext cx="222421" cy="222422"/>
+          </a:xfrm>
+          <a:prstGeom prst="ellipse">
+            <a:avLst/>
+          </a:prstGeom>
+          <a:solidFill>
+            <a:srgbClr val="7030A0"/>
+          </a:solidFill>
+          <a:ln>
+            <a:noFill/>
+          </a:ln>
+        </p:spPr>
+        <p:style>
+          <a:lnRef idx="2">
+            <a:schemeClr val="accent1">
+              <a:shade val="50000"/>
+            </a:schemeClr>
+          </a:lnRef>
+          <a:fillRef idx="1">
+            <a:schemeClr val="accent1"/>
+          </a:fillRef>
+          <a:effectRef idx="0">
+            <a:schemeClr val="accent1"/>
+          </a:effectRef>
+          <a:fontRef idx="minor">
+            <a:schemeClr val="lt1"/>
+          </a:fontRef>
+        </p:style>
+        <p:txBody>
+          <a:bodyPr rtlCol="0" anchor="ctr"/>
+          <a:lstStyle/>
+          <a:p>
+            <a:pPr algn="ctr"/>
+            <a:endParaRPr lang="en-US"/>
+          </a:p>
+        </p:txBody>
+      </p:sp>
+      <p:sp>
+        <p:nvSpPr>
+          <p:cNvPr id="28" name="Oval 27">
+            <a:extLst>
+              <a:ext uri="{FF2B5EF4-FFF2-40B4-BE49-F238E27FC236}">
+                <a16:creationId xmlns:a16="http://schemas.microsoft.com/office/drawing/2014/main" id="{B5352842-068B-4B19-A5B3-A279BCDFF463}"/>
+              </a:ext>
+            </a:extLst>
+          </p:cNvPr>
+          <p:cNvSpPr/>
+          <p:nvPr/>
+        </p:nvSpPr>
+        <p:spPr>
+          <a:xfrm>
+            <a:off x="6523566" y="5999062"/>
+            <a:ext cx="222421" cy="222422"/>
+          </a:xfrm>
+          <a:prstGeom prst="ellipse">
+            <a:avLst/>
+          </a:prstGeom>
+          <a:ln>
+            <a:noFill/>
+          </a:ln>
+        </p:spPr>
+        <p:style>
+          <a:lnRef idx="2">
+            <a:schemeClr val="accent1">
+              <a:shade val="50000"/>
+            </a:schemeClr>
+          </a:lnRef>
+          <a:fillRef idx="1">
+            <a:schemeClr val="accent1"/>
+          </a:fillRef>
+          <a:effectRef idx="0">
+            <a:schemeClr val="accent1"/>
+          </a:effectRef>
+          <a:fontRef idx="minor">
+            <a:schemeClr val="lt1"/>
+          </a:fontRef>
+        </p:style>
+        <p:txBody>
+          <a:bodyPr rtlCol="0" anchor="ctr"/>
+          <a:lstStyle/>
+          <a:p>
+            <a:pPr algn="ctr"/>
+            <a:endParaRPr lang="en-US"/>
+          </a:p>
+        </p:txBody>
+      </p:sp>
+      <p:sp>
+        <p:nvSpPr>
+          <p:cNvPr id="29" name="Oval 28">
+            <a:extLst>
+              <a:ext uri="{FF2B5EF4-FFF2-40B4-BE49-F238E27FC236}">
+                <a16:creationId xmlns:a16="http://schemas.microsoft.com/office/drawing/2014/main" id="{6761EBEB-635A-45F4-898A-0A6DD265D93E}"/>
+              </a:ext>
+            </a:extLst>
+          </p:cNvPr>
+          <p:cNvSpPr/>
+          <p:nvPr/>
+        </p:nvSpPr>
+        <p:spPr>
+          <a:xfrm>
+            <a:off x="6193215" y="6569532"/>
+            <a:ext cx="222421" cy="222422"/>
+          </a:xfrm>
+          <a:prstGeom prst="ellipse">
+            <a:avLst/>
+          </a:prstGeom>
+          <a:solidFill>
+            <a:srgbClr val="7030A0"/>
+          </a:solidFill>
+          <a:ln>
+            <a:noFill/>
+          </a:ln>
+        </p:spPr>
+        <p:style>
+          <a:lnRef idx="2">
+            <a:schemeClr val="accent1">
+              <a:shade val="50000"/>
+            </a:schemeClr>
+          </a:lnRef>
+          <a:fillRef idx="1">
+            <a:schemeClr val="accent1"/>
+          </a:fillRef>
+          <a:effectRef idx="0">
+            <a:schemeClr val="accent1"/>
+          </a:effectRef>
+          <a:fontRef idx="minor">
+            <a:schemeClr val="lt1"/>
+          </a:fontRef>
+        </p:style>
+        <p:txBody>
+          <a:bodyPr rtlCol="0" anchor="ctr"/>
+          <a:lstStyle/>
+          <a:p>
+            <a:pPr algn="ctr"/>
+            <a:endParaRPr lang="en-US"/>
+          </a:p>
+        </p:txBody>
+      </p:sp>
+      <p:sp>
+        <p:nvSpPr>
+          <p:cNvPr id="30" name="Oval 29">
+            <a:extLst>
+              <a:ext uri="{FF2B5EF4-FFF2-40B4-BE49-F238E27FC236}">
+                <a16:creationId xmlns:a16="http://schemas.microsoft.com/office/drawing/2014/main" id="{44EB6B61-2CC5-4817-B54B-D84D2F20DB2E}"/>
+              </a:ext>
+            </a:extLst>
+          </p:cNvPr>
+          <p:cNvSpPr/>
+          <p:nvPr/>
+        </p:nvSpPr>
+        <p:spPr>
+          <a:xfrm>
+            <a:off x="6839886" y="6569532"/>
+            <a:ext cx="222421" cy="222422"/>
+          </a:xfrm>
+          <a:prstGeom prst="ellipse">
+            <a:avLst/>
+          </a:prstGeom>
+          <a:solidFill>
+            <a:srgbClr val="FF0000"/>
+          </a:solidFill>
+          <a:ln>
+            <a:noFill/>
+          </a:ln>
+        </p:spPr>
+        <p:style>
+          <a:lnRef idx="2">
+            <a:schemeClr val="accent1">
+              <a:shade val="50000"/>
+            </a:schemeClr>
+          </a:lnRef>
+          <a:fillRef idx="1">
+            <a:schemeClr val="accent1"/>
+          </a:fillRef>
+          <a:effectRef idx="0">
+            <a:schemeClr val="accent1"/>
+          </a:effectRef>
+          <a:fontRef idx="minor">
+            <a:schemeClr val="lt1"/>
+          </a:fontRef>
+        </p:style>
+        <p:txBody>
+          <a:bodyPr rtlCol="0" anchor="ctr"/>
+          <a:lstStyle/>
+          <a:p>
+            <a:pPr algn="ctr"/>
+            <a:endParaRPr lang="en-US"/>
+          </a:p>
+        </p:txBody>
+      </p:sp>
+      <p:cxnSp>
+        <p:nvCxnSpPr>
+          <p:cNvPr id="31" name="Straight Connector 30">
+            <a:extLst>
+              <a:ext uri="{FF2B5EF4-FFF2-40B4-BE49-F238E27FC236}">
+                <a16:creationId xmlns:a16="http://schemas.microsoft.com/office/drawing/2014/main" id="{3E07D091-B952-46D6-91D5-30F6CE48895E}"/>
+              </a:ext>
+            </a:extLst>
+          </p:cNvPr>
+          <p:cNvCxnSpPr>
+            <a:cxnSpLocks/>
+            <a:stCxn id="15" idx="0"/>
+            <a:endCxn id="14" idx="4"/>
+          </p:cNvCxnSpPr>
+          <p:nvPr/>
+        </p:nvCxnSpPr>
+        <p:spPr>
+          <a:xfrm flipV="1">
+            <a:off x="1876288" y="2936681"/>
+            <a:ext cx="323335" cy="331572"/>
+          </a:xfrm>
+          <a:prstGeom prst="line">
+            <a:avLst/>
+          </a:prstGeom>
+          <a:ln w="38100">
+            <a:solidFill>
+              <a:schemeClr val="tx1"/>
+            </a:solidFill>
+          </a:ln>
+        </p:spPr>
+        <p:style>
+          <a:lnRef idx="1">
+            <a:schemeClr val="accent1"/>
+          </a:lnRef>
+          <a:fillRef idx="0">
+            <a:schemeClr val="accent1"/>
+          </a:fillRef>
+          <a:effectRef idx="0">
+            <a:schemeClr val="accent1"/>
+          </a:effectRef>
+          <a:fontRef idx="minor">
+            <a:schemeClr val="tx1"/>
+          </a:fontRef>
+        </p:style>
+      </p:cxnSp>
+      <p:cxnSp>
+        <p:nvCxnSpPr>
+          <p:cNvPr id="32" name="Straight Connector 31">
+            <a:extLst>
+              <a:ext uri="{FF2B5EF4-FFF2-40B4-BE49-F238E27FC236}">
+                <a16:creationId xmlns:a16="http://schemas.microsoft.com/office/drawing/2014/main" id="{FCFA3EE0-3DDE-4DBF-A419-A849017FA605}"/>
+              </a:ext>
+            </a:extLst>
+          </p:cNvPr>
+          <p:cNvCxnSpPr>
+            <a:stCxn id="14" idx="4"/>
+            <a:endCxn id="16" idx="0"/>
+          </p:cNvCxnSpPr>
+          <p:nvPr/>
+        </p:nvCxnSpPr>
+        <p:spPr>
+          <a:xfrm>
+            <a:off x="2199623" y="2936681"/>
+            <a:ext cx="323336" cy="331572"/>
+          </a:xfrm>
+          <a:prstGeom prst="line">
+            <a:avLst/>
+          </a:prstGeom>
+          <a:ln w="38100">
+            <a:solidFill>
+              <a:schemeClr val="tx1"/>
+            </a:solidFill>
+          </a:ln>
+        </p:spPr>
+        <p:style>
+          <a:lnRef idx="1">
+            <a:schemeClr val="accent1"/>
+          </a:lnRef>
+          <a:fillRef idx="0">
+            <a:schemeClr val="accent1"/>
+          </a:fillRef>
+          <a:effectRef idx="0">
+            <a:schemeClr val="accent1"/>
+          </a:effectRef>
+          <a:fontRef idx="minor">
+            <a:schemeClr val="tx1"/>
+          </a:fontRef>
+        </p:style>
+      </p:cxnSp>
+      <p:cxnSp>
+        <p:nvCxnSpPr>
+          <p:cNvPr id="33" name="Straight Connector 32">
+            <a:extLst>
+              <a:ext uri="{FF2B5EF4-FFF2-40B4-BE49-F238E27FC236}">
+                <a16:creationId xmlns:a16="http://schemas.microsoft.com/office/drawing/2014/main" id="{54D84F3A-D603-4F36-84FF-1E2CA6ED15E6}"/>
+              </a:ext>
+            </a:extLst>
+          </p:cNvPr>
+          <p:cNvCxnSpPr>
+            <a:stCxn id="19" idx="0"/>
+            <a:endCxn id="17" idx="4"/>
+          </p:cNvCxnSpPr>
+          <p:nvPr/>
+        </p:nvCxnSpPr>
+        <p:spPr>
+          <a:xfrm flipV="1">
+            <a:off x="9369559" y="2805474"/>
+            <a:ext cx="323336" cy="335691"/>
+          </a:xfrm>
+          <a:prstGeom prst="line">
+            <a:avLst/>
+          </a:prstGeom>
+          <a:ln w="38100">
+            <a:solidFill>
+              <a:schemeClr val="tx1"/>
+            </a:solidFill>
+          </a:ln>
+        </p:spPr>
+        <p:style>
+          <a:lnRef idx="1">
+            <a:schemeClr val="accent1"/>
+          </a:lnRef>
+          <a:fillRef idx="0">
+            <a:schemeClr val="accent1"/>
+          </a:fillRef>
+          <a:effectRef idx="0">
+            <a:schemeClr val="accent1"/>
+          </a:effectRef>
+          <a:fontRef idx="minor">
+            <a:schemeClr val="tx1"/>
+          </a:fontRef>
+        </p:style>
+      </p:cxnSp>
+      <p:cxnSp>
+        <p:nvCxnSpPr>
+          <p:cNvPr id="34" name="Straight Connector 33">
+            <a:extLst>
+              <a:ext uri="{FF2B5EF4-FFF2-40B4-BE49-F238E27FC236}">
+                <a16:creationId xmlns:a16="http://schemas.microsoft.com/office/drawing/2014/main" id="{5D103AF8-3F72-48AA-99A1-1BB35D4AE370}"/>
+              </a:ext>
+            </a:extLst>
+          </p:cNvPr>
+          <p:cNvCxnSpPr>
+            <a:stCxn id="20" idx="0"/>
+            <a:endCxn id="19" idx="4"/>
+          </p:cNvCxnSpPr>
+          <p:nvPr/>
+        </p:nvCxnSpPr>
+        <p:spPr>
+          <a:xfrm flipV="1">
+            <a:off x="9046224" y="3363587"/>
+            <a:ext cx="323335" cy="331572"/>
+          </a:xfrm>
+          <a:prstGeom prst="line">
+            <a:avLst/>
+          </a:prstGeom>
+          <a:ln w="38100">
+            <a:solidFill>
+              <a:schemeClr val="tx1"/>
+            </a:solidFill>
+          </a:ln>
+        </p:spPr>
+        <p:style>
+          <a:lnRef idx="1">
+            <a:schemeClr val="accent1"/>
+          </a:lnRef>
+          <a:fillRef idx="0">
+            <a:schemeClr val="accent1"/>
+          </a:fillRef>
+          <a:effectRef idx="0">
+            <a:schemeClr val="accent1"/>
+          </a:effectRef>
+          <a:fontRef idx="minor">
+            <a:schemeClr val="tx1"/>
+          </a:fontRef>
+        </p:style>
+      </p:cxnSp>
+      <p:cxnSp>
+        <p:nvCxnSpPr>
+          <p:cNvPr id="35" name="Straight Connector 34">
+            <a:extLst>
+              <a:ext uri="{FF2B5EF4-FFF2-40B4-BE49-F238E27FC236}">
+                <a16:creationId xmlns:a16="http://schemas.microsoft.com/office/drawing/2014/main" id="{BB9FFB00-52E3-44C8-A9BF-EFE51F297FE4}"/>
+              </a:ext>
+            </a:extLst>
+          </p:cNvPr>
+          <p:cNvCxnSpPr>
+            <a:cxnSpLocks/>
+            <a:stCxn id="18" idx="0"/>
+            <a:endCxn id="17" idx="4"/>
+          </p:cNvCxnSpPr>
+          <p:nvPr/>
+        </p:nvCxnSpPr>
+        <p:spPr>
+          <a:xfrm flipH="1" flipV="1">
+            <a:off x="9692895" y="2805474"/>
+            <a:ext cx="323336" cy="331572"/>
+          </a:xfrm>
+          <a:prstGeom prst="line">
+            <a:avLst/>
+          </a:prstGeom>
+          <a:ln w="38100">
+            <a:solidFill>
+              <a:schemeClr val="tx1"/>
+            </a:solidFill>
+          </a:ln>
+        </p:spPr>
+        <p:style>
+          <a:lnRef idx="1">
+            <a:schemeClr val="accent1"/>
+          </a:lnRef>
+          <a:fillRef idx="0">
+            <a:schemeClr val="accent1"/>
+          </a:fillRef>
+          <a:effectRef idx="0">
+            <a:schemeClr val="accent1"/>
+          </a:effectRef>
+          <a:fontRef idx="minor">
+            <a:schemeClr val="tx1"/>
+          </a:fontRef>
+        </p:style>
+      </p:cxnSp>
+      <p:cxnSp>
+        <p:nvCxnSpPr>
+          <p:cNvPr id="36" name="Straight Connector 35">
+            <a:extLst>
+              <a:ext uri="{FF2B5EF4-FFF2-40B4-BE49-F238E27FC236}">
+                <a16:creationId xmlns:a16="http://schemas.microsoft.com/office/drawing/2014/main" id="{50EB2555-AD18-4997-BC6C-ECBFF81325D3}"/>
+              </a:ext>
+            </a:extLst>
+          </p:cNvPr>
+          <p:cNvCxnSpPr>
+            <a:cxnSpLocks/>
+            <a:stCxn id="19" idx="4"/>
+            <a:endCxn id="21" idx="0"/>
+          </p:cNvCxnSpPr>
+          <p:nvPr/>
+        </p:nvCxnSpPr>
+        <p:spPr>
+          <a:xfrm>
+            <a:off x="9369559" y="3363587"/>
+            <a:ext cx="323336" cy="331572"/>
+          </a:xfrm>
+          <a:prstGeom prst="line">
+            <a:avLst/>
+          </a:prstGeom>
+          <a:ln w="38100">
+            <a:solidFill>
+              <a:schemeClr val="tx1"/>
+            </a:solidFill>
+          </a:ln>
+        </p:spPr>
+        <p:style>
+          <a:lnRef idx="1">
+            <a:schemeClr val="accent1"/>
+          </a:lnRef>
+          <a:fillRef idx="0">
+            <a:schemeClr val="accent1"/>
+          </a:fillRef>
+          <a:effectRef idx="0">
+            <a:schemeClr val="accent1"/>
+          </a:effectRef>
+          <a:fontRef idx="minor">
+            <a:schemeClr val="tx1"/>
+          </a:fontRef>
+        </p:style>
+      </p:cxnSp>
+      <p:cxnSp>
+        <p:nvCxnSpPr>
+          <p:cNvPr id="37" name="Straight Connector 36">
+            <a:extLst>
+              <a:ext uri="{FF2B5EF4-FFF2-40B4-BE49-F238E27FC236}">
+                <a16:creationId xmlns:a16="http://schemas.microsoft.com/office/drawing/2014/main" id="{73906F6E-C1A5-4916-B7A5-D4B585ED4545}"/>
+              </a:ext>
+            </a:extLst>
+          </p:cNvPr>
+          <p:cNvCxnSpPr>
+            <a:cxnSpLocks/>
+            <a:stCxn id="24" idx="0"/>
+            <a:endCxn id="22" idx="4"/>
+          </p:cNvCxnSpPr>
+          <p:nvPr/>
+        </p:nvCxnSpPr>
+        <p:spPr>
+          <a:xfrm flipH="1" flipV="1">
+            <a:off x="5704988" y="5113496"/>
+            <a:ext cx="597212" cy="331572"/>
+          </a:xfrm>
+          <a:prstGeom prst="line">
+            <a:avLst/>
+          </a:prstGeom>
+          <a:ln w="38100">
+            <a:solidFill>
+              <a:schemeClr val="tx1"/>
+            </a:solidFill>
+          </a:ln>
+        </p:spPr>
+        <p:style>
+          <a:lnRef idx="1">
+            <a:schemeClr val="accent1"/>
+          </a:lnRef>
+          <a:fillRef idx="0">
+            <a:schemeClr val="accent1"/>
+          </a:fillRef>
+          <a:effectRef idx="0">
+            <a:schemeClr val="accent1"/>
+          </a:effectRef>
+          <a:fontRef idx="minor">
+            <a:schemeClr val="tx1"/>
+          </a:fontRef>
+        </p:style>
+      </p:cxnSp>
+      <p:cxnSp>
+        <p:nvCxnSpPr>
+          <p:cNvPr id="38" name="Straight Connector 37">
+            <a:extLst>
+              <a:ext uri="{FF2B5EF4-FFF2-40B4-BE49-F238E27FC236}">
+                <a16:creationId xmlns:a16="http://schemas.microsoft.com/office/drawing/2014/main" id="{C3F1DB3A-DE00-405A-A2C0-B1596858DC88}"/>
+              </a:ext>
+            </a:extLst>
+          </p:cNvPr>
+          <p:cNvCxnSpPr>
+            <a:cxnSpLocks/>
+            <a:stCxn id="23" idx="0"/>
+            <a:endCxn id="22" idx="4"/>
+          </p:cNvCxnSpPr>
+          <p:nvPr/>
+        </p:nvCxnSpPr>
+        <p:spPr>
+          <a:xfrm flipV="1">
+            <a:off x="5058317" y="5113496"/>
+            <a:ext cx="646671" cy="331572"/>
+          </a:xfrm>
+          <a:prstGeom prst="line">
+            <a:avLst/>
+          </a:prstGeom>
+          <a:ln w="38100">
+            <a:solidFill>
+              <a:schemeClr val="tx1"/>
+            </a:solidFill>
+          </a:ln>
+        </p:spPr>
+        <p:style>
+          <a:lnRef idx="1">
+            <a:schemeClr val="accent1"/>
+          </a:lnRef>
+          <a:fillRef idx="0">
+            <a:schemeClr val="accent1"/>
+          </a:fillRef>
+          <a:effectRef idx="0">
+            <a:schemeClr val="accent1"/>
+          </a:effectRef>
+          <a:fontRef idx="minor">
+            <a:schemeClr val="tx1"/>
+          </a:fontRef>
+        </p:style>
+      </p:cxnSp>
+      <p:cxnSp>
+        <p:nvCxnSpPr>
+          <p:cNvPr id="39" name="Straight Connector 38">
+            <a:extLst>
+              <a:ext uri="{FF2B5EF4-FFF2-40B4-BE49-F238E27FC236}">
+                <a16:creationId xmlns:a16="http://schemas.microsoft.com/office/drawing/2014/main" id="{25094051-01DA-4480-8A4D-CC40A05A3350}"/>
+              </a:ext>
+            </a:extLst>
+          </p:cNvPr>
+          <p:cNvCxnSpPr>
+            <a:cxnSpLocks/>
+            <a:stCxn id="23" idx="4"/>
+            <a:endCxn id="25" idx="0"/>
+          </p:cNvCxnSpPr>
+          <p:nvPr/>
+        </p:nvCxnSpPr>
+        <p:spPr>
+          <a:xfrm flipH="1">
+            <a:off x="4733911" y="5667490"/>
+            <a:ext cx="324406" cy="331572"/>
+          </a:xfrm>
+          <a:prstGeom prst="line">
+            <a:avLst/>
+          </a:prstGeom>
+          <a:ln w="38100">
+            <a:solidFill>
+              <a:schemeClr val="tx1"/>
+            </a:solidFill>
+          </a:ln>
+        </p:spPr>
+        <p:style>
+          <a:lnRef idx="1">
+            <a:schemeClr val="accent1"/>
+          </a:lnRef>
+          <a:fillRef idx="0">
+            <a:schemeClr val="accent1"/>
+          </a:fillRef>
+          <a:effectRef idx="0">
+            <a:schemeClr val="accent1"/>
+          </a:effectRef>
+          <a:fontRef idx="minor">
+            <a:schemeClr val="tx1"/>
+          </a:fontRef>
+        </p:style>
+      </p:cxnSp>
+      <p:cxnSp>
+        <p:nvCxnSpPr>
+          <p:cNvPr id="40" name="Straight Connector 39">
+            <a:extLst>
+              <a:ext uri="{FF2B5EF4-FFF2-40B4-BE49-F238E27FC236}">
+                <a16:creationId xmlns:a16="http://schemas.microsoft.com/office/drawing/2014/main" id="{010BE21B-3010-4BD0-91C9-6C38A2D77796}"/>
+              </a:ext>
+            </a:extLst>
+          </p:cNvPr>
+          <p:cNvCxnSpPr>
+            <a:cxnSpLocks/>
+            <a:stCxn id="23" idx="4"/>
+            <a:endCxn id="26" idx="0"/>
+          </p:cNvCxnSpPr>
+          <p:nvPr/>
+        </p:nvCxnSpPr>
+        <p:spPr>
+          <a:xfrm>
+            <a:off x="5058317" y="5667490"/>
+            <a:ext cx="322265" cy="331572"/>
+          </a:xfrm>
+          <a:prstGeom prst="line">
+            <a:avLst/>
+          </a:prstGeom>
+          <a:ln w="38100">
+            <a:solidFill>
+              <a:schemeClr val="tx1"/>
+            </a:solidFill>
+          </a:ln>
+        </p:spPr>
+        <p:style>
+          <a:lnRef idx="1">
+            <a:schemeClr val="accent1"/>
+          </a:lnRef>
+          <a:fillRef idx="0">
+            <a:schemeClr val="accent1"/>
+          </a:fillRef>
+          <a:effectRef idx="0">
+            <a:schemeClr val="accent1"/>
+          </a:effectRef>
+          <a:fontRef idx="minor">
+            <a:schemeClr val="tx1"/>
+          </a:fontRef>
+        </p:style>
+      </p:cxnSp>
+      <p:cxnSp>
+        <p:nvCxnSpPr>
+          <p:cNvPr id="41" name="Straight Connector 40">
+            <a:extLst>
+              <a:ext uri="{FF2B5EF4-FFF2-40B4-BE49-F238E27FC236}">
+                <a16:creationId xmlns:a16="http://schemas.microsoft.com/office/drawing/2014/main" id="{C8C2A822-7966-418F-8F31-8A50A79E6BC6}"/>
+              </a:ext>
+            </a:extLst>
+          </p:cNvPr>
+          <p:cNvCxnSpPr>
+            <a:cxnSpLocks/>
+            <a:stCxn id="24" idx="4"/>
+            <a:endCxn id="27" idx="0"/>
+          </p:cNvCxnSpPr>
+          <p:nvPr/>
+        </p:nvCxnSpPr>
+        <p:spPr>
+          <a:xfrm flipH="1">
+            <a:off x="5988106" y="5667490"/>
+            <a:ext cx="314094" cy="331572"/>
+          </a:xfrm>
+          <a:prstGeom prst="line">
+            <a:avLst/>
+          </a:prstGeom>
+          <a:ln w="38100">
+            <a:solidFill>
+              <a:schemeClr val="tx1"/>
+            </a:solidFill>
+          </a:ln>
+        </p:spPr>
+        <p:style>
+          <a:lnRef idx="1">
+            <a:schemeClr val="accent1"/>
+          </a:lnRef>
+          <a:fillRef idx="0">
+            <a:schemeClr val="accent1"/>
+          </a:fillRef>
+          <a:effectRef idx="0">
+            <a:schemeClr val="accent1"/>
+          </a:effectRef>
+          <a:fontRef idx="minor">
+            <a:schemeClr val="tx1"/>
+          </a:fontRef>
+        </p:style>
+      </p:cxnSp>
+      <p:cxnSp>
+        <p:nvCxnSpPr>
+          <p:cNvPr id="42" name="Straight Connector 41">
+            <a:extLst>
+              <a:ext uri="{FF2B5EF4-FFF2-40B4-BE49-F238E27FC236}">
+                <a16:creationId xmlns:a16="http://schemas.microsoft.com/office/drawing/2014/main" id="{70EB4AC9-A2E3-40FE-99F5-A565F8264958}"/>
+              </a:ext>
+            </a:extLst>
+          </p:cNvPr>
+          <p:cNvCxnSpPr>
+            <a:cxnSpLocks/>
+            <a:stCxn id="24" idx="4"/>
+            <a:endCxn id="28" idx="0"/>
+          </p:cNvCxnSpPr>
+          <p:nvPr/>
+        </p:nvCxnSpPr>
+        <p:spPr>
+          <a:xfrm>
+            <a:off x="6302200" y="5667490"/>
+            <a:ext cx="332577" cy="331572"/>
+          </a:xfrm>
+          <a:prstGeom prst="line">
+            <a:avLst/>
+          </a:prstGeom>
+          <a:ln w="38100">
+            <a:solidFill>
+              <a:schemeClr val="tx1"/>
+            </a:solidFill>
+          </a:ln>
+        </p:spPr>
+        <p:style>
+          <a:lnRef idx="1">
+            <a:schemeClr val="accent1"/>
+          </a:lnRef>
+          <a:fillRef idx="0">
+            <a:schemeClr val="accent1"/>
+          </a:fillRef>
+          <a:effectRef idx="0">
+            <a:schemeClr val="accent1"/>
+          </a:effectRef>
+          <a:fontRef idx="minor">
+            <a:schemeClr val="tx1"/>
+          </a:fontRef>
+        </p:style>
+      </p:cxnSp>
+      <p:cxnSp>
+        <p:nvCxnSpPr>
+          <p:cNvPr id="43" name="Straight Connector 42">
+            <a:extLst>
+              <a:ext uri="{FF2B5EF4-FFF2-40B4-BE49-F238E27FC236}">
+                <a16:creationId xmlns:a16="http://schemas.microsoft.com/office/drawing/2014/main" id="{4FEAF9AB-2FA7-4F00-8738-D7BDA1FE965B}"/>
+              </a:ext>
+            </a:extLst>
+          </p:cNvPr>
+          <p:cNvCxnSpPr>
+            <a:cxnSpLocks/>
+            <a:stCxn id="29" idx="0"/>
+            <a:endCxn id="28" idx="4"/>
+          </p:cNvCxnSpPr>
+          <p:nvPr/>
+        </p:nvCxnSpPr>
+        <p:spPr>
+          <a:xfrm flipV="1">
+            <a:off x="6304426" y="6221484"/>
+            <a:ext cx="330351" cy="348048"/>
+          </a:xfrm>
+          <a:prstGeom prst="line">
+            <a:avLst/>
+          </a:prstGeom>
+          <a:ln w="38100">
+            <a:solidFill>
+              <a:schemeClr val="tx1"/>
+            </a:solidFill>
+          </a:ln>
+        </p:spPr>
+        <p:style>
+          <a:lnRef idx="1">
+            <a:schemeClr val="accent1"/>
+          </a:lnRef>
+          <a:fillRef idx="0">
+            <a:schemeClr val="accent1"/>
+          </a:fillRef>
+          <a:effectRef idx="0">
+            <a:schemeClr val="accent1"/>
+          </a:effectRef>
+          <a:fontRef idx="minor">
+            <a:schemeClr val="tx1"/>
+          </a:fontRef>
+        </p:style>
+      </p:cxnSp>
+      <p:cxnSp>
+        <p:nvCxnSpPr>
+          <p:cNvPr id="44" name="Straight Connector 43">
+            <a:extLst>
+              <a:ext uri="{FF2B5EF4-FFF2-40B4-BE49-F238E27FC236}">
+                <a16:creationId xmlns:a16="http://schemas.microsoft.com/office/drawing/2014/main" id="{071DEAE1-ED59-464C-A40A-8C8DD3C0566B}"/>
+              </a:ext>
+            </a:extLst>
+          </p:cNvPr>
+          <p:cNvCxnSpPr>
+            <a:cxnSpLocks/>
+            <a:stCxn id="28" idx="4"/>
+            <a:endCxn id="30" idx="0"/>
+          </p:cNvCxnSpPr>
+          <p:nvPr/>
+        </p:nvCxnSpPr>
+        <p:spPr>
+          <a:xfrm>
+            <a:off x="6634777" y="6221484"/>
+            <a:ext cx="316320" cy="348048"/>
+          </a:xfrm>
+          <a:prstGeom prst="line">
+            <a:avLst/>
+          </a:prstGeom>
+          <a:ln w="38100">
+            <a:solidFill>
+              <a:schemeClr val="tx1"/>
+            </a:solidFill>
+          </a:ln>
+        </p:spPr>
+        <p:style>
+          <a:lnRef idx="1">
+            <a:schemeClr val="accent1"/>
+          </a:lnRef>
+          <a:fillRef idx="0">
+            <a:schemeClr val="accent1"/>
+          </a:fillRef>
+          <a:effectRef idx="0">
+            <a:schemeClr val="accent1"/>
+          </a:effectRef>
+          <a:fontRef idx="minor">
+            <a:schemeClr val="tx1"/>
+          </a:fontRef>
+        </p:style>
+      </p:cxnSp>
+      <p:sp>
+        <p:nvSpPr>
+          <p:cNvPr id="4" name="TextBox 3">
+            <a:extLst>
+              <a:ext uri="{FF2B5EF4-FFF2-40B4-BE49-F238E27FC236}">
+                <a16:creationId xmlns:a16="http://schemas.microsoft.com/office/drawing/2014/main" id="{5CA1FA6D-7B9A-4B10-8350-972BEF42FA82}"/>
+              </a:ext>
+            </a:extLst>
+          </p:cNvPr>
+          <p:cNvSpPr txBox="1"/>
+          <p:nvPr/>
+        </p:nvSpPr>
+        <p:spPr>
+          <a:xfrm>
+            <a:off x="2199622" y="2020678"/>
+            <a:ext cx="1871472" cy="461665"/>
+          </a:xfrm>
+          <a:prstGeom prst="rect">
+            <a:avLst/>
+          </a:prstGeom>
+        </p:spPr>
+        <p:style>
+          <a:lnRef idx="2">
+            <a:schemeClr val="accent1"/>
           </a:lnRef>
           <a:fillRef idx="1">
             <a:schemeClr val="lt1"/>
           </a:fillRef>
           <a:effectRef idx="0">
-            <a:schemeClr val="dk1"/>
+            <a:schemeClr val="accent1"/>
           </a:effectRef>
           <a:fontRef idx="minor">
             <a:schemeClr val="dk1"/>
           </a:fontRef>
         </p:style>
         <p:txBody>
-          <a:bodyPr rtlCol="0" anchor="ctr"/>
+          <a:bodyPr wrap="square" rtlCol="0">
+            <a:spAutoFit/>
+          </a:bodyPr>
           <a:lstStyle/>
           <a:p>
             <a:pPr algn="ctr"/>
             <a:r>
-              <a:rPr lang="en-US" dirty="0"/>
-              <a:t>4</a:t>
+              <a:rPr lang="en-US" sz="1200" dirty="0">
+                <a:solidFill>
+                  <a:schemeClr val="accent1">
+                    <a:lumMod val="75000"/>
+                  </a:schemeClr>
+                </a:solidFill>
+              </a:rPr>
+              <a:t>2 AP Test 33-66%, 2 AP Test 66-100%</a:t>
             </a:r>
           </a:p>
         </p:txBody>
       </p:sp>
-      <p:sp>
-        <p:nvSpPr>
-          <p:cNvPr id="13" name="Flowchart: Off-page Connector 12">
-            <a:extLst>
-              <a:ext uri="{FF2B5EF4-FFF2-40B4-BE49-F238E27FC236}">
-                <a16:creationId xmlns:a16="http://schemas.microsoft.com/office/drawing/2014/main" id="{EBE08A1C-F31C-4522-85AB-40C811AAC92A}"/>
-              </a:ext>
-            </a:extLst>
-          </p:cNvPr>
-          <p:cNvSpPr/>
+      <p:cxnSp>
+        <p:nvCxnSpPr>
+          <p:cNvPr id="6" name="Straight Arrow Connector 5">
+            <a:extLst>
+              <a:ext uri="{FF2B5EF4-FFF2-40B4-BE49-F238E27FC236}">
+                <a16:creationId xmlns:a16="http://schemas.microsoft.com/office/drawing/2014/main" id="{2BCB3E33-F97F-4884-8516-61225F97DF2A}"/>
+              </a:ext>
+            </a:extLst>
+          </p:cNvPr>
+          <p:cNvCxnSpPr>
+            <a:endCxn id="14" idx="7"/>
+          </p:cNvCxnSpPr>
           <p:nvPr/>
-        </p:nvSpPr>
-        <p:spPr>
-          <a:xfrm>
-            <a:off x="835152" y="5678276"/>
-            <a:ext cx="222421" cy="331572"/>
-          </a:xfrm>
-          <a:prstGeom prst="flowChartOffpageConnector">
-            <a:avLst/>
-          </a:prstGeom>
-          <a:solidFill>
-            <a:srgbClr val="CC99FF"/>
-          </a:solidFill>
-          <a:ln w="25400"/>
+        </p:nvCxnSpPr>
+        <p:spPr>
+          <a:xfrm flipH="1">
+            <a:off x="2278260" y="2482343"/>
+            <a:ext cx="857098" cy="264489"/>
+          </a:xfrm>
+          <a:prstGeom prst="straightConnector1">
+            <a:avLst/>
+          </a:prstGeom>
+          <a:ln w="38100">
+            <a:solidFill>
+              <a:schemeClr val="tx1"/>
+            </a:solidFill>
+            <a:tailEnd type="triangle"/>
+          </a:ln>
+        </p:spPr>
+        <p:style>
+          <a:lnRef idx="1">
+            <a:schemeClr val="accent1"/>
+          </a:lnRef>
+          <a:fillRef idx="0">
+            <a:schemeClr val="accent1"/>
+          </a:fillRef>
+          <a:effectRef idx="0">
+            <a:schemeClr val="accent1"/>
+          </a:effectRef>
+          <a:fontRef idx="minor">
+            <a:schemeClr val="tx1"/>
+          </a:fontRef>
+        </p:style>
+      </p:cxnSp>
+      <p:sp>
+        <p:nvSpPr>
+          <p:cNvPr id="48" name="TextBox 47">
+            <a:extLst>
+              <a:ext uri="{FF2B5EF4-FFF2-40B4-BE49-F238E27FC236}">
+                <a16:creationId xmlns:a16="http://schemas.microsoft.com/office/drawing/2014/main" id="{FEB21B1A-182B-460E-ADBB-D1F394B4B78B}"/>
+              </a:ext>
+            </a:extLst>
+          </p:cNvPr>
+          <p:cNvSpPr txBox="1"/>
+          <p:nvPr/>
+        </p:nvSpPr>
+        <p:spPr>
+          <a:xfrm>
+            <a:off x="9747364" y="2024939"/>
+            <a:ext cx="2313537" cy="276999"/>
+          </a:xfrm>
+          <a:prstGeom prst="rect">
+            <a:avLst/>
+          </a:prstGeom>
         </p:spPr>
         <p:style>
           <a:lnRef idx="2">
-            <a:schemeClr val="dk1"/>
+            <a:schemeClr val="accent1"/>
           </a:lnRef>
           <a:fillRef idx="1">
             <a:schemeClr val="lt1"/>
           </a:fillRef>
           <a:effectRef idx="0">
-            <a:schemeClr val="dk1"/>
+            <a:schemeClr val="accent1"/>
           </a:effectRef>
           <a:fontRef idx="minor">
             <a:schemeClr val="dk1"/>
           </a:fontRef>
         </p:style>
         <p:txBody>
-          <a:bodyPr rtlCol="0" anchor="ctr"/>
+          <a:bodyPr wrap="square" rtlCol="0">
+            <a:spAutoFit/>
+          </a:bodyPr>
           <a:lstStyle/>
           <a:p>
             <a:pPr algn="ctr"/>
             <a:r>
-              <a:rPr lang="en-US" dirty="0"/>
-              <a:t>5</a:t>
+              <a:rPr lang="en-US" sz="1200" dirty="0">
+                <a:solidFill>
+                  <a:schemeClr val="accent1">
+                    <a:lumMod val="75000"/>
+                  </a:schemeClr>
+                </a:solidFill>
+              </a:rPr>
+              <a:t>First Language Not English 0-33%</a:t>
             </a:r>
           </a:p>
         </p:txBody>
       </p:sp>
+      <p:cxnSp>
+        <p:nvCxnSpPr>
+          <p:cNvPr id="49" name="Straight Arrow Connector 48">
+            <a:extLst>
+              <a:ext uri="{FF2B5EF4-FFF2-40B4-BE49-F238E27FC236}">
+                <a16:creationId xmlns:a16="http://schemas.microsoft.com/office/drawing/2014/main" id="{1A6CEBEC-1384-49D2-A16A-A49643D9989B}"/>
+              </a:ext>
+            </a:extLst>
+          </p:cNvPr>
+          <p:cNvCxnSpPr>
+            <a:cxnSpLocks/>
+            <a:stCxn id="48" idx="2"/>
+            <a:endCxn id="17" idx="6"/>
+          </p:cNvCxnSpPr>
+          <p:nvPr/>
+        </p:nvCxnSpPr>
+        <p:spPr>
+          <a:xfrm flipH="1">
+            <a:off x="9804105" y="2301938"/>
+            <a:ext cx="1100028" cy="392325"/>
+          </a:xfrm>
+          <a:prstGeom prst="straightConnector1">
+            <a:avLst/>
+          </a:prstGeom>
+          <a:ln w="38100">
+            <a:solidFill>
+              <a:schemeClr val="tx1"/>
+            </a:solidFill>
+            <a:tailEnd type="triangle"/>
+          </a:ln>
+        </p:spPr>
+        <p:style>
+          <a:lnRef idx="1">
+            <a:schemeClr val="accent1"/>
+          </a:lnRef>
+          <a:fillRef idx="0">
+            <a:schemeClr val="accent1"/>
+          </a:fillRef>
+          <a:effectRef idx="0">
+            <a:schemeClr val="accent1"/>
+          </a:effectRef>
+          <a:fontRef idx="minor">
+            <a:schemeClr val="tx1"/>
+          </a:fontRef>
+        </p:style>
+      </p:cxnSp>
+      <p:sp>
+        <p:nvSpPr>
+          <p:cNvPr id="52" name="TextBox 51">
+            <a:extLst>
+              <a:ext uri="{FF2B5EF4-FFF2-40B4-BE49-F238E27FC236}">
+                <a16:creationId xmlns:a16="http://schemas.microsoft.com/office/drawing/2014/main" id="{4C5BDF03-FC9D-445B-B22A-AA89E949F7E1}"/>
+              </a:ext>
+            </a:extLst>
+          </p:cNvPr>
+          <p:cNvSpPr txBox="1"/>
+          <p:nvPr/>
+        </p:nvSpPr>
+        <p:spPr>
+          <a:xfrm>
+            <a:off x="7336345" y="3167111"/>
+            <a:ext cx="1548209" cy="461665"/>
+          </a:xfrm>
+          <a:prstGeom prst="rect">
+            <a:avLst/>
+          </a:prstGeom>
+        </p:spPr>
+        <p:style>
+          <a:lnRef idx="2">
+            <a:schemeClr val="accent1"/>
+          </a:lnRef>
+          <a:fillRef idx="1">
+            <a:schemeClr val="lt1"/>
+          </a:fillRef>
+          <a:effectRef idx="0">
+            <a:schemeClr val="accent1"/>
+          </a:effectRef>
+          <a:fontRef idx="minor">
+            <a:schemeClr val="dk1"/>
+          </a:fontRef>
+        </p:style>
+        <p:txBody>
+          <a:bodyPr wrap="square" rtlCol="0">
+            <a:spAutoFit/>
+          </a:bodyPr>
+          <a:lstStyle/>
+          <a:p>
+            <a:pPr algn="ctr"/>
+            <a:r>
+              <a:rPr lang="en-US" sz="1200" dirty="0">
+                <a:solidFill>
+                  <a:schemeClr val="accent1">
+                    <a:lumMod val="75000"/>
+                  </a:schemeClr>
+                </a:solidFill>
+              </a:rPr>
+              <a:t>2 AP Test 33-66%, 2 AP Test 66-100%</a:t>
+            </a:r>
+          </a:p>
+        </p:txBody>
+      </p:sp>
+      <p:cxnSp>
+        <p:nvCxnSpPr>
+          <p:cNvPr id="53" name="Straight Arrow Connector 52">
+            <a:extLst>
+              <a:ext uri="{FF2B5EF4-FFF2-40B4-BE49-F238E27FC236}">
+                <a16:creationId xmlns:a16="http://schemas.microsoft.com/office/drawing/2014/main" id="{5165B625-D6A7-4225-8929-1E78A1BC75CB}"/>
+              </a:ext>
+            </a:extLst>
+          </p:cNvPr>
+          <p:cNvCxnSpPr>
+            <a:cxnSpLocks/>
+            <a:stCxn id="52" idx="3"/>
+            <a:endCxn id="19" idx="2"/>
+          </p:cNvCxnSpPr>
+          <p:nvPr/>
+        </p:nvCxnSpPr>
+        <p:spPr>
+          <a:xfrm flipV="1">
+            <a:off x="8884554" y="3252376"/>
+            <a:ext cx="373794" cy="145568"/>
+          </a:xfrm>
+          <a:prstGeom prst="straightConnector1">
+            <a:avLst/>
+          </a:prstGeom>
+          <a:ln w="38100">
+            <a:solidFill>
+              <a:schemeClr val="tx1"/>
+            </a:solidFill>
+            <a:tailEnd type="triangle"/>
+          </a:ln>
+        </p:spPr>
+        <p:style>
+          <a:lnRef idx="1">
+            <a:schemeClr val="accent1"/>
+          </a:lnRef>
+          <a:fillRef idx="0">
+            <a:schemeClr val="accent1"/>
+          </a:fillRef>
+          <a:effectRef idx="0">
+            <a:schemeClr val="accent1"/>
+          </a:effectRef>
+          <a:fontRef idx="minor">
+            <a:schemeClr val="tx1"/>
+          </a:fontRef>
+        </p:style>
+      </p:cxnSp>
+      <p:sp>
+        <p:nvSpPr>
+          <p:cNvPr id="56" name="TextBox 55">
+            <a:extLst>
+              <a:ext uri="{FF2B5EF4-FFF2-40B4-BE49-F238E27FC236}">
+                <a16:creationId xmlns:a16="http://schemas.microsoft.com/office/drawing/2014/main" id="{3B7647AF-1F15-46EE-9C96-1C18B4B016B1}"/>
+              </a:ext>
+            </a:extLst>
+          </p:cNvPr>
+          <p:cNvSpPr txBox="1"/>
+          <p:nvPr/>
+        </p:nvSpPr>
+        <p:spPr>
+          <a:xfrm>
+            <a:off x="2919984" y="5073195"/>
+            <a:ext cx="1373810" cy="461665"/>
+          </a:xfrm>
+          <a:prstGeom prst="rect">
+            <a:avLst/>
+          </a:prstGeom>
+        </p:spPr>
+        <p:style>
+          <a:lnRef idx="2">
+            <a:schemeClr val="accent1"/>
+          </a:lnRef>
+          <a:fillRef idx="1">
+            <a:schemeClr val="lt1"/>
+          </a:fillRef>
+          <a:effectRef idx="0">
+            <a:schemeClr val="accent1"/>
+          </a:effectRef>
+          <a:fontRef idx="minor">
+            <a:schemeClr val="dk1"/>
+          </a:fontRef>
+        </p:style>
+        <p:txBody>
+          <a:bodyPr wrap="square" rtlCol="0">
+            <a:spAutoFit/>
+          </a:bodyPr>
+          <a:lstStyle/>
+          <a:p>
+            <a:pPr algn="ctr"/>
+            <a:r>
+              <a:rPr lang="en-US" sz="1200" dirty="0">
+                <a:solidFill>
+                  <a:schemeClr val="accent1">
+                    <a:lumMod val="75000"/>
+                  </a:schemeClr>
+                </a:solidFill>
+              </a:rPr>
+              <a:t>1 AP Test 33-66%, 1 AP Test 66-100%</a:t>
+            </a:r>
+          </a:p>
+        </p:txBody>
+      </p:sp>
+      <p:sp>
+        <p:nvSpPr>
+          <p:cNvPr id="57" name="TextBox 56">
+            <a:extLst>
+              <a:ext uri="{FF2B5EF4-FFF2-40B4-BE49-F238E27FC236}">
+                <a16:creationId xmlns:a16="http://schemas.microsoft.com/office/drawing/2014/main" id="{E19FEED7-B9C5-4B02-A1E4-2C4C992DCCA3}"/>
+              </a:ext>
+            </a:extLst>
+          </p:cNvPr>
+          <p:cNvSpPr txBox="1"/>
+          <p:nvPr/>
+        </p:nvSpPr>
+        <p:spPr>
+          <a:xfrm>
+            <a:off x="4760101" y="4271639"/>
+            <a:ext cx="1893704" cy="276999"/>
+          </a:xfrm>
+          <a:prstGeom prst="rect">
+            <a:avLst/>
+          </a:prstGeom>
+        </p:spPr>
+        <p:style>
+          <a:lnRef idx="2">
+            <a:schemeClr val="accent1"/>
+          </a:lnRef>
+          <a:fillRef idx="1">
+            <a:schemeClr val="lt1"/>
+          </a:fillRef>
+          <a:effectRef idx="0">
+            <a:schemeClr val="accent1"/>
+          </a:effectRef>
+          <a:fontRef idx="minor">
+            <a:schemeClr val="dk1"/>
+          </a:fontRef>
+        </p:style>
+        <p:txBody>
+          <a:bodyPr wrap="square" rtlCol="0">
+            <a:spAutoFit/>
+          </a:bodyPr>
+          <a:lstStyle/>
+          <a:p>
+            <a:pPr algn="ctr"/>
+            <a:r>
+              <a:rPr lang="en-US" sz="1200" dirty="0">
+                <a:solidFill>
+                  <a:schemeClr val="accent1">
+                    <a:lumMod val="75000"/>
+                  </a:schemeClr>
+                </a:solidFill>
+              </a:rPr>
+              <a:t>Total Enrollment 500-1000</a:t>
+            </a:r>
+          </a:p>
+        </p:txBody>
+      </p:sp>
+      <p:sp>
+        <p:nvSpPr>
+          <p:cNvPr id="58" name="TextBox 57">
+            <a:extLst>
+              <a:ext uri="{FF2B5EF4-FFF2-40B4-BE49-F238E27FC236}">
+                <a16:creationId xmlns:a16="http://schemas.microsoft.com/office/drawing/2014/main" id="{3DE18CA9-75B5-4462-9F26-464E80FEAC3E}"/>
+              </a:ext>
+            </a:extLst>
+          </p:cNvPr>
+          <p:cNvSpPr txBox="1"/>
+          <p:nvPr/>
+        </p:nvSpPr>
+        <p:spPr>
+          <a:xfrm>
+            <a:off x="6894200" y="5047105"/>
+            <a:ext cx="1548209" cy="646331"/>
+          </a:xfrm>
+          <a:prstGeom prst="rect">
+            <a:avLst/>
+          </a:prstGeom>
+        </p:spPr>
+        <p:style>
+          <a:lnRef idx="2">
+            <a:schemeClr val="accent1"/>
+          </a:lnRef>
+          <a:fillRef idx="1">
+            <a:schemeClr val="lt1"/>
+          </a:fillRef>
+          <a:effectRef idx="0">
+            <a:schemeClr val="accent1"/>
+          </a:effectRef>
+          <a:fontRef idx="minor">
+            <a:schemeClr val="dk1"/>
+          </a:fontRef>
+        </p:style>
+        <p:txBody>
+          <a:bodyPr wrap="square" rtlCol="0">
+            <a:spAutoFit/>
+          </a:bodyPr>
+          <a:lstStyle/>
+          <a:p>
+            <a:pPr algn="ctr"/>
+            <a:r>
+              <a:rPr lang="en-US" sz="1200" dirty="0">
+                <a:solidFill>
+                  <a:schemeClr val="accent1">
+                    <a:lumMod val="75000"/>
+                  </a:schemeClr>
+                </a:solidFill>
+              </a:rPr>
+              <a:t>Avg Class Size 20-25, Avg Class Size 25-30, Avg Class Size 30-35</a:t>
+            </a:r>
+          </a:p>
+        </p:txBody>
+      </p:sp>
+      <p:sp>
+        <p:nvSpPr>
+          <p:cNvPr id="59" name="TextBox 58">
+            <a:extLst>
+              <a:ext uri="{FF2B5EF4-FFF2-40B4-BE49-F238E27FC236}">
+                <a16:creationId xmlns:a16="http://schemas.microsoft.com/office/drawing/2014/main" id="{C541DB56-BC58-45F4-B0E4-0E729333EBCD}"/>
+              </a:ext>
+            </a:extLst>
+          </p:cNvPr>
+          <p:cNvSpPr txBox="1"/>
+          <p:nvPr/>
+        </p:nvSpPr>
+        <p:spPr>
+          <a:xfrm>
+            <a:off x="7230128" y="5990651"/>
+            <a:ext cx="1548209" cy="276999"/>
+          </a:xfrm>
+          <a:prstGeom prst="rect">
+            <a:avLst/>
+          </a:prstGeom>
+        </p:spPr>
+        <p:style>
+          <a:lnRef idx="2">
+            <a:schemeClr val="accent1"/>
+          </a:lnRef>
+          <a:fillRef idx="1">
+            <a:schemeClr val="lt1"/>
+          </a:fillRef>
+          <a:effectRef idx="0">
+            <a:schemeClr val="accent1"/>
+          </a:effectRef>
+          <a:fontRef idx="minor">
+            <a:schemeClr val="dk1"/>
+          </a:fontRef>
+        </p:style>
+        <p:txBody>
+          <a:bodyPr wrap="square" rtlCol="0">
+            <a:spAutoFit/>
+          </a:bodyPr>
+          <a:lstStyle/>
+          <a:p>
+            <a:pPr algn="ctr"/>
+            <a:r>
+              <a:rPr lang="en-US" sz="1200" dirty="0">
+                <a:solidFill>
+                  <a:schemeClr val="accent1">
+                    <a:lumMod val="75000"/>
+                  </a:schemeClr>
+                </a:solidFill>
+              </a:rPr>
+              <a:t>2 AP Test 66-100%</a:t>
+            </a:r>
+          </a:p>
+        </p:txBody>
+      </p:sp>
+      <p:cxnSp>
+        <p:nvCxnSpPr>
+          <p:cNvPr id="60" name="Straight Arrow Connector 59">
+            <a:extLst>
+              <a:ext uri="{FF2B5EF4-FFF2-40B4-BE49-F238E27FC236}">
+                <a16:creationId xmlns:a16="http://schemas.microsoft.com/office/drawing/2014/main" id="{F8AA3F73-B97B-452B-A2BA-904C71C3BD0D}"/>
+              </a:ext>
+            </a:extLst>
+          </p:cNvPr>
+          <p:cNvCxnSpPr>
+            <a:cxnSpLocks/>
+            <a:stCxn id="56" idx="3"/>
+            <a:endCxn id="23" idx="2"/>
+          </p:cNvCxnSpPr>
+          <p:nvPr/>
+        </p:nvCxnSpPr>
+        <p:spPr>
+          <a:xfrm>
+            <a:off x="4293794" y="5304028"/>
+            <a:ext cx="653312" cy="252251"/>
+          </a:xfrm>
+          <a:prstGeom prst="straightConnector1">
+            <a:avLst/>
+          </a:prstGeom>
+          <a:ln w="38100">
+            <a:solidFill>
+              <a:schemeClr val="tx1"/>
+            </a:solidFill>
+            <a:tailEnd type="triangle"/>
+          </a:ln>
+        </p:spPr>
+        <p:style>
+          <a:lnRef idx="1">
+            <a:schemeClr val="accent1"/>
+          </a:lnRef>
+          <a:fillRef idx="0">
+            <a:schemeClr val="accent1"/>
+          </a:fillRef>
+          <a:effectRef idx="0">
+            <a:schemeClr val="accent1"/>
+          </a:effectRef>
+          <a:fontRef idx="minor">
+            <a:schemeClr val="tx1"/>
+          </a:fontRef>
+        </p:style>
+      </p:cxnSp>
+      <p:cxnSp>
+        <p:nvCxnSpPr>
+          <p:cNvPr id="63" name="Straight Arrow Connector 62">
+            <a:extLst>
+              <a:ext uri="{FF2B5EF4-FFF2-40B4-BE49-F238E27FC236}">
+                <a16:creationId xmlns:a16="http://schemas.microsoft.com/office/drawing/2014/main" id="{34B6AF62-3FB2-423F-97A1-480C27E11687}"/>
+              </a:ext>
+            </a:extLst>
+          </p:cNvPr>
+          <p:cNvCxnSpPr>
+            <a:cxnSpLocks/>
+            <a:stCxn id="57" idx="2"/>
+            <a:endCxn id="22" idx="0"/>
+          </p:cNvCxnSpPr>
+          <p:nvPr/>
+        </p:nvCxnSpPr>
+        <p:spPr>
+          <a:xfrm flipH="1">
+            <a:off x="5704988" y="4548638"/>
+            <a:ext cx="1965" cy="342436"/>
+          </a:xfrm>
+          <a:prstGeom prst="straightConnector1">
+            <a:avLst/>
+          </a:prstGeom>
+          <a:ln w="38100">
+            <a:solidFill>
+              <a:schemeClr val="tx1"/>
+            </a:solidFill>
+            <a:tailEnd type="triangle"/>
+          </a:ln>
+        </p:spPr>
+        <p:style>
+          <a:lnRef idx="1">
+            <a:schemeClr val="accent1"/>
+          </a:lnRef>
+          <a:fillRef idx="0">
+            <a:schemeClr val="accent1"/>
+          </a:fillRef>
+          <a:effectRef idx="0">
+            <a:schemeClr val="accent1"/>
+          </a:effectRef>
+          <a:fontRef idx="minor">
+            <a:schemeClr val="tx1"/>
+          </a:fontRef>
+        </p:style>
+      </p:cxnSp>
+      <p:cxnSp>
+        <p:nvCxnSpPr>
+          <p:cNvPr id="67" name="Straight Arrow Connector 66">
+            <a:extLst>
+              <a:ext uri="{FF2B5EF4-FFF2-40B4-BE49-F238E27FC236}">
+                <a16:creationId xmlns:a16="http://schemas.microsoft.com/office/drawing/2014/main" id="{5C8A68E5-6D83-4F25-BF47-D53839701285}"/>
+              </a:ext>
+            </a:extLst>
+          </p:cNvPr>
+          <p:cNvCxnSpPr>
+            <a:cxnSpLocks/>
+            <a:stCxn id="58" idx="1"/>
+            <a:endCxn id="24" idx="6"/>
+          </p:cNvCxnSpPr>
+          <p:nvPr/>
+        </p:nvCxnSpPr>
+        <p:spPr>
+          <a:xfrm flipH="1">
+            <a:off x="6413410" y="5370271"/>
+            <a:ext cx="480790" cy="186008"/>
+          </a:xfrm>
+          <a:prstGeom prst="straightConnector1">
+            <a:avLst/>
+          </a:prstGeom>
+          <a:ln w="38100">
+            <a:solidFill>
+              <a:schemeClr val="tx1"/>
+            </a:solidFill>
+            <a:tailEnd type="triangle"/>
+          </a:ln>
+        </p:spPr>
+        <p:style>
+          <a:lnRef idx="1">
+            <a:schemeClr val="accent1"/>
+          </a:lnRef>
+          <a:fillRef idx="0">
+            <a:schemeClr val="accent1"/>
+          </a:fillRef>
+          <a:effectRef idx="0">
+            <a:schemeClr val="accent1"/>
+          </a:effectRef>
+          <a:fontRef idx="minor">
+            <a:schemeClr val="tx1"/>
+          </a:fontRef>
+        </p:style>
+      </p:cxnSp>
+      <p:cxnSp>
+        <p:nvCxnSpPr>
+          <p:cNvPr id="70" name="Straight Arrow Connector 69">
+            <a:extLst>
+              <a:ext uri="{FF2B5EF4-FFF2-40B4-BE49-F238E27FC236}">
+                <a16:creationId xmlns:a16="http://schemas.microsoft.com/office/drawing/2014/main" id="{0EC17F02-0FBB-4568-8FAF-72015052D62F}"/>
+              </a:ext>
+            </a:extLst>
+          </p:cNvPr>
+          <p:cNvCxnSpPr>
+            <a:cxnSpLocks/>
+            <a:stCxn id="59" idx="1"/>
+            <a:endCxn id="28" idx="6"/>
+          </p:cNvCxnSpPr>
+          <p:nvPr/>
+        </p:nvCxnSpPr>
+        <p:spPr>
+          <a:xfrm flipH="1" flipV="1">
+            <a:off x="6745987" y="6110273"/>
+            <a:ext cx="484141" cy="18878"/>
+          </a:xfrm>
+          <a:prstGeom prst="straightConnector1">
+            <a:avLst/>
+          </a:prstGeom>
+          <a:ln w="38100">
+            <a:solidFill>
+              <a:schemeClr val="tx1"/>
+            </a:solidFill>
+            <a:tailEnd type="triangle"/>
+          </a:ln>
+        </p:spPr>
+        <p:style>
+          <a:lnRef idx="1">
+            <a:schemeClr val="accent1"/>
+          </a:lnRef>
+          <a:fillRef idx="0">
+            <a:schemeClr val="accent1"/>
+          </a:fillRef>
+          <a:effectRef idx="0">
+            <a:schemeClr val="accent1"/>
+          </a:effectRef>
+          <a:fontRef idx="minor">
+            <a:schemeClr val="tx1"/>
+          </a:fontRef>
+        </p:style>
+      </p:cxnSp>
     </p:spTree>
     <p:extLst>
       <p:ext uri="{BB962C8B-B14F-4D97-AF65-F5344CB8AC3E}">

--- a/D2P_Slide_Deck.pptx
+++ b/D2P_Slide_Deck.pptx
@@ -11835,8 +11835,8 @@
         </p:nvSpPr>
         <p:spPr>
           <a:xfrm>
-            <a:off x="2199622" y="2020678"/>
-            <a:ext cx="1871472" cy="461665"/>
+            <a:off x="2505193" y="2055803"/>
+            <a:ext cx="1373811" cy="461665"/>
           </a:xfrm>
           <a:prstGeom prst="rect">
             <a:avLst/>
@@ -11886,14 +11886,16 @@
             </a:extLst>
           </p:cNvPr>
           <p:cNvCxnSpPr>
+            <a:cxnSpLocks/>
+            <a:stCxn id="4" idx="2"/>
             <a:endCxn id="14" idx="7"/>
           </p:cNvCxnSpPr>
           <p:nvPr/>
         </p:nvCxnSpPr>
         <p:spPr>
           <a:xfrm flipH="1">
-            <a:off x="2278260" y="2482343"/>
-            <a:ext cx="857098" cy="264489"/>
+            <a:off x="2278260" y="2517468"/>
+            <a:ext cx="913839" cy="229364"/>
           </a:xfrm>
           <a:prstGeom prst="straightConnector1">
             <a:avLst/>
@@ -11935,7 +11937,7 @@
         <p:spPr>
           <a:xfrm>
             <a:off x="9747364" y="2024939"/>
-            <a:ext cx="2313537" cy="276999"/>
+            <a:ext cx="2236551" cy="276999"/>
           </a:xfrm>
           <a:prstGeom prst="rect">
             <a:avLst/>
@@ -11994,7 +11996,7 @@
         <p:spPr>
           <a:xfrm flipH="1">
             <a:off x="9804105" y="2301938"/>
-            <a:ext cx="1100028" cy="392325"/>
+            <a:ext cx="1061535" cy="392325"/>
           </a:xfrm>
           <a:prstGeom prst="straightConnector1">
             <a:avLst/>
@@ -12035,8 +12037,8 @@
         </p:nvSpPr>
         <p:spPr>
           <a:xfrm>
-            <a:off x="7336345" y="3167111"/>
-            <a:ext cx="1548209" cy="461665"/>
+            <a:off x="7517423" y="3167111"/>
+            <a:ext cx="1367131" cy="461665"/>
           </a:xfrm>
           <a:prstGeom prst="rect">
             <a:avLst/>
@@ -12301,8 +12303,8 @@
         </p:nvSpPr>
         <p:spPr>
           <a:xfrm>
-            <a:off x="7230128" y="5990651"/>
-            <a:ext cx="1548209" cy="276999"/>
+            <a:off x="7230129" y="5990651"/>
+            <a:ext cx="1367132" cy="276999"/>
           </a:xfrm>
           <a:prstGeom prst="rect">
             <a:avLst/>
@@ -12499,7 +12501,7 @@
         <p:spPr>
           <a:xfrm flipH="1" flipV="1">
             <a:off x="6745987" y="6110273"/>
-            <a:ext cx="484141" cy="18878"/>
+            <a:ext cx="484142" cy="18878"/>
           </a:xfrm>
           <a:prstGeom prst="straightConnector1">
             <a:avLst/>
